--- a/Rentaruro.pptx
+++ b/Rentaruro.pptx
@@ -13,8 +13,7 @@
     <p:sldId id="259" r:id="rId7"/>
     <p:sldId id="260" r:id="rId8"/>
     <p:sldId id="262" r:id="rId9"/>
-    <p:sldId id="264" r:id="rId10"/>
-    <p:sldId id="265" r:id="rId11"/>
+    <p:sldId id="265" r:id="rId10"/>
   </p:sldIdLst>
   <p:sldSz cx="12192000" cy="6858000"/>
   <p:notesSz cx="6858000" cy="9144000"/>
@@ -113,6 +112,11 @@
       </a:defRPr>
     </a:lvl9pPr>
   </p:defaultTextStyle>
+  <p:extLst>
+    <p:ext uri="{EFAFB233-063F-42B5-8137-9DF3F51BA10A}">
+      <p15:sldGuideLst xmlns:p15="http://schemas.microsoft.com/office/powerpoint/2012/main"/>
+    </p:ext>
+  </p:extLst>
 </p:presentation>
 </file>
 
@@ -3503,89 +3507,6 @@
 </p:sld>
 </file>
 
-<file path=ppt/slides/slide10.xml><?xml version="1.0" encoding="utf-8"?>
-<p:sld xmlns:a="http://schemas.openxmlformats.org/drawingml/2006/main" xmlns:r="http://schemas.openxmlformats.org/officeDocument/2006/relationships" xmlns:p="http://schemas.openxmlformats.org/presentationml/2006/main">
-  <p:cSld>
-    <p:spTree>
-      <p:nvGrpSpPr>
-        <p:cNvPr id="1" name=""/>
-        <p:cNvGrpSpPr/>
-        <p:nvPr/>
-      </p:nvGrpSpPr>
-      <p:grpSpPr>
-        <a:xfrm>
-          <a:off x="0" y="0"/>
-          <a:ext cx="0" cy="0"/>
-          <a:chOff x="0" y="0"/>
-          <a:chExt cx="0" cy="0"/>
-        </a:xfrm>
-      </p:grpSpPr>
-      <p:sp>
-        <p:nvSpPr>
-          <p:cNvPr id="2" name="Title 1">
-            <a:extLst>
-              <a:ext uri="{FF2B5EF4-FFF2-40B4-BE49-F238E27FC236}">
-                <a16:creationId xmlns:a16="http://schemas.microsoft.com/office/drawing/2014/main" id="{9A0D7FBE-7B7C-E4FD-138F-166AB897DB63}"/>
-              </a:ext>
-            </a:extLst>
-          </p:cNvPr>
-          <p:cNvSpPr>
-            <a:spLocks noGrp="1"/>
-          </p:cNvSpPr>
-          <p:nvPr>
-            <p:ph type="ctrTitle"/>
-          </p:nvPr>
-        </p:nvSpPr>
-        <p:spPr/>
-        <p:txBody>
-          <a:bodyPr/>
-          <a:lstStyle/>
-          <a:p>
-            <a:r>
-              <a:rPr lang="hu-HU"/>
-              <a:t>Köszönjük a figyelmet!</a:t>
-            </a:r>
-          </a:p>
-        </p:txBody>
-      </p:sp>
-      <p:sp>
-        <p:nvSpPr>
-          <p:cNvPr id="3" name="Subtitle 2">
-            <a:extLst>
-              <a:ext uri="{FF2B5EF4-FFF2-40B4-BE49-F238E27FC236}">
-                <a16:creationId xmlns:a16="http://schemas.microsoft.com/office/drawing/2014/main" id="{617541EF-15EE-C24E-922A-A018DAB84AE2}"/>
-              </a:ext>
-            </a:extLst>
-          </p:cNvPr>
-          <p:cNvSpPr>
-            <a:spLocks noGrp="1"/>
-          </p:cNvSpPr>
-          <p:nvPr>
-            <p:ph type="subTitle" idx="1"/>
-          </p:nvPr>
-        </p:nvSpPr>
-        <p:spPr/>
-        <p:txBody>
-          <a:bodyPr/>
-          <a:lstStyle/>
-          <a:p>
-            <a:endParaRPr lang="hu-HU"/>
-          </a:p>
-        </p:txBody>
-      </p:sp>
-    </p:spTree>
-    <p:extLst>
-      <p:ext uri="{BB962C8B-B14F-4D97-AF65-F5344CB8AC3E}">
-        <p14:creationId xmlns:p14="http://schemas.microsoft.com/office/powerpoint/2010/main" val="1124777113"/>
-      </p:ext>
-    </p:extLst>
-  </p:cSld>
-  <p:clrMapOvr>
-    <a:masterClrMapping/>
-  </p:clrMapOvr>
-</p:sld>
-</file>
-
 <file path=ppt/slides/slide2.xml><?xml version="1.0" encoding="utf-8"?>
 <p:sld xmlns:a="http://schemas.openxmlformats.org/drawingml/2006/main" xmlns:r="http://schemas.openxmlformats.org/officeDocument/2006/relationships" xmlns:p="http://schemas.openxmlformats.org/presentationml/2006/main">
   <p:cSld>
@@ -4398,11 +4319,94 @@
             <p:ph idx="1"/>
           </p:nvPr>
         </p:nvSpPr>
-        <p:spPr/>
-        <p:txBody>
-          <a:bodyPr/>
-          <a:lstStyle/>
-          <a:p>
+        <p:spPr>
+          <a:xfrm>
+            <a:off x="838200" y="1825625"/>
+            <a:ext cx="10515600" cy="4667250"/>
+          </a:xfrm>
+        </p:spPr>
+        <p:txBody>
+          <a:bodyPr/>
+          <a:lstStyle/>
+          <a:p>
+            <a:r>
+              <a:rPr lang="hu-HU" dirty="0">
+                <a:hlinkClick r:id="rId2" action="ppaction://hlinkfile"/>
+              </a:rPr>
+              <a:t>tests\createCar.wmv</a:t>
+            </a:r>
+            <a:endParaRPr lang="hu-HU" dirty="0"/>
+          </a:p>
+          <a:p>
+            <a:r>
+              <a:rPr lang="hu-HU" dirty="0">
+                <a:hlinkClick r:id="rId3" action="ppaction://hlinkfile"/>
+              </a:rPr>
+              <a:t>tests\createWorker.mp4</a:t>
+            </a:r>
+            <a:endParaRPr lang="hu-HU" dirty="0"/>
+          </a:p>
+          <a:p>
+            <a:r>
+              <a:rPr lang="hu-HU" dirty="0">
+                <a:hlinkClick r:id="rId4" action="ppaction://hlinkfile"/>
+              </a:rPr>
+              <a:t>tests\deleteCar.mp4</a:t>
+            </a:r>
+            <a:endParaRPr lang="hu-HU" dirty="0"/>
+          </a:p>
+          <a:p>
+            <a:r>
+              <a:rPr lang="hu-HU" dirty="0">
+                <a:hlinkClick r:id="rId5" action="ppaction://hlinkfile"/>
+              </a:rPr>
+              <a:t>tests\deleteRent.mp4</a:t>
+            </a:r>
+            <a:endParaRPr lang="hu-HU" dirty="0"/>
+          </a:p>
+          <a:p>
+            <a:r>
+              <a:rPr lang="hu-HU" dirty="0">
+                <a:hlinkClick r:id="rId6" action="ppaction://hlinkfile"/>
+              </a:rPr>
+              <a:t>tests\deleteWorker.mp4</a:t>
+            </a:r>
+            <a:endParaRPr lang="hu-HU" dirty="0"/>
+          </a:p>
+          <a:p>
+            <a:r>
+              <a:rPr lang="hu-HU" dirty="0">
+                <a:hlinkClick r:id="rId7" action="ppaction://hlinkfile"/>
+              </a:rPr>
+              <a:t>tests\login.wmv</a:t>
+            </a:r>
+            <a:endParaRPr lang="hu-HU" dirty="0"/>
+          </a:p>
+          <a:p>
+            <a:r>
+              <a:rPr lang="hu-HU" dirty="0">
+                <a:hlinkClick r:id="rId8" action="ppaction://hlinkfile"/>
+              </a:rPr>
+              <a:t>tests\updateCar.mp4</a:t>
+            </a:r>
+            <a:endParaRPr lang="hu-HU" dirty="0"/>
+          </a:p>
+          <a:p>
+            <a:r>
+              <a:rPr lang="hu-HU" dirty="0">
+                <a:hlinkClick r:id="rId9" action="ppaction://hlinkfile"/>
+              </a:rPr>
+              <a:t>tests\updateRent.mp4</a:t>
+            </a:r>
+            <a:endParaRPr lang="hu-HU" dirty="0"/>
+          </a:p>
+          <a:p>
+            <a:r>
+              <a:rPr lang="hu-HU" dirty="0">
+                <a:hlinkClick r:id="rId10" action="ppaction://hlinkfile"/>
+              </a:rPr>
+              <a:t>tests\updateWorker.mp4</a:t>
+            </a:r>
             <a:endParaRPr lang="hu-HU" dirty="0"/>
           </a:p>
         </p:txBody>
@@ -4442,40 +4446,43 @@
           <p:cNvPr id="2" name="Title 1">
             <a:extLst>
               <a:ext uri="{FF2B5EF4-FFF2-40B4-BE49-F238E27FC236}">
-                <a16:creationId xmlns:a16="http://schemas.microsoft.com/office/drawing/2014/main" id="{7FB8CDCE-EC3A-19BB-B586-A45355938D65}"/>
-              </a:ext>
-            </a:extLst>
-          </p:cNvPr>
-          <p:cNvSpPr>
-            <a:spLocks noGrp="1"/>
-          </p:cNvSpPr>
-          <p:nvPr>
-            <p:ph type="title"/>
-          </p:nvPr>
-        </p:nvSpPr>
-        <p:spPr/>
-        <p:txBody>
-          <a:bodyPr/>
-          <a:lstStyle/>
-          <a:p>
-            <a:endParaRPr lang="hu-HU"/>
-          </a:p>
-        </p:txBody>
-      </p:sp>
-      <p:sp>
-        <p:nvSpPr>
-          <p:cNvPr id="3" name="Content Placeholder 2">
-            <a:extLst>
-              <a:ext uri="{FF2B5EF4-FFF2-40B4-BE49-F238E27FC236}">
-                <a16:creationId xmlns:a16="http://schemas.microsoft.com/office/drawing/2014/main" id="{39EC4783-B4D1-EE7A-3C42-D9EE41F237C7}"/>
-              </a:ext>
-            </a:extLst>
-          </p:cNvPr>
-          <p:cNvSpPr>
-            <a:spLocks noGrp="1"/>
-          </p:cNvSpPr>
-          <p:nvPr>
-            <p:ph idx="1"/>
+                <a16:creationId xmlns:a16="http://schemas.microsoft.com/office/drawing/2014/main" id="{9A0D7FBE-7B7C-E4FD-138F-166AB897DB63}"/>
+              </a:ext>
+            </a:extLst>
+          </p:cNvPr>
+          <p:cNvSpPr>
+            <a:spLocks noGrp="1"/>
+          </p:cNvSpPr>
+          <p:nvPr>
+            <p:ph type="ctrTitle"/>
+          </p:nvPr>
+        </p:nvSpPr>
+        <p:spPr/>
+        <p:txBody>
+          <a:bodyPr/>
+          <a:lstStyle/>
+          <a:p>
+            <a:r>
+              <a:rPr lang="hu-HU"/>
+              <a:t>Köszönjük a figyelmet!</a:t>
+            </a:r>
+          </a:p>
+        </p:txBody>
+      </p:sp>
+      <p:sp>
+        <p:nvSpPr>
+          <p:cNvPr id="3" name="Subtitle 2">
+            <a:extLst>
+              <a:ext uri="{FF2B5EF4-FFF2-40B4-BE49-F238E27FC236}">
+                <a16:creationId xmlns:a16="http://schemas.microsoft.com/office/drawing/2014/main" id="{617541EF-15EE-C24E-922A-A018DAB84AE2}"/>
+              </a:ext>
+            </a:extLst>
+          </p:cNvPr>
+          <p:cNvSpPr>
+            <a:spLocks noGrp="1"/>
+          </p:cNvSpPr>
+          <p:nvPr>
+            <p:ph type="subTitle" idx="1"/>
           </p:nvPr>
         </p:nvSpPr>
         <p:spPr/>
@@ -4490,7 +4497,7 @@
     </p:spTree>
     <p:extLst>
       <p:ext uri="{BB962C8B-B14F-4D97-AF65-F5344CB8AC3E}">
-        <p14:creationId xmlns:p14="http://schemas.microsoft.com/office/powerpoint/2010/main" val="2293487498"/>
+        <p14:creationId xmlns:p14="http://schemas.microsoft.com/office/powerpoint/2010/main" val="1124777113"/>
       </p:ext>
     </p:extLst>
   </p:cSld>

--- a/Rentaruro.pptx
+++ b/Rentaruro.pptx
@@ -8,12 +8,19 @@
     <p:sldId id="256" r:id="rId2"/>
     <p:sldId id="257" r:id="rId3"/>
     <p:sldId id="261" r:id="rId4"/>
-    <p:sldId id="263" r:id="rId5"/>
-    <p:sldId id="258" r:id="rId6"/>
-    <p:sldId id="259" r:id="rId7"/>
-    <p:sldId id="260" r:id="rId8"/>
-    <p:sldId id="262" r:id="rId9"/>
-    <p:sldId id="265" r:id="rId10"/>
+    <p:sldId id="272" r:id="rId5"/>
+    <p:sldId id="263" r:id="rId6"/>
+    <p:sldId id="267" r:id="rId7"/>
+    <p:sldId id="268" r:id="rId8"/>
+    <p:sldId id="269" r:id="rId9"/>
+    <p:sldId id="270" r:id="rId10"/>
+    <p:sldId id="271" r:id="rId11"/>
+    <p:sldId id="258" r:id="rId12"/>
+    <p:sldId id="259" r:id="rId13"/>
+    <p:sldId id="260" r:id="rId14"/>
+    <p:sldId id="262" r:id="rId15"/>
+    <p:sldId id="266" r:id="rId16"/>
+    <p:sldId id="265" r:id="rId17"/>
   </p:sldIdLst>
   <p:sldSz cx="12192000" cy="6858000"/>
   <p:notesSz cx="6858000" cy="9144000"/>
@@ -120,6 +127,898 @@
 </p:presentation>
 </file>
 
+<file path=ppt/revisionInfo.xml><?xml version="1.0" encoding="utf-8"?>
+<p1510:revInfo xmlns:a="http://schemas.openxmlformats.org/drawingml/2006/main" xmlns:r="http://schemas.openxmlformats.org/officeDocument/2006/relationships" xmlns:p1510="http://schemas.microsoft.com/office/powerpoint/2015/10/main">
+  <p1510:revLst>
+    <p1510:client id="{230A61AE-279F-4D10-87E0-CE5E894CD5A6}" v="29" dt="2025-05-19T16:59:18.930"/>
+  </p1510:revLst>
+</p1510:revInfo>
+</file>
+
+<file path=ppt/changesInfos/changesInfo1.xml><?xml version="1.0" encoding="utf-8"?>
+<pc:chgInfo xmlns:a="http://schemas.openxmlformats.org/drawingml/2006/main" xmlns:r="http://schemas.openxmlformats.org/officeDocument/2006/relationships" xmlns:ac="http://schemas.microsoft.com/office/drawing/2013/main/command" xmlns:pc="http://schemas.microsoft.com/office/powerpoint/2013/main/command">
+  <pc:docChgLst>
+    <pc:chgData name="V Bende" userId="cc7f2de6e391acd7" providerId="LiveId" clId="{230A61AE-279F-4D10-87E0-CE5E894CD5A6}"/>
+    <pc:docChg chg="undo custSel addSld modSld">
+      <pc:chgData name="V Bende" userId="cc7f2de6e391acd7" providerId="LiveId" clId="{230A61AE-279F-4D10-87E0-CE5E894CD5A6}" dt="2025-05-19T16:59:26.680" v="823" actId="26606"/>
+      <pc:docMkLst>
+        <pc:docMk/>
+      </pc:docMkLst>
+      <pc:sldChg chg="addSp delSp modSp mod setBg">
+        <pc:chgData name="V Bende" userId="cc7f2de6e391acd7" providerId="LiveId" clId="{230A61AE-279F-4D10-87E0-CE5E894CD5A6}" dt="2025-05-19T16:37:41.243" v="19" actId="26606"/>
+        <pc:sldMkLst>
+          <pc:docMk/>
+          <pc:sldMk cId="3311756763" sldId="260"/>
+        </pc:sldMkLst>
+        <pc:spChg chg="mod">
+          <ac:chgData name="V Bende" userId="cc7f2de6e391acd7" providerId="LiveId" clId="{230A61AE-279F-4D10-87E0-CE5E894CD5A6}" dt="2025-05-19T16:37:41.243" v="19" actId="26606"/>
+          <ac:spMkLst>
+            <pc:docMk/>
+            <pc:sldMk cId="3311756763" sldId="260"/>
+            <ac:spMk id="2" creationId="{1DFFEB96-E4EC-8848-C99B-21BF1E800BF0}"/>
+          </ac:spMkLst>
+        </pc:spChg>
+        <pc:spChg chg="del">
+          <ac:chgData name="V Bende" userId="cc7f2de6e391acd7" providerId="LiveId" clId="{230A61AE-279F-4D10-87E0-CE5E894CD5A6}" dt="2025-05-19T16:36:56.405" v="0"/>
+          <ac:spMkLst>
+            <pc:docMk/>
+            <pc:sldMk cId="3311756763" sldId="260"/>
+            <ac:spMk id="3" creationId="{11836637-3EA0-7193-3319-0EB2F0FE20C3}"/>
+          </ac:spMkLst>
+        </pc:spChg>
+        <pc:spChg chg="add">
+          <ac:chgData name="V Bende" userId="cc7f2de6e391acd7" providerId="LiveId" clId="{230A61AE-279F-4D10-87E0-CE5E894CD5A6}" dt="2025-05-19T16:37:41.243" v="19" actId="26606"/>
+          <ac:spMkLst>
+            <pc:docMk/>
+            <pc:sldMk cId="3311756763" sldId="260"/>
+            <ac:spMk id="18" creationId="{72018E1B-E0B9-4440-AFF3-4112E50A2763}"/>
+          </ac:spMkLst>
+        </pc:spChg>
+        <pc:picChg chg="add mod ord">
+          <ac:chgData name="V Bende" userId="cc7f2de6e391acd7" providerId="LiveId" clId="{230A61AE-279F-4D10-87E0-CE5E894CD5A6}" dt="2025-05-19T16:37:41.243" v="19" actId="26606"/>
+          <ac:picMkLst>
+            <pc:docMk/>
+            <pc:sldMk cId="3311756763" sldId="260"/>
+            <ac:picMk id="5" creationId="{4C068443-FA99-00DB-1D82-55BD09342E6D}"/>
+          </ac:picMkLst>
+        </pc:picChg>
+        <pc:picChg chg="add mod ord">
+          <ac:chgData name="V Bende" userId="cc7f2de6e391acd7" providerId="LiveId" clId="{230A61AE-279F-4D10-87E0-CE5E894CD5A6}" dt="2025-05-19T16:37:41.243" v="19" actId="26606"/>
+          <ac:picMkLst>
+            <pc:docMk/>
+            <pc:sldMk cId="3311756763" sldId="260"/>
+            <ac:picMk id="7" creationId="{ADCE738E-BF52-9AC8-8663-FF8B4301ED59}"/>
+          </ac:picMkLst>
+        </pc:picChg>
+        <pc:picChg chg="add mod ord">
+          <ac:chgData name="V Bende" userId="cc7f2de6e391acd7" providerId="LiveId" clId="{230A61AE-279F-4D10-87E0-CE5E894CD5A6}" dt="2025-05-19T16:37:41.243" v="19" actId="26606"/>
+          <ac:picMkLst>
+            <pc:docMk/>
+            <pc:sldMk cId="3311756763" sldId="260"/>
+            <ac:picMk id="9" creationId="{A057F287-500F-38FA-92C4-FD27FA910521}"/>
+          </ac:picMkLst>
+        </pc:picChg>
+        <pc:picChg chg="add mod">
+          <ac:chgData name="V Bende" userId="cc7f2de6e391acd7" providerId="LiveId" clId="{230A61AE-279F-4D10-87E0-CE5E894CD5A6}" dt="2025-05-19T16:37:41.243" v="19" actId="26606"/>
+          <ac:picMkLst>
+            <pc:docMk/>
+            <pc:sldMk cId="3311756763" sldId="260"/>
+            <ac:picMk id="11" creationId="{CF63A2BE-1501-6A2E-CE6F-6D2567ED25D7}"/>
+          </ac:picMkLst>
+        </pc:picChg>
+        <pc:picChg chg="add mod">
+          <ac:chgData name="V Bende" userId="cc7f2de6e391acd7" providerId="LiveId" clId="{230A61AE-279F-4D10-87E0-CE5E894CD5A6}" dt="2025-05-19T16:37:41.243" v="19" actId="26606"/>
+          <ac:picMkLst>
+            <pc:docMk/>
+            <pc:sldMk cId="3311756763" sldId="260"/>
+            <ac:picMk id="13" creationId="{FC66C5BF-856D-F9DA-66D7-1A8087361B1F}"/>
+          </ac:picMkLst>
+        </pc:picChg>
+      </pc:sldChg>
+      <pc:sldChg chg="addSp modSp mod modClrScheme chgLayout">
+        <pc:chgData name="V Bende" userId="cc7f2de6e391acd7" providerId="LiveId" clId="{230A61AE-279F-4D10-87E0-CE5E894CD5A6}" dt="2025-05-19T16:42:40.543" v="281" actId="20577"/>
+        <pc:sldMkLst>
+          <pc:docMk/>
+          <pc:sldMk cId="2043999389" sldId="262"/>
+        </pc:sldMkLst>
+        <pc:spChg chg="mod ord">
+          <ac:chgData name="V Bende" userId="cc7f2de6e391acd7" providerId="LiveId" clId="{230A61AE-279F-4D10-87E0-CE5E894CD5A6}" dt="2025-05-19T16:40:20.564" v="70" actId="700"/>
+          <ac:spMkLst>
+            <pc:docMk/>
+            <pc:sldMk cId="2043999389" sldId="262"/>
+            <ac:spMk id="2" creationId="{7551C4F4-AD66-70B0-8937-F8029704B1C3}"/>
+          </ac:spMkLst>
+        </pc:spChg>
+        <pc:spChg chg="mod ord">
+          <ac:chgData name="V Bende" userId="cc7f2de6e391acd7" providerId="LiveId" clId="{230A61AE-279F-4D10-87E0-CE5E894CD5A6}" dt="2025-05-19T16:42:40.543" v="281" actId="20577"/>
+          <ac:spMkLst>
+            <pc:docMk/>
+            <pc:sldMk cId="2043999389" sldId="262"/>
+            <ac:spMk id="3" creationId="{64751E23-EC53-B39E-7B73-CFEEC8CC53F2}"/>
+          </ac:spMkLst>
+        </pc:spChg>
+        <pc:spChg chg="add mod ord">
+          <ac:chgData name="V Bende" userId="cc7f2de6e391acd7" providerId="LiveId" clId="{230A61AE-279F-4D10-87E0-CE5E894CD5A6}" dt="2025-05-19T16:40:24.928" v="73"/>
+          <ac:spMkLst>
+            <pc:docMk/>
+            <pc:sldMk cId="2043999389" sldId="262"/>
+            <ac:spMk id="4" creationId="{A80B23DB-9F66-2BF9-6823-D37F605DC71D}"/>
+          </ac:spMkLst>
+        </pc:spChg>
+      </pc:sldChg>
+      <pc:sldChg chg="addSp delSp modSp mod setBg">
+        <pc:chgData name="V Bende" userId="cc7f2de6e391acd7" providerId="LiveId" clId="{230A61AE-279F-4D10-87E0-CE5E894CD5A6}" dt="2025-05-19T16:53:01.883" v="470" actId="26606"/>
+        <pc:sldMkLst>
+          <pc:docMk/>
+          <pc:sldMk cId="3046579447" sldId="263"/>
+        </pc:sldMkLst>
+        <pc:spChg chg="mod ord">
+          <ac:chgData name="V Bende" userId="cc7f2de6e391acd7" providerId="LiveId" clId="{230A61AE-279F-4D10-87E0-CE5E894CD5A6}" dt="2025-05-19T16:53:01.883" v="470" actId="26606"/>
+          <ac:spMkLst>
+            <pc:docMk/>
+            <pc:sldMk cId="3046579447" sldId="263"/>
+            <ac:spMk id="2" creationId="{FBFA24F2-354A-39A9-AEF2-1B3E13569968}"/>
+          </ac:spMkLst>
+        </pc:spChg>
+        <pc:spChg chg="del">
+          <ac:chgData name="V Bende" userId="cc7f2de6e391acd7" providerId="LiveId" clId="{230A61AE-279F-4D10-87E0-CE5E894CD5A6}" dt="2025-05-19T16:49:56.058" v="405"/>
+          <ac:spMkLst>
+            <pc:docMk/>
+            <pc:sldMk cId="3046579447" sldId="263"/>
+            <ac:spMk id="3" creationId="{5DA11ECB-C510-E436-7399-A4D591891902}"/>
+          </ac:spMkLst>
+        </pc:spChg>
+        <pc:spChg chg="add del mod">
+          <ac:chgData name="V Bende" userId="cc7f2de6e391acd7" providerId="LiveId" clId="{230A61AE-279F-4D10-87E0-CE5E894CD5A6}" dt="2025-05-19T16:52:32.292" v="451"/>
+          <ac:spMkLst>
+            <pc:docMk/>
+            <pc:sldMk cId="3046579447" sldId="263"/>
+            <ac:spMk id="25" creationId="{597C9A80-935E-2CB7-AAC7-72C362649654}"/>
+          </ac:spMkLst>
+        </pc:spChg>
+        <pc:spChg chg="add del">
+          <ac:chgData name="V Bende" userId="cc7f2de6e391acd7" providerId="LiveId" clId="{230A61AE-279F-4D10-87E0-CE5E894CD5A6}" dt="2025-05-19T16:52:10.428" v="446" actId="26606"/>
+          <ac:spMkLst>
+            <pc:docMk/>
+            <pc:sldMk cId="3046579447" sldId="263"/>
+            <ac:spMk id="38" creationId="{6570CC06-DB21-401C-BCF8-AAC5FF550D29}"/>
+          </ac:spMkLst>
+        </pc:spChg>
+        <pc:spChg chg="add del">
+          <ac:chgData name="V Bende" userId="cc7f2de6e391acd7" providerId="LiveId" clId="{230A61AE-279F-4D10-87E0-CE5E894CD5A6}" dt="2025-05-19T16:52:10.428" v="446" actId="26606"/>
+          <ac:spMkLst>
+            <pc:docMk/>
+            <pc:sldMk cId="3046579447" sldId="263"/>
+            <ac:spMk id="40" creationId="{15B998FC-4B98-4A07-B159-9E629180AF40}"/>
+          </ac:spMkLst>
+        </pc:spChg>
+        <pc:spChg chg="add del">
+          <ac:chgData name="V Bende" userId="cc7f2de6e391acd7" providerId="LiveId" clId="{230A61AE-279F-4D10-87E0-CE5E894CD5A6}" dt="2025-05-19T16:52:22.302" v="448" actId="26606"/>
+          <ac:spMkLst>
+            <pc:docMk/>
+            <pc:sldMk cId="3046579447" sldId="263"/>
+            <ac:spMk id="42" creationId="{6832F003-FCA6-4CFB-A2EA-308F3AA257D1}"/>
+          </ac:spMkLst>
+        </pc:spChg>
+        <pc:spChg chg="add del">
+          <ac:chgData name="V Bende" userId="cc7f2de6e391acd7" providerId="LiveId" clId="{230A61AE-279F-4D10-87E0-CE5E894CD5A6}" dt="2025-05-19T16:52:22.302" v="448" actId="26606"/>
+          <ac:spMkLst>
+            <pc:docMk/>
+            <pc:sldMk cId="3046579447" sldId="263"/>
+            <ac:spMk id="43" creationId="{C3896A03-3945-419A-B66B-4EE266EDD152}"/>
+          </ac:spMkLst>
+        </pc:spChg>
+        <pc:spChg chg="add del">
+          <ac:chgData name="V Bende" userId="cc7f2de6e391acd7" providerId="LiveId" clId="{230A61AE-279F-4D10-87E0-CE5E894CD5A6}" dt="2025-05-19T16:52:22.302" v="448" actId="26606"/>
+          <ac:spMkLst>
+            <pc:docMk/>
+            <pc:sldMk cId="3046579447" sldId="263"/>
+            <ac:spMk id="44" creationId="{B34F5AD2-EDBD-4BBD-A55C-EAFFD0C7097A}"/>
+          </ac:spMkLst>
+        </pc:spChg>
+        <pc:spChg chg="add del">
+          <ac:chgData name="V Bende" userId="cc7f2de6e391acd7" providerId="LiveId" clId="{230A61AE-279F-4D10-87E0-CE5E894CD5A6}" dt="2025-05-19T16:52:59.344" v="467" actId="26606"/>
+          <ac:spMkLst>
+            <pc:docMk/>
+            <pc:sldMk cId="3046579447" sldId="263"/>
+            <ac:spMk id="50" creationId="{22A22903-D5BA-B4E7-512D-7C42445C0144}"/>
+          </ac:spMkLst>
+        </pc:spChg>
+        <pc:spChg chg="add del">
+          <ac:chgData name="V Bende" userId="cc7f2de6e391acd7" providerId="LiveId" clId="{230A61AE-279F-4D10-87E0-CE5E894CD5A6}" dt="2025-05-19T16:53:01.875" v="469" actId="26606"/>
+          <ac:spMkLst>
+            <pc:docMk/>
+            <pc:sldMk cId="3046579447" sldId="263"/>
+            <ac:spMk id="51" creationId="{A93898FF-D987-4B0E-BFB4-85F5EB356D4D}"/>
+          </ac:spMkLst>
+        </pc:spChg>
+        <pc:spChg chg="add del">
+          <ac:chgData name="V Bende" userId="cc7f2de6e391acd7" providerId="LiveId" clId="{230A61AE-279F-4D10-87E0-CE5E894CD5A6}" dt="2025-05-19T16:52:59.344" v="467" actId="26606"/>
+          <ac:spMkLst>
+            <pc:docMk/>
+            <pc:sldMk cId="3046579447" sldId="263"/>
+            <ac:spMk id="53" creationId="{A3C210E6-A35A-4F68-8D60-801A019C75B8}"/>
+          </ac:spMkLst>
+        </pc:spChg>
+        <pc:spChg chg="add del">
+          <ac:chgData name="V Bende" userId="cc7f2de6e391acd7" providerId="LiveId" clId="{230A61AE-279F-4D10-87E0-CE5E894CD5A6}" dt="2025-05-19T16:52:59.344" v="467" actId="26606"/>
+          <ac:spMkLst>
+            <pc:docMk/>
+            <pc:sldMk cId="3046579447" sldId="263"/>
+            <ac:spMk id="55" creationId="{AC0D06B0-F19C-459E-B221-A34B506FB5E3}"/>
+          </ac:spMkLst>
+        </pc:spChg>
+        <pc:spChg chg="add del">
+          <ac:chgData name="V Bende" userId="cc7f2de6e391acd7" providerId="LiveId" clId="{230A61AE-279F-4D10-87E0-CE5E894CD5A6}" dt="2025-05-19T16:52:59.344" v="467" actId="26606"/>
+          <ac:spMkLst>
+            <pc:docMk/>
+            <pc:sldMk cId="3046579447" sldId="263"/>
+            <ac:spMk id="57" creationId="{345B26DA-1C6B-4C66-81C9-9C1877FC2DB1}"/>
+          </ac:spMkLst>
+        </pc:spChg>
+        <pc:spChg chg="add del">
+          <ac:chgData name="V Bende" userId="cc7f2de6e391acd7" providerId="LiveId" clId="{230A61AE-279F-4D10-87E0-CE5E894CD5A6}" dt="2025-05-19T16:52:59.344" v="467" actId="26606"/>
+          <ac:spMkLst>
+            <pc:docMk/>
+            <pc:sldMk cId="3046579447" sldId="263"/>
+            <ac:spMk id="59" creationId="{98DE6C44-43F8-4DE4-AB81-66853FFEA09A}"/>
+          </ac:spMkLst>
+        </pc:spChg>
+        <pc:spChg chg="add del">
+          <ac:chgData name="V Bende" userId="cc7f2de6e391acd7" providerId="LiveId" clId="{230A61AE-279F-4D10-87E0-CE5E894CD5A6}" dt="2025-05-19T16:52:59.344" v="467" actId="26606"/>
+          <ac:spMkLst>
+            <pc:docMk/>
+            <pc:sldMk cId="3046579447" sldId="263"/>
+            <ac:spMk id="61" creationId="{2409529B-9B56-4F10-BE4D-F934DB89E57E}"/>
+          </ac:spMkLst>
+        </pc:spChg>
+        <pc:spChg chg="add del">
+          <ac:chgData name="V Bende" userId="cc7f2de6e391acd7" providerId="LiveId" clId="{230A61AE-279F-4D10-87E0-CE5E894CD5A6}" dt="2025-05-19T16:53:01.875" v="469" actId="26606"/>
+          <ac:spMkLst>
+            <pc:docMk/>
+            <pc:sldMk cId="3046579447" sldId="263"/>
+            <ac:spMk id="63" creationId="{612F383F-B981-4BC3-9E2B-7BE938CEF3EC}"/>
+          </ac:spMkLst>
+        </pc:spChg>
+        <pc:spChg chg="add del">
+          <ac:chgData name="V Bende" userId="cc7f2de6e391acd7" providerId="LiveId" clId="{230A61AE-279F-4D10-87E0-CE5E894CD5A6}" dt="2025-05-19T16:53:01.875" v="469" actId="26606"/>
+          <ac:spMkLst>
+            <pc:docMk/>
+            <pc:sldMk cId="3046579447" sldId="263"/>
+            <ac:spMk id="64" creationId="{5AA485AD-076E-4077-A6E6-C3C9F0C39FF2}"/>
+          </ac:spMkLst>
+        </pc:spChg>
+        <pc:spChg chg="add del">
+          <ac:chgData name="V Bende" userId="cc7f2de6e391acd7" providerId="LiveId" clId="{230A61AE-279F-4D10-87E0-CE5E894CD5A6}" dt="2025-05-19T16:53:01.875" v="469" actId="26606"/>
+          <ac:spMkLst>
+            <pc:docMk/>
+            <pc:sldMk cId="3046579447" sldId="263"/>
+            <ac:spMk id="66" creationId="{58D235B8-3D10-493F-88AC-84BB404C1B5A}"/>
+          </ac:spMkLst>
+        </pc:spChg>
+        <pc:spChg chg="add del">
+          <ac:chgData name="V Bende" userId="cc7f2de6e391acd7" providerId="LiveId" clId="{230A61AE-279F-4D10-87E0-CE5E894CD5A6}" dt="2025-05-19T16:53:01.875" v="469" actId="26606"/>
+          <ac:spMkLst>
+            <pc:docMk/>
+            <pc:sldMk cId="3046579447" sldId="263"/>
+            <ac:spMk id="67" creationId="{42A4FC2C-047E-45A5-965D-8E1E3BF09BC6}"/>
+          </ac:spMkLst>
+        </pc:spChg>
+        <pc:spChg chg="add">
+          <ac:chgData name="V Bende" userId="cc7f2de6e391acd7" providerId="LiveId" clId="{230A61AE-279F-4D10-87E0-CE5E894CD5A6}" dt="2025-05-19T16:53:01.883" v="470" actId="26606"/>
+          <ac:spMkLst>
+            <pc:docMk/>
+            <pc:sldMk cId="3046579447" sldId="263"/>
+            <ac:spMk id="69" creationId="{B4059D9B-2E55-47FE-A188-0F9BD734E0A0}"/>
+          </ac:spMkLst>
+        </pc:spChg>
+        <pc:grpChg chg="add">
+          <ac:chgData name="V Bende" userId="cc7f2de6e391acd7" providerId="LiveId" clId="{230A61AE-279F-4D10-87E0-CE5E894CD5A6}" dt="2025-05-19T16:53:01.883" v="470" actId="26606"/>
+          <ac:grpSpMkLst>
+            <pc:docMk/>
+            <pc:sldMk cId="3046579447" sldId="263"/>
+            <ac:grpSpMk id="70" creationId="{F938B951-7EFC-40A2-B198-E73D39DFB3FC}"/>
+          </ac:grpSpMkLst>
+        </pc:grpChg>
+        <pc:picChg chg="add del mod">
+          <ac:chgData name="V Bende" userId="cc7f2de6e391acd7" providerId="LiveId" clId="{230A61AE-279F-4D10-87E0-CE5E894CD5A6}" dt="2025-05-19T16:50:39.119" v="435" actId="478"/>
+          <ac:picMkLst>
+            <pc:docMk/>
+            <pc:sldMk cId="3046579447" sldId="263"/>
+            <ac:picMk id="5" creationId="{02440861-E4F6-DC8C-BE69-40A6D77AB1F4}"/>
+          </ac:picMkLst>
+        </pc:picChg>
+        <pc:picChg chg="add del mod">
+          <ac:chgData name="V Bende" userId="cc7f2de6e391acd7" providerId="LiveId" clId="{230A61AE-279F-4D10-87E0-CE5E894CD5A6}" dt="2025-05-19T16:50:24.626" v="431" actId="478"/>
+          <ac:picMkLst>
+            <pc:docMk/>
+            <pc:sldMk cId="3046579447" sldId="263"/>
+            <ac:picMk id="7" creationId="{421E44C1-5E48-0592-665D-472232B434E0}"/>
+          </ac:picMkLst>
+        </pc:picChg>
+        <pc:picChg chg="add del mod">
+          <ac:chgData name="V Bende" userId="cc7f2de6e391acd7" providerId="LiveId" clId="{230A61AE-279F-4D10-87E0-CE5E894CD5A6}" dt="2025-05-19T16:50:24.024" v="430" actId="478"/>
+          <ac:picMkLst>
+            <pc:docMk/>
+            <pc:sldMk cId="3046579447" sldId="263"/>
+            <ac:picMk id="9" creationId="{42F93ABC-EC50-1036-A60F-4F78AEA84219}"/>
+          </ac:picMkLst>
+        </pc:picChg>
+        <pc:picChg chg="add del mod">
+          <ac:chgData name="V Bende" userId="cc7f2de6e391acd7" providerId="LiveId" clId="{230A61AE-279F-4D10-87E0-CE5E894CD5A6}" dt="2025-05-19T16:50:23.420" v="429" actId="478"/>
+          <ac:picMkLst>
+            <pc:docMk/>
+            <pc:sldMk cId="3046579447" sldId="263"/>
+            <ac:picMk id="11" creationId="{9D348CE8-5BFF-C2D0-20B8-CE7C453B8BD1}"/>
+          </ac:picMkLst>
+        </pc:picChg>
+        <pc:picChg chg="del mod">
+          <ac:chgData name="V Bende" userId="cc7f2de6e391acd7" providerId="LiveId" clId="{230A61AE-279F-4D10-87E0-CE5E894CD5A6}" dt="2025-05-19T16:50:22.753" v="428" actId="478"/>
+          <ac:picMkLst>
+            <pc:docMk/>
+            <pc:sldMk cId="3046579447" sldId="263"/>
+            <ac:picMk id="13" creationId="{056D28C5-589E-5EE5-2A4A-137C96431AAF}"/>
+          </ac:picMkLst>
+        </pc:picChg>
+        <pc:picChg chg="add del mod">
+          <ac:chgData name="V Bende" userId="cc7f2de6e391acd7" providerId="LiveId" clId="{230A61AE-279F-4D10-87E0-CE5E894CD5A6}" dt="2025-05-19T16:50:21.060" v="427" actId="478"/>
+          <ac:picMkLst>
+            <pc:docMk/>
+            <pc:sldMk cId="3046579447" sldId="263"/>
+            <ac:picMk id="15" creationId="{1FDBC762-29AE-B0AE-1132-C28EF5CBE946}"/>
+          </ac:picMkLst>
+        </pc:picChg>
+        <pc:picChg chg="add del mod">
+          <ac:chgData name="V Bende" userId="cc7f2de6e391acd7" providerId="LiveId" clId="{230A61AE-279F-4D10-87E0-CE5E894CD5A6}" dt="2025-05-19T16:50:26.947" v="432" actId="478"/>
+          <ac:picMkLst>
+            <pc:docMk/>
+            <pc:sldMk cId="3046579447" sldId="263"/>
+            <ac:picMk id="17" creationId="{9CD3DA8B-2B34-4716-D06A-06C7AD99B806}"/>
+          </ac:picMkLst>
+        </pc:picChg>
+        <pc:picChg chg="add del mod">
+          <ac:chgData name="V Bende" userId="cc7f2de6e391acd7" providerId="LiveId" clId="{230A61AE-279F-4D10-87E0-CE5E894CD5A6}" dt="2025-05-19T16:50:18.528" v="426" actId="478"/>
+          <ac:picMkLst>
+            <pc:docMk/>
+            <pc:sldMk cId="3046579447" sldId="263"/>
+            <ac:picMk id="19" creationId="{92C9B473-A73C-BC83-5440-4D452DCCF4B4}"/>
+          </ac:picMkLst>
+        </pc:picChg>
+        <pc:picChg chg="add del mod">
+          <ac:chgData name="V Bende" userId="cc7f2de6e391acd7" providerId="LiveId" clId="{230A61AE-279F-4D10-87E0-CE5E894CD5A6}" dt="2025-05-19T16:50:17.734" v="425" actId="478"/>
+          <ac:picMkLst>
+            <pc:docMk/>
+            <pc:sldMk cId="3046579447" sldId="263"/>
+            <ac:picMk id="21" creationId="{0F0CEE7F-6CD6-AE27-E05D-9661B2139F8E}"/>
+          </ac:picMkLst>
+        </pc:picChg>
+        <pc:picChg chg="add del mod">
+          <ac:chgData name="V Bende" userId="cc7f2de6e391acd7" providerId="LiveId" clId="{230A61AE-279F-4D10-87E0-CE5E894CD5A6}" dt="2025-05-19T16:50:15.990" v="424" actId="478"/>
+          <ac:picMkLst>
+            <pc:docMk/>
+            <pc:sldMk cId="3046579447" sldId="263"/>
+            <ac:picMk id="23" creationId="{B3AAD835-481D-10AB-22D7-27C13548DE9F}"/>
+          </ac:picMkLst>
+        </pc:picChg>
+        <pc:picChg chg="add mod ord">
+          <ac:chgData name="V Bende" userId="cc7f2de6e391acd7" providerId="LiveId" clId="{230A61AE-279F-4D10-87E0-CE5E894CD5A6}" dt="2025-05-19T16:52:22.825" v="450"/>
+          <ac:picMkLst>
+            <pc:docMk/>
+            <pc:sldMk cId="3046579447" sldId="263"/>
+            <ac:picMk id="27" creationId="{88D5E9BF-1846-21C7-F4D2-69E3F001D76C}"/>
+          </ac:picMkLst>
+        </pc:picChg>
+        <pc:picChg chg="add mod ord">
+          <ac:chgData name="V Bende" userId="cc7f2de6e391acd7" providerId="LiveId" clId="{230A61AE-279F-4D10-87E0-CE5E894CD5A6}" dt="2025-05-19T16:52:22.825" v="450"/>
+          <ac:picMkLst>
+            <pc:docMk/>
+            <pc:sldMk cId="3046579447" sldId="263"/>
+            <ac:picMk id="29" creationId="{45C7D91D-2234-3FAA-9A9E-3659BCF7DDC8}"/>
+          </ac:picMkLst>
+        </pc:picChg>
+        <pc:picChg chg="add mod">
+          <ac:chgData name="V Bende" userId="cc7f2de6e391acd7" providerId="LiveId" clId="{230A61AE-279F-4D10-87E0-CE5E894CD5A6}" dt="2025-05-19T16:52:22.825" v="450"/>
+          <ac:picMkLst>
+            <pc:docMk/>
+            <pc:sldMk cId="3046579447" sldId="263"/>
+            <ac:picMk id="31" creationId="{71BDB5DD-7B79-2FE1-2747-D88B3B793251}"/>
+          </ac:picMkLst>
+        </pc:picChg>
+        <pc:picChg chg="add mod ord">
+          <ac:chgData name="V Bende" userId="cc7f2de6e391acd7" providerId="LiveId" clId="{230A61AE-279F-4D10-87E0-CE5E894CD5A6}" dt="2025-05-19T16:52:22.825" v="450"/>
+          <ac:picMkLst>
+            <pc:docMk/>
+            <pc:sldMk cId="3046579447" sldId="263"/>
+            <ac:picMk id="33" creationId="{0DBAE7DE-0A8C-7F9A-F6F1-A21A3641D870}"/>
+          </ac:picMkLst>
+        </pc:picChg>
+        <pc:picChg chg="add mod ord">
+          <ac:chgData name="V Bende" userId="cc7f2de6e391acd7" providerId="LiveId" clId="{230A61AE-279F-4D10-87E0-CE5E894CD5A6}" dt="2025-05-19T16:53:01.883" v="470" actId="26606"/>
+          <ac:picMkLst>
+            <pc:docMk/>
+            <pc:sldMk cId="3046579447" sldId="263"/>
+            <ac:picMk id="35" creationId="{04E39CCD-87F5-B6CF-4827-39278A68136E}"/>
+          </ac:picMkLst>
+        </pc:picChg>
+        <pc:picChg chg="add mod">
+          <ac:chgData name="V Bende" userId="cc7f2de6e391acd7" providerId="LiveId" clId="{230A61AE-279F-4D10-87E0-CE5E894CD5A6}" dt="2025-05-19T16:53:01.883" v="470" actId="26606"/>
+          <ac:picMkLst>
+            <pc:docMk/>
+            <pc:sldMk cId="3046579447" sldId="263"/>
+            <ac:picMk id="37" creationId="{2F99ED2C-45ED-CFC1-F6B1-8A5F42852C74}"/>
+          </ac:picMkLst>
+        </pc:picChg>
+        <pc:picChg chg="add mod ord">
+          <ac:chgData name="V Bende" userId="cc7f2de6e391acd7" providerId="LiveId" clId="{230A61AE-279F-4D10-87E0-CE5E894CD5A6}" dt="2025-05-19T16:53:01.883" v="470" actId="26606"/>
+          <ac:picMkLst>
+            <pc:docMk/>
+            <pc:sldMk cId="3046579447" sldId="263"/>
+            <ac:picMk id="41" creationId="{7CFE2CF2-8BF2-B86D-D5F0-2C8764EFDE83}"/>
+          </ac:picMkLst>
+        </pc:picChg>
+        <pc:picChg chg="add mod">
+          <ac:chgData name="V Bende" userId="cc7f2de6e391acd7" providerId="LiveId" clId="{230A61AE-279F-4D10-87E0-CE5E894CD5A6}" dt="2025-05-19T16:53:01.883" v="470" actId="26606"/>
+          <ac:picMkLst>
+            <pc:docMk/>
+            <pc:sldMk cId="3046579447" sldId="263"/>
+            <ac:picMk id="46" creationId="{B65A6093-EE79-2AE6-C3E4-537EEEEEB42D}"/>
+          </ac:picMkLst>
+        </pc:picChg>
+      </pc:sldChg>
+      <pc:sldChg chg="modSp new mod">
+        <pc:chgData name="V Bende" userId="cc7f2de6e391acd7" providerId="LiveId" clId="{230A61AE-279F-4D10-87E0-CE5E894CD5A6}" dt="2025-05-19T16:44:05.955" v="404" actId="20577"/>
+        <pc:sldMkLst>
+          <pc:docMk/>
+          <pc:sldMk cId="3435315528" sldId="266"/>
+        </pc:sldMkLst>
+        <pc:spChg chg="mod">
+          <ac:chgData name="V Bende" userId="cc7f2de6e391acd7" providerId="LiveId" clId="{230A61AE-279F-4D10-87E0-CE5E894CD5A6}" dt="2025-05-19T16:43:58.239" v="390" actId="20577"/>
+          <ac:spMkLst>
+            <pc:docMk/>
+            <pc:sldMk cId="3435315528" sldId="266"/>
+            <ac:spMk id="2" creationId="{FC4C9580-8698-981A-9C28-856F7690AFA4}"/>
+          </ac:spMkLst>
+        </pc:spChg>
+        <pc:spChg chg="mod">
+          <ac:chgData name="V Bende" userId="cc7f2de6e391acd7" providerId="LiveId" clId="{230A61AE-279F-4D10-87E0-CE5E894CD5A6}" dt="2025-05-19T16:44:05.955" v="404" actId="20577"/>
+          <ac:spMkLst>
+            <pc:docMk/>
+            <pc:sldMk cId="3435315528" sldId="266"/>
+            <ac:spMk id="3" creationId="{D84B6E3A-DEA1-F4FF-74B6-F9DA28CBEA58}"/>
+          </ac:spMkLst>
+        </pc:spChg>
+      </pc:sldChg>
+      <pc:sldChg chg="addSp delSp modSp new mod setBg">
+        <pc:chgData name="V Bende" userId="cc7f2de6e391acd7" providerId="LiveId" clId="{230A61AE-279F-4D10-87E0-CE5E894CD5A6}" dt="2025-05-19T16:53:34.108" v="482" actId="26606"/>
+        <pc:sldMkLst>
+          <pc:docMk/>
+          <pc:sldMk cId="622080134" sldId="267"/>
+        </pc:sldMkLst>
+        <pc:spChg chg="mod">
+          <ac:chgData name="V Bende" userId="cc7f2de6e391acd7" providerId="LiveId" clId="{230A61AE-279F-4D10-87E0-CE5E894CD5A6}" dt="2025-05-19T16:53:34.108" v="482" actId="26606"/>
+          <ac:spMkLst>
+            <pc:docMk/>
+            <pc:sldMk cId="622080134" sldId="267"/>
+            <ac:spMk id="2" creationId="{ECFE54DF-DA9F-16BB-3AC3-B36B90A9057D}"/>
+          </ac:spMkLst>
+        </pc:spChg>
+        <pc:spChg chg="del">
+          <ac:chgData name="V Bende" userId="cc7f2de6e391acd7" providerId="LiveId" clId="{230A61AE-279F-4D10-87E0-CE5E894CD5A6}" dt="2025-05-19T16:53:32.035" v="473"/>
+          <ac:spMkLst>
+            <pc:docMk/>
+            <pc:sldMk cId="622080134" sldId="267"/>
+            <ac:spMk id="3" creationId="{8DE8A994-9BA7-1A24-A771-F723660445A5}"/>
+          </ac:spMkLst>
+        </pc:spChg>
+        <pc:spChg chg="add">
+          <ac:chgData name="V Bende" userId="cc7f2de6e391acd7" providerId="LiveId" clId="{230A61AE-279F-4D10-87E0-CE5E894CD5A6}" dt="2025-05-19T16:53:34.108" v="482" actId="26606"/>
+          <ac:spMkLst>
+            <pc:docMk/>
+            <pc:sldMk cId="622080134" sldId="267"/>
+            <ac:spMk id="16" creationId="{B4059D9B-2E55-47FE-A188-0F9BD734E0A0}"/>
+          </ac:spMkLst>
+        </pc:spChg>
+        <pc:grpChg chg="add">
+          <ac:chgData name="V Bende" userId="cc7f2de6e391acd7" providerId="LiveId" clId="{230A61AE-279F-4D10-87E0-CE5E894CD5A6}" dt="2025-05-19T16:53:34.108" v="482" actId="26606"/>
+          <ac:grpSpMkLst>
+            <pc:docMk/>
+            <pc:sldMk cId="622080134" sldId="267"/>
+            <ac:grpSpMk id="18" creationId="{F938B951-7EFC-40A2-B198-E73D39DFB3FC}"/>
+          </ac:grpSpMkLst>
+        </pc:grpChg>
+        <pc:picChg chg="add mod">
+          <ac:chgData name="V Bende" userId="cc7f2de6e391acd7" providerId="LiveId" clId="{230A61AE-279F-4D10-87E0-CE5E894CD5A6}" dt="2025-05-19T16:53:34.108" v="482" actId="26606"/>
+          <ac:picMkLst>
+            <pc:docMk/>
+            <pc:sldMk cId="622080134" sldId="267"/>
+            <ac:picMk id="5" creationId="{F818875E-AF82-2D30-D2E1-0A28CC08597C}"/>
+          </ac:picMkLst>
+        </pc:picChg>
+        <pc:picChg chg="add mod">
+          <ac:chgData name="V Bende" userId="cc7f2de6e391acd7" providerId="LiveId" clId="{230A61AE-279F-4D10-87E0-CE5E894CD5A6}" dt="2025-05-19T16:53:34.108" v="482" actId="26606"/>
+          <ac:picMkLst>
+            <pc:docMk/>
+            <pc:sldMk cId="622080134" sldId="267"/>
+            <ac:picMk id="7" creationId="{F0288095-A987-7790-490B-CDCCB6B7A37A}"/>
+          </ac:picMkLst>
+        </pc:picChg>
+        <pc:picChg chg="add mod ord">
+          <ac:chgData name="V Bende" userId="cc7f2de6e391acd7" providerId="LiveId" clId="{230A61AE-279F-4D10-87E0-CE5E894CD5A6}" dt="2025-05-19T16:53:34.108" v="482" actId="26606"/>
+          <ac:picMkLst>
+            <pc:docMk/>
+            <pc:sldMk cId="622080134" sldId="267"/>
+            <ac:picMk id="9" creationId="{BA9DB238-51D9-A6C1-3A7D-090D1373D38C}"/>
+          </ac:picMkLst>
+        </pc:picChg>
+        <pc:picChg chg="add mod">
+          <ac:chgData name="V Bende" userId="cc7f2de6e391acd7" providerId="LiveId" clId="{230A61AE-279F-4D10-87E0-CE5E894CD5A6}" dt="2025-05-19T16:53:34.108" v="482" actId="26606"/>
+          <ac:picMkLst>
+            <pc:docMk/>
+            <pc:sldMk cId="622080134" sldId="267"/>
+            <ac:picMk id="11" creationId="{C3D5D8B1-FC7A-3AF2-F31C-30506B530E87}"/>
+          </ac:picMkLst>
+        </pc:picChg>
+      </pc:sldChg>
+      <pc:sldChg chg="addSp delSp modSp new mod setBg">
+        <pc:chgData name="V Bende" userId="cc7f2de6e391acd7" providerId="LiveId" clId="{230A61AE-279F-4D10-87E0-CE5E894CD5A6}" dt="2025-05-19T16:54:12.056" v="494" actId="26606"/>
+        <pc:sldMkLst>
+          <pc:docMk/>
+          <pc:sldMk cId="1747291484" sldId="268"/>
+        </pc:sldMkLst>
+        <pc:spChg chg="mod">
+          <ac:chgData name="V Bende" userId="cc7f2de6e391acd7" providerId="LiveId" clId="{230A61AE-279F-4D10-87E0-CE5E894CD5A6}" dt="2025-05-19T16:54:12.056" v="494" actId="26606"/>
+          <ac:spMkLst>
+            <pc:docMk/>
+            <pc:sldMk cId="1747291484" sldId="268"/>
+            <ac:spMk id="2" creationId="{25AD1C10-1D20-B1EC-1FE2-F26649DE33C0}"/>
+          </ac:spMkLst>
+        </pc:spChg>
+        <pc:spChg chg="del">
+          <ac:chgData name="V Bende" userId="cc7f2de6e391acd7" providerId="LiveId" clId="{230A61AE-279F-4D10-87E0-CE5E894CD5A6}" dt="2025-05-19T16:54:09.508" v="485"/>
+          <ac:spMkLst>
+            <pc:docMk/>
+            <pc:sldMk cId="1747291484" sldId="268"/>
+            <ac:spMk id="3" creationId="{A891930E-6C9B-DCF9-81E2-A482BB04C6FA}"/>
+          </ac:spMkLst>
+        </pc:spChg>
+        <pc:spChg chg="add">
+          <ac:chgData name="V Bende" userId="cc7f2de6e391acd7" providerId="LiveId" clId="{230A61AE-279F-4D10-87E0-CE5E894CD5A6}" dt="2025-05-19T16:54:12.056" v="494" actId="26606"/>
+          <ac:spMkLst>
+            <pc:docMk/>
+            <pc:sldMk cId="1747291484" sldId="268"/>
+            <ac:spMk id="16" creationId="{B4059D9B-2E55-47FE-A188-0F9BD734E0A0}"/>
+          </ac:spMkLst>
+        </pc:spChg>
+        <pc:grpChg chg="add">
+          <ac:chgData name="V Bende" userId="cc7f2de6e391acd7" providerId="LiveId" clId="{230A61AE-279F-4D10-87E0-CE5E894CD5A6}" dt="2025-05-19T16:54:12.056" v="494" actId="26606"/>
+          <ac:grpSpMkLst>
+            <pc:docMk/>
+            <pc:sldMk cId="1747291484" sldId="268"/>
+            <ac:grpSpMk id="18" creationId="{F938B951-7EFC-40A2-B198-E73D39DFB3FC}"/>
+          </ac:grpSpMkLst>
+        </pc:grpChg>
+        <pc:picChg chg="add mod ord">
+          <ac:chgData name="V Bende" userId="cc7f2de6e391acd7" providerId="LiveId" clId="{230A61AE-279F-4D10-87E0-CE5E894CD5A6}" dt="2025-05-19T16:54:12.056" v="494" actId="26606"/>
+          <ac:picMkLst>
+            <pc:docMk/>
+            <pc:sldMk cId="1747291484" sldId="268"/>
+            <ac:picMk id="5" creationId="{4B98A61A-176B-C2A5-FA0F-92C13253B61E}"/>
+          </ac:picMkLst>
+        </pc:picChg>
+        <pc:picChg chg="add mod">
+          <ac:chgData name="V Bende" userId="cc7f2de6e391acd7" providerId="LiveId" clId="{230A61AE-279F-4D10-87E0-CE5E894CD5A6}" dt="2025-05-19T16:54:12.056" v="494" actId="26606"/>
+          <ac:picMkLst>
+            <pc:docMk/>
+            <pc:sldMk cId="1747291484" sldId="268"/>
+            <ac:picMk id="7" creationId="{2189AEE4-FA9E-AEA0-2846-22761934405F}"/>
+          </ac:picMkLst>
+        </pc:picChg>
+        <pc:picChg chg="add mod">
+          <ac:chgData name="V Bende" userId="cc7f2de6e391acd7" providerId="LiveId" clId="{230A61AE-279F-4D10-87E0-CE5E894CD5A6}" dt="2025-05-19T16:54:12.056" v="494" actId="26606"/>
+          <ac:picMkLst>
+            <pc:docMk/>
+            <pc:sldMk cId="1747291484" sldId="268"/>
+            <ac:picMk id="9" creationId="{0AFDC154-3A4E-C43C-2123-11D06C5C1635}"/>
+          </ac:picMkLst>
+        </pc:picChg>
+        <pc:picChg chg="add mod ord">
+          <ac:chgData name="V Bende" userId="cc7f2de6e391acd7" providerId="LiveId" clId="{230A61AE-279F-4D10-87E0-CE5E894CD5A6}" dt="2025-05-19T16:54:12.056" v="494" actId="26606"/>
+          <ac:picMkLst>
+            <pc:docMk/>
+            <pc:sldMk cId="1747291484" sldId="268"/>
+            <ac:picMk id="11" creationId="{30C9490B-CE4C-17D7-7572-B95413DC67B3}"/>
+          </ac:picMkLst>
+        </pc:picChg>
+      </pc:sldChg>
+      <pc:sldChg chg="addSp delSp modSp new mod setBg">
+        <pc:chgData name="V Bende" userId="cc7f2de6e391acd7" providerId="LiveId" clId="{230A61AE-279F-4D10-87E0-CE5E894CD5A6}" dt="2025-05-19T16:54:29.968" v="506" actId="26606"/>
+        <pc:sldMkLst>
+          <pc:docMk/>
+          <pc:sldMk cId="3491658654" sldId="269"/>
+        </pc:sldMkLst>
+        <pc:spChg chg="mod">
+          <ac:chgData name="V Bende" userId="cc7f2de6e391acd7" providerId="LiveId" clId="{230A61AE-279F-4D10-87E0-CE5E894CD5A6}" dt="2025-05-19T16:54:29.968" v="506" actId="26606"/>
+          <ac:spMkLst>
+            <pc:docMk/>
+            <pc:sldMk cId="3491658654" sldId="269"/>
+            <ac:spMk id="2" creationId="{AF22DB72-DB5B-586E-A2C2-68D0BFAE288E}"/>
+          </ac:spMkLst>
+        </pc:spChg>
+        <pc:spChg chg="del">
+          <ac:chgData name="V Bende" userId="cc7f2de6e391acd7" providerId="LiveId" clId="{230A61AE-279F-4D10-87E0-CE5E894CD5A6}" dt="2025-05-19T16:54:28.178" v="497"/>
+          <ac:spMkLst>
+            <pc:docMk/>
+            <pc:sldMk cId="3491658654" sldId="269"/>
+            <ac:spMk id="3" creationId="{110B3CBA-A132-238D-55D5-C942311E0308}"/>
+          </ac:spMkLst>
+        </pc:spChg>
+        <pc:spChg chg="add">
+          <ac:chgData name="V Bende" userId="cc7f2de6e391acd7" providerId="LiveId" clId="{230A61AE-279F-4D10-87E0-CE5E894CD5A6}" dt="2025-05-19T16:54:29.968" v="506" actId="26606"/>
+          <ac:spMkLst>
+            <pc:docMk/>
+            <pc:sldMk cId="3491658654" sldId="269"/>
+            <ac:spMk id="16" creationId="{B4059D9B-2E55-47FE-A188-0F9BD734E0A0}"/>
+          </ac:spMkLst>
+        </pc:spChg>
+        <pc:grpChg chg="add">
+          <ac:chgData name="V Bende" userId="cc7f2de6e391acd7" providerId="LiveId" clId="{230A61AE-279F-4D10-87E0-CE5E894CD5A6}" dt="2025-05-19T16:54:29.968" v="506" actId="26606"/>
+          <ac:grpSpMkLst>
+            <pc:docMk/>
+            <pc:sldMk cId="3491658654" sldId="269"/>
+            <ac:grpSpMk id="18" creationId="{F938B951-7EFC-40A2-B198-E73D39DFB3FC}"/>
+          </ac:grpSpMkLst>
+        </pc:grpChg>
+        <pc:picChg chg="add mod">
+          <ac:chgData name="V Bende" userId="cc7f2de6e391acd7" providerId="LiveId" clId="{230A61AE-279F-4D10-87E0-CE5E894CD5A6}" dt="2025-05-19T16:54:29.968" v="506" actId="26606"/>
+          <ac:picMkLst>
+            <pc:docMk/>
+            <pc:sldMk cId="3491658654" sldId="269"/>
+            <ac:picMk id="5" creationId="{70FFEB67-B546-69A5-A988-7BA28ECD93AF}"/>
+          </ac:picMkLst>
+        </pc:picChg>
+        <pc:picChg chg="add mod ord">
+          <ac:chgData name="V Bende" userId="cc7f2de6e391acd7" providerId="LiveId" clId="{230A61AE-279F-4D10-87E0-CE5E894CD5A6}" dt="2025-05-19T16:54:29.968" v="506" actId="26606"/>
+          <ac:picMkLst>
+            <pc:docMk/>
+            <pc:sldMk cId="3491658654" sldId="269"/>
+            <ac:picMk id="7" creationId="{6C7A243A-F337-A2A6-1A96-13AF6EA5C21E}"/>
+          </ac:picMkLst>
+        </pc:picChg>
+        <pc:picChg chg="add mod">
+          <ac:chgData name="V Bende" userId="cc7f2de6e391acd7" providerId="LiveId" clId="{230A61AE-279F-4D10-87E0-CE5E894CD5A6}" dt="2025-05-19T16:54:29.968" v="506" actId="26606"/>
+          <ac:picMkLst>
+            <pc:docMk/>
+            <pc:sldMk cId="3491658654" sldId="269"/>
+            <ac:picMk id="9" creationId="{21F8D405-5947-9C2E-174B-6D3F83F8C7CA}"/>
+          </ac:picMkLst>
+        </pc:picChg>
+        <pc:picChg chg="add mod">
+          <ac:chgData name="V Bende" userId="cc7f2de6e391acd7" providerId="LiveId" clId="{230A61AE-279F-4D10-87E0-CE5E894CD5A6}" dt="2025-05-19T16:54:29.968" v="506" actId="26606"/>
+          <ac:picMkLst>
+            <pc:docMk/>
+            <pc:sldMk cId="3491658654" sldId="269"/>
+            <ac:picMk id="11" creationId="{8B8BDBBD-1888-1B6A-859F-BA5CE31BF88A}"/>
+          </ac:picMkLst>
+        </pc:picChg>
+      </pc:sldChg>
+      <pc:sldChg chg="addSp delSp modSp new mod setBg">
+        <pc:chgData name="V Bende" userId="cc7f2de6e391acd7" providerId="LiveId" clId="{230A61AE-279F-4D10-87E0-CE5E894CD5A6}" dt="2025-05-19T16:54:50.223" v="518" actId="26606"/>
+        <pc:sldMkLst>
+          <pc:docMk/>
+          <pc:sldMk cId="784877366" sldId="270"/>
+        </pc:sldMkLst>
+        <pc:spChg chg="mod">
+          <ac:chgData name="V Bende" userId="cc7f2de6e391acd7" providerId="LiveId" clId="{230A61AE-279F-4D10-87E0-CE5E894CD5A6}" dt="2025-05-19T16:54:50.223" v="518" actId="26606"/>
+          <ac:spMkLst>
+            <pc:docMk/>
+            <pc:sldMk cId="784877366" sldId="270"/>
+            <ac:spMk id="2" creationId="{1F9BFBAB-D3FE-996D-F50C-32B7A84C9223}"/>
+          </ac:spMkLst>
+        </pc:spChg>
+        <pc:spChg chg="del">
+          <ac:chgData name="V Bende" userId="cc7f2de6e391acd7" providerId="LiveId" clId="{230A61AE-279F-4D10-87E0-CE5E894CD5A6}" dt="2025-05-19T16:54:48.544" v="509"/>
+          <ac:spMkLst>
+            <pc:docMk/>
+            <pc:sldMk cId="784877366" sldId="270"/>
+            <ac:spMk id="3" creationId="{A03D235A-5D68-187D-D56B-9959B8A6F005}"/>
+          </ac:spMkLst>
+        </pc:spChg>
+        <pc:spChg chg="add">
+          <ac:chgData name="V Bende" userId="cc7f2de6e391acd7" providerId="LiveId" clId="{230A61AE-279F-4D10-87E0-CE5E894CD5A6}" dt="2025-05-19T16:54:50.223" v="518" actId="26606"/>
+          <ac:spMkLst>
+            <pc:docMk/>
+            <pc:sldMk cId="784877366" sldId="270"/>
+            <ac:spMk id="16" creationId="{B4059D9B-2E55-47FE-A188-0F9BD734E0A0}"/>
+          </ac:spMkLst>
+        </pc:spChg>
+        <pc:grpChg chg="add">
+          <ac:chgData name="V Bende" userId="cc7f2de6e391acd7" providerId="LiveId" clId="{230A61AE-279F-4D10-87E0-CE5E894CD5A6}" dt="2025-05-19T16:54:50.223" v="518" actId="26606"/>
+          <ac:grpSpMkLst>
+            <pc:docMk/>
+            <pc:sldMk cId="784877366" sldId="270"/>
+            <ac:grpSpMk id="18" creationId="{F938B951-7EFC-40A2-B198-E73D39DFB3FC}"/>
+          </ac:grpSpMkLst>
+        </pc:grpChg>
+        <pc:picChg chg="add mod ord">
+          <ac:chgData name="V Bende" userId="cc7f2de6e391acd7" providerId="LiveId" clId="{230A61AE-279F-4D10-87E0-CE5E894CD5A6}" dt="2025-05-19T16:54:50.223" v="518" actId="26606"/>
+          <ac:picMkLst>
+            <pc:docMk/>
+            <pc:sldMk cId="784877366" sldId="270"/>
+            <ac:picMk id="5" creationId="{5E9916C7-C8AA-C1B7-E540-F305D27B34A4}"/>
+          </ac:picMkLst>
+        </pc:picChg>
+        <pc:picChg chg="add mod">
+          <ac:chgData name="V Bende" userId="cc7f2de6e391acd7" providerId="LiveId" clId="{230A61AE-279F-4D10-87E0-CE5E894CD5A6}" dt="2025-05-19T16:54:50.223" v="518" actId="26606"/>
+          <ac:picMkLst>
+            <pc:docMk/>
+            <pc:sldMk cId="784877366" sldId="270"/>
+            <ac:picMk id="7" creationId="{F71585EE-AB78-E81E-DE1F-E70E67F6DBFA}"/>
+          </ac:picMkLst>
+        </pc:picChg>
+        <pc:picChg chg="add mod">
+          <ac:chgData name="V Bende" userId="cc7f2de6e391acd7" providerId="LiveId" clId="{230A61AE-279F-4D10-87E0-CE5E894CD5A6}" dt="2025-05-19T16:54:50.223" v="518" actId="26606"/>
+          <ac:picMkLst>
+            <pc:docMk/>
+            <pc:sldMk cId="784877366" sldId="270"/>
+            <ac:picMk id="9" creationId="{531583F3-C04C-0998-F59C-8B80018ED527}"/>
+          </ac:picMkLst>
+        </pc:picChg>
+        <pc:picChg chg="add mod">
+          <ac:chgData name="V Bende" userId="cc7f2de6e391acd7" providerId="LiveId" clId="{230A61AE-279F-4D10-87E0-CE5E894CD5A6}" dt="2025-05-19T16:54:50.223" v="518" actId="26606"/>
+          <ac:picMkLst>
+            <pc:docMk/>
+            <pc:sldMk cId="784877366" sldId="270"/>
+            <ac:picMk id="11" creationId="{C2DB0080-7FBA-23B3-4013-914A6B4F31CF}"/>
+          </ac:picMkLst>
+        </pc:picChg>
+      </pc:sldChg>
+      <pc:sldChg chg="addSp delSp modSp new mod setBg">
+        <pc:chgData name="V Bende" userId="cc7f2de6e391acd7" providerId="LiveId" clId="{230A61AE-279F-4D10-87E0-CE5E894CD5A6}" dt="2025-05-19T16:55:18.230" v="530" actId="14100"/>
+        <pc:sldMkLst>
+          <pc:docMk/>
+          <pc:sldMk cId="3033014823" sldId="271"/>
+        </pc:sldMkLst>
+        <pc:spChg chg="mod">
+          <ac:chgData name="V Bende" userId="cc7f2de6e391acd7" providerId="LiveId" clId="{230A61AE-279F-4D10-87E0-CE5E894CD5A6}" dt="2025-05-19T16:55:04.969" v="524" actId="26606"/>
+          <ac:spMkLst>
+            <pc:docMk/>
+            <pc:sldMk cId="3033014823" sldId="271"/>
+            <ac:spMk id="2" creationId="{5A031DC2-0B30-D43E-49C2-3F78AE1B6A35}"/>
+          </ac:spMkLst>
+        </pc:spChg>
+        <pc:spChg chg="del">
+          <ac:chgData name="V Bende" userId="cc7f2de6e391acd7" providerId="LiveId" clId="{230A61AE-279F-4D10-87E0-CE5E894CD5A6}" dt="2025-05-19T16:55:03.312" v="521"/>
+          <ac:spMkLst>
+            <pc:docMk/>
+            <pc:sldMk cId="3033014823" sldId="271"/>
+            <ac:spMk id="3" creationId="{60267E9F-6D8A-7907-2FA2-2D0F0D5E1D51}"/>
+          </ac:spMkLst>
+        </pc:spChg>
+        <pc:spChg chg="add">
+          <ac:chgData name="V Bende" userId="cc7f2de6e391acd7" providerId="LiveId" clId="{230A61AE-279F-4D10-87E0-CE5E894CD5A6}" dt="2025-05-19T16:55:04.969" v="524" actId="26606"/>
+          <ac:spMkLst>
+            <pc:docMk/>
+            <pc:sldMk cId="3033014823" sldId="271"/>
+            <ac:spMk id="12" creationId="{B51F6560-D61C-400F-B71A-3FDEBF451B22}"/>
+          </ac:spMkLst>
+        </pc:spChg>
+        <pc:grpChg chg="add">
+          <ac:chgData name="V Bende" userId="cc7f2de6e391acd7" providerId="LiveId" clId="{230A61AE-279F-4D10-87E0-CE5E894CD5A6}" dt="2025-05-19T16:55:04.969" v="524" actId="26606"/>
+          <ac:grpSpMkLst>
+            <pc:docMk/>
+            <pc:sldMk cId="3033014823" sldId="271"/>
+            <ac:grpSpMk id="14" creationId="{F938B951-7EFC-40A2-B198-E73D39DFB3FC}"/>
+          </ac:grpSpMkLst>
+        </pc:grpChg>
+        <pc:picChg chg="add mod">
+          <ac:chgData name="V Bende" userId="cc7f2de6e391acd7" providerId="LiveId" clId="{230A61AE-279F-4D10-87E0-CE5E894CD5A6}" dt="2025-05-19T16:55:04.969" v="524" actId="26606"/>
+          <ac:picMkLst>
+            <pc:docMk/>
+            <pc:sldMk cId="3033014823" sldId="271"/>
+            <ac:picMk id="5" creationId="{EEDB1272-7ECB-1E47-4D02-4A2C9D62C8DA}"/>
+          </ac:picMkLst>
+        </pc:picChg>
+        <pc:picChg chg="add mod">
+          <ac:chgData name="V Bende" userId="cc7f2de6e391acd7" providerId="LiveId" clId="{230A61AE-279F-4D10-87E0-CE5E894CD5A6}" dt="2025-05-19T16:55:18.230" v="530" actId="14100"/>
+          <ac:picMkLst>
+            <pc:docMk/>
+            <pc:sldMk cId="3033014823" sldId="271"/>
+            <ac:picMk id="7" creationId="{EEF4825D-21D2-AA7D-C77C-F0A5C2C8DABF}"/>
+          </ac:picMkLst>
+        </pc:picChg>
+      </pc:sldChg>
+      <pc:sldChg chg="addSp modSp new mod setBg">
+        <pc:chgData name="V Bende" userId="cc7f2de6e391acd7" providerId="LiveId" clId="{230A61AE-279F-4D10-87E0-CE5E894CD5A6}" dt="2025-05-19T16:59:26.680" v="823" actId="26606"/>
+        <pc:sldMkLst>
+          <pc:docMk/>
+          <pc:sldMk cId="459111072" sldId="272"/>
+        </pc:sldMkLst>
+        <pc:spChg chg="mod">
+          <ac:chgData name="V Bende" userId="cc7f2de6e391acd7" providerId="LiveId" clId="{230A61AE-279F-4D10-87E0-CE5E894CD5A6}" dt="2025-05-19T16:59:26.680" v="823" actId="26606"/>
+          <ac:spMkLst>
+            <pc:docMk/>
+            <pc:sldMk cId="459111072" sldId="272"/>
+            <ac:spMk id="2" creationId="{BFC69816-6186-1A7D-2C49-EB61D46DC9A9}"/>
+          </ac:spMkLst>
+        </pc:spChg>
+        <pc:spChg chg="mod">
+          <ac:chgData name="V Bende" userId="cc7f2de6e391acd7" providerId="LiveId" clId="{230A61AE-279F-4D10-87E0-CE5E894CD5A6}" dt="2025-05-19T16:59:26.680" v="823" actId="26606"/>
+          <ac:spMkLst>
+            <pc:docMk/>
+            <pc:sldMk cId="459111072" sldId="272"/>
+            <ac:spMk id="3" creationId="{4AAD9CC4-EC13-2B31-604E-282B56A10001}"/>
+          </ac:spMkLst>
+        </pc:spChg>
+        <pc:spChg chg="add">
+          <ac:chgData name="V Bende" userId="cc7f2de6e391acd7" providerId="LiveId" clId="{230A61AE-279F-4D10-87E0-CE5E894CD5A6}" dt="2025-05-19T16:59:05.975" v="821"/>
+          <ac:spMkLst>
+            <pc:docMk/>
+            <pc:sldMk cId="459111072" sldId="272"/>
+            <ac:spMk id="4" creationId="{3B0AA408-5D7C-3F39-E20D-67A91A6EB2F8}"/>
+          </ac:spMkLst>
+        </pc:spChg>
+        <pc:spChg chg="add">
+          <ac:chgData name="V Bende" userId="cc7f2de6e391acd7" providerId="LiveId" clId="{230A61AE-279F-4D10-87E0-CE5E894CD5A6}" dt="2025-05-19T16:59:26.680" v="823" actId="26606"/>
+          <ac:spMkLst>
+            <pc:docMk/>
+            <pc:sldMk cId="459111072" sldId="272"/>
+            <ac:spMk id="1041" creationId="{F277940B-7F30-4A86-B577-C158694B3EFA}"/>
+          </ac:spMkLst>
+        </pc:spChg>
+        <pc:grpChg chg="add">
+          <ac:chgData name="V Bende" userId="cc7f2de6e391acd7" providerId="LiveId" clId="{230A61AE-279F-4D10-87E0-CE5E894CD5A6}" dt="2025-05-19T16:59:26.680" v="823" actId="26606"/>
+          <ac:grpSpMkLst>
+            <pc:docMk/>
+            <pc:sldMk cId="459111072" sldId="272"/>
+            <ac:grpSpMk id="1043" creationId="{D2A542E6-1924-4FE2-89D1-3CB19468C1F6}"/>
+          </ac:grpSpMkLst>
+        </pc:grpChg>
+        <pc:picChg chg="add mod">
+          <ac:chgData name="V Bende" userId="cc7f2de6e391acd7" providerId="LiveId" clId="{230A61AE-279F-4D10-87E0-CE5E894CD5A6}" dt="2025-05-19T16:58:00.928" v="814" actId="14100"/>
+          <ac:picMkLst>
+            <pc:docMk/>
+            <pc:sldMk cId="459111072" sldId="272"/>
+            <ac:picMk id="1026" creationId="{B602EBB8-B968-6B08-1F78-AFCDB34B4C50}"/>
+          </ac:picMkLst>
+        </pc:picChg>
+        <pc:picChg chg="add mod">
+          <ac:chgData name="V Bende" userId="cc7f2de6e391acd7" providerId="LiveId" clId="{230A61AE-279F-4D10-87E0-CE5E894CD5A6}" dt="2025-05-19T16:59:26.680" v="823" actId="26606"/>
+          <ac:picMkLst>
+            <pc:docMk/>
+            <pc:sldMk cId="459111072" sldId="272"/>
+            <ac:picMk id="1028" creationId="{A68B0F34-C14A-A902-2E34-F871091F2E4D}"/>
+          </ac:picMkLst>
+        </pc:picChg>
+        <pc:picChg chg="add mod">
+          <ac:chgData name="V Bende" userId="cc7f2de6e391acd7" providerId="LiveId" clId="{230A61AE-279F-4D10-87E0-CE5E894CD5A6}" dt="2025-05-19T16:59:26.680" v="823" actId="26606"/>
+          <ac:picMkLst>
+            <pc:docMk/>
+            <pc:sldMk cId="459111072" sldId="272"/>
+            <ac:picMk id="1030" creationId="{A278899C-7D53-1994-8A04-33B4140150C2}"/>
+          </ac:picMkLst>
+        </pc:picChg>
+        <pc:picChg chg="add mod ord">
+          <ac:chgData name="V Bende" userId="cc7f2de6e391acd7" providerId="LiveId" clId="{230A61AE-279F-4D10-87E0-CE5E894CD5A6}" dt="2025-05-19T16:59:26.680" v="823" actId="26606"/>
+          <ac:picMkLst>
+            <pc:docMk/>
+            <pc:sldMk cId="459111072" sldId="272"/>
+            <ac:picMk id="1032" creationId="{3F572825-487D-F806-EAF3-3DBD602DAC8B}"/>
+          </ac:picMkLst>
+        </pc:picChg>
+        <pc:picChg chg="add mod">
+          <ac:chgData name="V Bende" userId="cc7f2de6e391acd7" providerId="LiveId" clId="{230A61AE-279F-4D10-87E0-CE5E894CD5A6}" dt="2025-05-19T16:59:26.680" v="823" actId="26606"/>
+          <ac:picMkLst>
+            <pc:docMk/>
+            <pc:sldMk cId="459111072" sldId="272"/>
+            <ac:picMk id="1036" creationId="{8F2F4904-E757-B13C-CAEF-A4A50645F302}"/>
+          </ac:picMkLst>
+        </pc:picChg>
+      </pc:sldChg>
+    </pc:docChg>
+  </pc:docChgLst>
+</pc:chgInfo>
+</file>
+
 <file path=ppt/slideLayouts/slideLayout1.xml><?xml version="1.0" encoding="utf-8"?>
 <p:sldLayout xmlns:a="http://schemas.openxmlformats.org/drawingml/2006/main" xmlns:r="http://schemas.openxmlformats.org/officeDocument/2006/relationships" xmlns:p="http://schemas.openxmlformats.org/presentationml/2006/main" type="title" preserve="1">
   <p:cSld name="Title Slide">
@@ -269,7 +1168,7 @@
           <a:p>
             <a:fld id="{DF826674-F66E-42FE-9785-01B34D8A1DFC}" type="datetimeFigureOut">
               <a:rPr lang="hu-HU" smtClean="0"/>
-              <a:t>2025. 05. 12.</a:t>
+              <a:t>2025. 05. 19.</a:t>
             </a:fld>
             <a:endParaRPr lang="hu-HU"/>
           </a:p>
@@ -469,7 +1368,7 @@
           <a:p>
             <a:fld id="{DF826674-F66E-42FE-9785-01B34D8A1DFC}" type="datetimeFigureOut">
               <a:rPr lang="hu-HU" smtClean="0"/>
-              <a:t>2025. 05. 12.</a:t>
+              <a:t>2025. 05. 19.</a:t>
             </a:fld>
             <a:endParaRPr lang="hu-HU"/>
           </a:p>
@@ -679,7 +1578,7 @@
           <a:p>
             <a:fld id="{DF826674-F66E-42FE-9785-01B34D8A1DFC}" type="datetimeFigureOut">
               <a:rPr lang="hu-HU" smtClean="0"/>
-              <a:t>2025. 05. 12.</a:t>
+              <a:t>2025. 05. 19.</a:t>
             </a:fld>
             <a:endParaRPr lang="hu-HU"/>
           </a:p>
@@ -879,7 +1778,7 @@
           <a:p>
             <a:fld id="{DF826674-F66E-42FE-9785-01B34D8A1DFC}" type="datetimeFigureOut">
               <a:rPr lang="hu-HU" smtClean="0"/>
-              <a:t>2025. 05. 12.</a:t>
+              <a:t>2025. 05. 19.</a:t>
             </a:fld>
             <a:endParaRPr lang="hu-HU"/>
           </a:p>
@@ -1155,7 +2054,7 @@
           <a:p>
             <a:fld id="{DF826674-F66E-42FE-9785-01B34D8A1DFC}" type="datetimeFigureOut">
               <a:rPr lang="hu-HU" smtClean="0"/>
-              <a:t>2025. 05. 12.</a:t>
+              <a:t>2025. 05. 19.</a:t>
             </a:fld>
             <a:endParaRPr lang="hu-HU"/>
           </a:p>
@@ -1423,7 +2322,7 @@
           <a:p>
             <a:fld id="{DF826674-F66E-42FE-9785-01B34D8A1DFC}" type="datetimeFigureOut">
               <a:rPr lang="hu-HU" smtClean="0"/>
-              <a:t>2025. 05. 12.</a:t>
+              <a:t>2025. 05. 19.</a:t>
             </a:fld>
             <a:endParaRPr lang="hu-HU"/>
           </a:p>
@@ -1838,7 +2737,7 @@
           <a:p>
             <a:fld id="{DF826674-F66E-42FE-9785-01B34D8A1DFC}" type="datetimeFigureOut">
               <a:rPr lang="hu-HU" smtClean="0"/>
-              <a:t>2025. 05. 12.</a:t>
+              <a:t>2025. 05. 19.</a:t>
             </a:fld>
             <a:endParaRPr lang="hu-HU"/>
           </a:p>
@@ -1980,7 +2879,7 @@
           <a:p>
             <a:fld id="{DF826674-F66E-42FE-9785-01B34D8A1DFC}" type="datetimeFigureOut">
               <a:rPr lang="hu-HU" smtClean="0"/>
-              <a:t>2025. 05. 12.</a:t>
+              <a:t>2025. 05. 19.</a:t>
             </a:fld>
             <a:endParaRPr lang="hu-HU"/>
           </a:p>
@@ -2093,7 +2992,7 @@
           <a:p>
             <a:fld id="{DF826674-F66E-42FE-9785-01B34D8A1DFC}" type="datetimeFigureOut">
               <a:rPr lang="hu-HU" smtClean="0"/>
-              <a:t>2025. 05. 12.</a:t>
+              <a:t>2025. 05. 19.</a:t>
             </a:fld>
             <a:endParaRPr lang="hu-HU"/>
           </a:p>
@@ -2406,7 +3305,7 @@
           <a:p>
             <a:fld id="{DF826674-F66E-42FE-9785-01B34D8A1DFC}" type="datetimeFigureOut">
               <a:rPr lang="hu-HU" smtClean="0"/>
-              <a:t>2025. 05. 12.</a:t>
+              <a:t>2025. 05. 19.</a:t>
             </a:fld>
             <a:endParaRPr lang="hu-HU"/>
           </a:p>
@@ -2695,7 +3594,7 @@
           <a:p>
             <a:fld id="{DF826674-F66E-42FE-9785-01B34D8A1DFC}" type="datetimeFigureOut">
               <a:rPr lang="hu-HU" smtClean="0"/>
-              <a:t>2025. 05. 12.</a:t>
+              <a:t>2025. 05. 19.</a:t>
             </a:fld>
             <a:endParaRPr lang="hu-HU"/>
           </a:p>
@@ -2938,7 +3837,7 @@
           <a:p>
             <a:fld id="{DF826674-F66E-42FE-9785-01B34D8A1DFC}" type="datetimeFigureOut">
               <a:rPr lang="hu-HU" smtClean="0"/>
-              <a:t>2025. 05. 12.</a:t>
+              <a:t>2025. 05. 19.</a:t>
             </a:fld>
             <a:endParaRPr lang="hu-HU"/>
           </a:p>
@@ -3507,6 +4406,1704 @@
 </p:sld>
 </file>
 
+<file path=ppt/slides/slide10.xml><?xml version="1.0" encoding="utf-8"?>
+<p:sld xmlns:a="http://schemas.openxmlformats.org/drawingml/2006/main" xmlns:r="http://schemas.openxmlformats.org/officeDocument/2006/relationships" xmlns:p="http://schemas.openxmlformats.org/presentationml/2006/main">
+  <p:cSld>
+    <p:bg>
+      <p:bgPr>
+        <a:solidFill>
+          <a:schemeClr val="bg1"/>
+        </a:solidFill>
+        <a:effectLst/>
+      </p:bgPr>
+    </p:bg>
+    <p:spTree>
+      <p:nvGrpSpPr>
+        <p:cNvPr id="1" name=""/>
+        <p:cNvGrpSpPr/>
+        <p:nvPr/>
+      </p:nvGrpSpPr>
+      <p:grpSpPr>
+        <a:xfrm>
+          <a:off x="0" y="0"/>
+          <a:ext cx="0" cy="0"/>
+          <a:chOff x="0" y="0"/>
+          <a:chExt cx="0" cy="0"/>
+        </a:xfrm>
+      </p:grpSpPr>
+      <p:sp useBgFill="1">
+        <p:nvSpPr>
+          <p:cNvPr id="12" name="Rectangle 11">
+            <a:extLst>
+              <a:ext uri="{FF2B5EF4-FFF2-40B4-BE49-F238E27FC236}">
+                <a16:creationId xmlns:a16="http://schemas.microsoft.com/office/drawing/2014/main" id="{B51F6560-D61C-400F-B71A-3FDEBF451B22}"/>
+              </a:ext>
+              <a:ext uri="{C183D7F6-B498-43B3-948B-1728B52AA6E4}">
+                <adec:decorative xmlns:adec="http://schemas.microsoft.com/office/drawing/2017/decorative" val="1"/>
+              </a:ext>
+            </a:extLst>
+          </p:cNvPr>
+          <p:cNvSpPr>
+            <a:spLocks noGrp="1" noRot="1" noChangeAspect="1" noMove="1" noResize="1" noEditPoints="1" noAdjustHandles="1" noChangeArrowheads="1" noChangeShapeType="1" noTextEdit="1"/>
+          </p:cNvSpPr>
+          <p:nvPr>
+            <p:extLst>
+              <p:ext uri="{386F3935-93C4-4BCD-93E2-E3B085C9AB24}">
+                <p16:designElem xmlns:p16="http://schemas.microsoft.com/office/powerpoint/2015/main" val="1"/>
+              </p:ext>
+            </p:extLst>
+          </p:nvPr>
+        </p:nvSpPr>
+        <p:spPr>
+          <a:xfrm>
+            <a:off x="0" y="0"/>
+            <a:ext cx="12192000" cy="6858000"/>
+          </a:xfrm>
+          <a:prstGeom prst="rect">
+            <a:avLst/>
+          </a:prstGeom>
+          <a:ln w="12700" cap="flat" cmpd="sng" algn="ctr">
+            <a:noFill/>
+            <a:prstDash val="solid"/>
+            <a:miter lim="800000"/>
+          </a:ln>
+          <a:effectLst/>
+          <a:extLst>
+            <a:ext uri="{91240B29-F687-4F45-9708-019B960494DF}">
+              <a14:hiddenLine xmlns:a14="http://schemas.microsoft.com/office/drawing/2010/main" w="12700" cap="flat" cmpd="sng" algn="ctr">
+                <a:solidFill>
+                  <a:schemeClr val="accent1">
+                    <a:shade val="50000"/>
+                  </a:schemeClr>
+                </a:solidFill>
+                <a:prstDash val="solid"/>
+                <a:miter lim="800000"/>
+              </a14:hiddenLine>
+            </a:ext>
+          </a:extLst>
+        </p:spPr>
+        <p:style>
+          <a:lnRef idx="2">
+            <a:schemeClr val="accent1">
+              <a:shade val="50000"/>
+            </a:schemeClr>
+          </a:lnRef>
+          <a:fillRef idx="1">
+            <a:schemeClr val="accent1"/>
+          </a:fillRef>
+          <a:effectRef idx="0">
+            <a:schemeClr val="accent1"/>
+          </a:effectRef>
+          <a:fontRef idx="minor">
+            <a:schemeClr val="lt1"/>
+          </a:fontRef>
+        </p:style>
+        <p:txBody>
+          <a:bodyPr rtlCol="0" anchor="ctr"/>
+          <a:lstStyle/>
+          <a:p>
+            <a:pPr algn="ctr"/>
+            <a:endParaRPr lang="en-US"/>
+          </a:p>
+        </p:txBody>
+      </p:sp>
+      <p:grpSp>
+        <p:nvGrpSpPr>
+          <p:cNvPr id="14" name="Group 13">
+            <a:extLst>
+              <a:ext uri="{FF2B5EF4-FFF2-40B4-BE49-F238E27FC236}">
+                <a16:creationId xmlns:a16="http://schemas.microsoft.com/office/drawing/2014/main" id="{F938B951-7EFC-40A2-B198-E73D39DFB3FC}"/>
+              </a:ext>
+              <a:ext uri="{C183D7F6-B498-43B3-948B-1728B52AA6E4}">
+                <adec:decorative xmlns:adec="http://schemas.microsoft.com/office/drawing/2017/decorative" val="1"/>
+              </a:ext>
+            </a:extLst>
+          </p:cNvPr>
+          <p:cNvGrpSpPr>
+            <a:grpSpLocks noGrp="1" noUngrp="1" noRot="1" noChangeAspect="1" noMove="1" noResize="1"/>
+          </p:cNvGrpSpPr>
+          <p:nvPr>
+            <p:extLst>
+              <p:ext uri="{386F3935-93C4-4BCD-93E2-E3B085C9AB24}">
+                <p16:designElem xmlns:p16="http://schemas.microsoft.com/office/powerpoint/2015/main" val="1"/>
+              </p:ext>
+            </p:extLst>
+          </p:nvPr>
+        </p:nvGrpSpPr>
+        <p:grpSpPr>
+          <a:xfrm>
+            <a:off x="0" y="0"/>
+            <a:ext cx="12192000" cy="6858000"/>
+            <a:chOff x="0" y="0"/>
+            <a:chExt cx="12192000" cy="6858000"/>
+          </a:xfrm>
+        </p:grpSpPr>
+        <p:sp>
+          <p:nvSpPr>
+            <p:cNvPr id="15" name="Rectangle 14">
+              <a:extLst>
+                <a:ext uri="{FF2B5EF4-FFF2-40B4-BE49-F238E27FC236}">
+                  <a16:creationId xmlns:a16="http://schemas.microsoft.com/office/drawing/2014/main" id="{92E4506E-6A0E-49A0-BC31-8CADBFF3ECCF}"/>
+                </a:ext>
+                <a:ext uri="{C183D7F6-B498-43B3-948B-1728B52AA6E4}">
+                  <adec:decorative xmlns:adec="http://schemas.microsoft.com/office/drawing/2017/decorative" val="1"/>
+                </a:ext>
+              </a:extLst>
+            </p:cNvPr>
+            <p:cNvSpPr/>
+            <p:nvPr>
+              <p:extLst>
+                <p:ext uri="{386F3935-93C4-4BCD-93E2-E3B085C9AB24}">
+                  <p16:designElem xmlns:p16="http://schemas.microsoft.com/office/powerpoint/2015/main" val="1"/>
+                </p:ext>
+              </p:extLst>
+            </p:nvPr>
+          </p:nvSpPr>
+          <p:spPr>
+            <a:xfrm>
+              <a:off x="0" y="0"/>
+              <a:ext cx="12192000" cy="6858000"/>
+            </a:xfrm>
+            <a:prstGeom prst="rect">
+              <a:avLst/>
+            </a:prstGeom>
+            <a:solidFill>
+              <a:schemeClr val="bg1">
+                <a:lumMod val="95000"/>
+              </a:schemeClr>
+            </a:solidFill>
+            <a:ln>
+              <a:noFill/>
+            </a:ln>
+          </p:spPr>
+          <p:style>
+            <a:lnRef idx="2">
+              <a:schemeClr val="accent1">
+                <a:shade val="50000"/>
+              </a:schemeClr>
+            </a:lnRef>
+            <a:fillRef idx="1">
+              <a:schemeClr val="accent1"/>
+            </a:fillRef>
+            <a:effectRef idx="0">
+              <a:schemeClr val="accent1"/>
+            </a:effectRef>
+            <a:fontRef idx="minor">
+              <a:schemeClr val="lt1"/>
+            </a:fontRef>
+          </p:style>
+          <p:txBody>
+            <a:bodyPr rtlCol="0" anchor="ctr"/>
+            <a:lstStyle/>
+            <a:p>
+              <a:pPr algn="ctr"/>
+              <a:endParaRPr lang="en-US"/>
+            </a:p>
+          </p:txBody>
+        </p:sp>
+        <p:sp>
+          <p:nvSpPr>
+            <p:cNvPr id="16" name="Rectangle 15">
+              <a:extLst>
+                <a:ext uri="{FF2B5EF4-FFF2-40B4-BE49-F238E27FC236}">
+                  <a16:creationId xmlns:a16="http://schemas.microsoft.com/office/drawing/2014/main" id="{EEED4D51-65BF-4AEE-B596-7CB61A70B966}"/>
+                </a:ext>
+                <a:ext uri="{C183D7F6-B498-43B3-948B-1728B52AA6E4}">
+                  <adec:decorative xmlns:adec="http://schemas.microsoft.com/office/drawing/2017/decorative" val="1"/>
+                </a:ext>
+              </a:extLst>
+            </p:cNvPr>
+            <p:cNvSpPr/>
+            <p:nvPr>
+              <p:extLst>
+                <p:ext uri="{386F3935-93C4-4BCD-93E2-E3B085C9AB24}">
+                  <p16:designElem xmlns:p16="http://schemas.microsoft.com/office/powerpoint/2015/main" val="1"/>
+                </p:ext>
+              </p:extLst>
+            </p:nvPr>
+          </p:nvSpPr>
+          <p:spPr>
+            <a:xfrm>
+              <a:off x="0" y="0"/>
+              <a:ext cx="12192000" cy="6858000"/>
+            </a:xfrm>
+            <a:prstGeom prst="rect">
+              <a:avLst/>
+            </a:prstGeom>
+            <a:solidFill>
+              <a:schemeClr val="accent4">
+                <a:lumMod val="75000"/>
+                <a:alpha val="7000"/>
+              </a:schemeClr>
+            </a:solidFill>
+            <a:ln>
+              <a:noFill/>
+            </a:ln>
+          </p:spPr>
+          <p:style>
+            <a:lnRef idx="2">
+              <a:schemeClr val="accent1">
+                <a:shade val="50000"/>
+              </a:schemeClr>
+            </a:lnRef>
+            <a:fillRef idx="1">
+              <a:schemeClr val="accent1"/>
+            </a:fillRef>
+            <a:effectRef idx="0">
+              <a:schemeClr val="accent1"/>
+            </a:effectRef>
+            <a:fontRef idx="minor">
+              <a:schemeClr val="lt1"/>
+            </a:fontRef>
+          </p:style>
+          <p:txBody>
+            <a:bodyPr rtlCol="0" anchor="ctr"/>
+            <a:lstStyle/>
+            <a:p>
+              <a:pPr algn="ctr"/>
+              <a:endParaRPr lang="en-US"/>
+            </a:p>
+          </p:txBody>
+        </p:sp>
+      </p:grpSp>
+      <p:sp>
+        <p:nvSpPr>
+          <p:cNvPr id="2" name="Title 1">
+            <a:extLst>
+              <a:ext uri="{FF2B5EF4-FFF2-40B4-BE49-F238E27FC236}">
+                <a16:creationId xmlns:a16="http://schemas.microsoft.com/office/drawing/2014/main" id="{5A031DC2-0B30-D43E-49C2-3F78AE1B6A35}"/>
+              </a:ext>
+            </a:extLst>
+          </p:cNvPr>
+          <p:cNvSpPr>
+            <a:spLocks noGrp="1"/>
+          </p:cNvSpPr>
+          <p:nvPr>
+            <p:ph type="title"/>
+          </p:nvPr>
+        </p:nvSpPr>
+        <p:spPr>
+          <a:xfrm>
+            <a:off x="550863" y="366639"/>
+            <a:ext cx="11090274" cy="675441"/>
+          </a:xfrm>
+        </p:spPr>
+        <p:txBody>
+          <a:bodyPr vert="horz" wrap="square" lIns="91440" tIns="45720" rIns="91440" bIns="45720" rtlCol="0" anchor="t">
+            <a:normAutofit/>
+          </a:bodyPr>
+          <a:lstStyle/>
+          <a:p>
+            <a:r>
+              <a:rPr lang="en-US" sz="4200"/>
+              <a:t>Csapatmunka megvalósítása</a:t>
+            </a:r>
+          </a:p>
+        </p:txBody>
+      </p:sp>
+      <p:pic>
+        <p:nvPicPr>
+          <p:cNvPr id="5" name="Content Placeholder 4">
+            <a:extLst>
+              <a:ext uri="{FF2B5EF4-FFF2-40B4-BE49-F238E27FC236}">
+                <a16:creationId xmlns:a16="http://schemas.microsoft.com/office/drawing/2014/main" id="{EEDB1272-7ECB-1E47-4D02-4A2C9D62C8DA}"/>
+              </a:ext>
+            </a:extLst>
+          </p:cNvPr>
+          <p:cNvPicPr>
+            <a:picLocks noGrp="1" noChangeAspect="1"/>
+          </p:cNvPicPr>
+          <p:nvPr>
+            <p:ph idx="1"/>
+          </p:nvPr>
+        </p:nvPicPr>
+        <p:blipFill>
+          <a:blip r:embed="rId2">
+            <a:extLst>
+              <a:ext uri="{28A0092B-C50C-407E-A947-70E740481C1C}">
+                <a14:useLocalDpi xmlns:a14="http://schemas.microsoft.com/office/drawing/2010/main" val="0"/>
+              </a:ext>
+            </a:extLst>
+          </a:blip>
+          <a:stretch>
+            <a:fillRect/>
+          </a:stretch>
+        </p:blipFill>
+        <p:spPr>
+          <a:xfrm>
+            <a:off x="550862" y="5532170"/>
+            <a:ext cx="7561262" cy="775029"/>
+          </a:xfrm>
+          <a:prstGeom prst="rect">
+            <a:avLst/>
+          </a:prstGeom>
+          <a:effectLst>
+            <a:outerShdw blurRad="508000" dist="101600" dir="5400000" algn="tl" rotWithShape="0">
+              <a:prstClr val="black">
+                <a:alpha val="10000"/>
+              </a:prstClr>
+            </a:outerShdw>
+          </a:effectLst>
+        </p:spPr>
+      </p:pic>
+      <p:pic>
+        <p:nvPicPr>
+          <p:cNvPr id="7" name="Picture 6" descr="A screenshot of a computer&#10;&#10;AI-generated content may be incorrect.">
+            <a:extLst>
+              <a:ext uri="{FF2B5EF4-FFF2-40B4-BE49-F238E27FC236}">
+                <a16:creationId xmlns:a16="http://schemas.microsoft.com/office/drawing/2014/main" id="{EEF4825D-21D2-AA7D-C77C-F0A5C2C8DABF}"/>
+              </a:ext>
+            </a:extLst>
+          </p:cNvPr>
+          <p:cNvPicPr>
+            <a:picLocks noChangeAspect="1"/>
+          </p:cNvPicPr>
+          <p:nvPr/>
+        </p:nvPicPr>
+        <p:blipFill>
+          <a:blip r:embed="rId3">
+            <a:extLst>
+              <a:ext uri="{28A0092B-C50C-407E-A947-70E740481C1C}">
+                <a14:useLocalDpi xmlns:a14="http://schemas.microsoft.com/office/drawing/2010/main" val="0"/>
+              </a:ext>
+            </a:extLst>
+          </a:blip>
+          <a:stretch>
+            <a:fillRect/>
+          </a:stretch>
+        </p:blipFill>
+        <p:spPr>
+          <a:xfrm>
+            <a:off x="550861" y="1262047"/>
+            <a:ext cx="7561263" cy="4050156"/>
+          </a:xfrm>
+          <a:prstGeom prst="rect">
+            <a:avLst/>
+          </a:prstGeom>
+          <a:effectLst>
+            <a:outerShdw blurRad="508000" dist="101600" dir="5400000" algn="tl" rotWithShape="0">
+              <a:prstClr val="black">
+                <a:alpha val="10000"/>
+              </a:prstClr>
+            </a:outerShdw>
+          </a:effectLst>
+        </p:spPr>
+      </p:pic>
+    </p:spTree>
+    <p:extLst>
+      <p:ext uri="{BB962C8B-B14F-4D97-AF65-F5344CB8AC3E}">
+        <p14:creationId xmlns:p14="http://schemas.microsoft.com/office/powerpoint/2010/main" val="3033014823"/>
+      </p:ext>
+    </p:extLst>
+  </p:cSld>
+  <p:clrMapOvr>
+    <a:masterClrMapping/>
+  </p:clrMapOvr>
+</p:sld>
+</file>
+
+<file path=ppt/slides/slide11.xml><?xml version="1.0" encoding="utf-8"?>
+<p:sld xmlns:a="http://schemas.openxmlformats.org/drawingml/2006/main" xmlns:r="http://schemas.openxmlformats.org/officeDocument/2006/relationships" xmlns:p="http://schemas.openxmlformats.org/presentationml/2006/main">
+  <p:cSld>
+    <p:spTree>
+      <p:nvGrpSpPr>
+        <p:cNvPr id="1" name=""/>
+        <p:cNvGrpSpPr/>
+        <p:nvPr/>
+      </p:nvGrpSpPr>
+      <p:grpSpPr>
+        <a:xfrm>
+          <a:off x="0" y="0"/>
+          <a:ext cx="0" cy="0"/>
+          <a:chOff x="0" y="0"/>
+          <a:chExt cx="0" cy="0"/>
+        </a:xfrm>
+      </p:grpSpPr>
+      <p:sp>
+        <p:nvSpPr>
+          <p:cNvPr id="2" name="Title 1">
+            <a:extLst>
+              <a:ext uri="{FF2B5EF4-FFF2-40B4-BE49-F238E27FC236}">
+                <a16:creationId xmlns:a16="http://schemas.microsoft.com/office/drawing/2014/main" id="{1DD90247-4ABD-E27C-6E6B-E906001C1AB8}"/>
+              </a:ext>
+            </a:extLst>
+          </p:cNvPr>
+          <p:cNvSpPr>
+            <a:spLocks noGrp="1"/>
+          </p:cNvSpPr>
+          <p:nvPr>
+            <p:ph type="title"/>
+          </p:nvPr>
+        </p:nvSpPr>
+        <p:spPr>
+          <a:xfrm>
+            <a:off x="0" y="0"/>
+            <a:ext cx="11353800" cy="1171852"/>
+          </a:xfrm>
+        </p:spPr>
+        <p:txBody>
+          <a:bodyPr/>
+          <a:lstStyle/>
+          <a:p>
+            <a:r>
+              <a:rPr lang="hu-HU" dirty="0"/>
+              <a:t>Projekt tervezése (asztali alkalmazás)</a:t>
+            </a:r>
+          </a:p>
+        </p:txBody>
+      </p:sp>
+      <p:pic>
+        <p:nvPicPr>
+          <p:cNvPr id="19" name="Content Placeholder 18">
+            <a:extLst>
+              <a:ext uri="{FF2B5EF4-FFF2-40B4-BE49-F238E27FC236}">
+                <a16:creationId xmlns:a16="http://schemas.microsoft.com/office/drawing/2014/main" id="{C8473BF2-C052-197A-3E8B-C55DED92B0B0}"/>
+              </a:ext>
+            </a:extLst>
+          </p:cNvPr>
+          <p:cNvPicPr>
+            <a:picLocks noGrp="1" noChangeAspect="1"/>
+          </p:cNvPicPr>
+          <p:nvPr>
+            <p:ph idx="1"/>
+          </p:nvPr>
+        </p:nvPicPr>
+        <p:blipFill>
+          <a:blip r:embed="rId2">
+            <a:extLst>
+              <a:ext uri="{28A0092B-C50C-407E-A947-70E740481C1C}">
+                <a14:useLocalDpi xmlns:a14="http://schemas.microsoft.com/office/drawing/2010/main" val="0"/>
+              </a:ext>
+            </a:extLst>
+          </a:blip>
+          <a:stretch>
+            <a:fillRect/>
+          </a:stretch>
+        </p:blipFill>
+        <p:spPr>
+          <a:xfrm>
+            <a:off x="2067952" y="1171852"/>
+            <a:ext cx="4028048" cy="2796852"/>
+          </a:xfrm>
+        </p:spPr>
+      </p:pic>
+      <p:pic>
+        <p:nvPicPr>
+          <p:cNvPr id="17" name="Picture 16">
+            <a:extLst>
+              <a:ext uri="{FF2B5EF4-FFF2-40B4-BE49-F238E27FC236}">
+                <a16:creationId xmlns:a16="http://schemas.microsoft.com/office/drawing/2014/main" id="{ECD0F75B-19FB-E9BF-F35A-63755EE03171}"/>
+              </a:ext>
+            </a:extLst>
+          </p:cNvPr>
+          <p:cNvPicPr>
+            <a:picLocks noChangeAspect="1"/>
+          </p:cNvPicPr>
+          <p:nvPr/>
+        </p:nvPicPr>
+        <p:blipFill>
+          <a:blip r:embed="rId3"/>
+          <a:stretch>
+            <a:fillRect/>
+          </a:stretch>
+        </p:blipFill>
+        <p:spPr>
+          <a:xfrm>
+            <a:off x="88776" y="1171852"/>
+            <a:ext cx="1857915" cy="2160449"/>
+          </a:xfrm>
+          <a:prstGeom prst="rect">
+            <a:avLst/>
+          </a:prstGeom>
+        </p:spPr>
+      </p:pic>
+      <p:pic>
+        <p:nvPicPr>
+          <p:cNvPr id="21" name="Picture 20">
+            <a:extLst>
+              <a:ext uri="{FF2B5EF4-FFF2-40B4-BE49-F238E27FC236}">
+                <a16:creationId xmlns:a16="http://schemas.microsoft.com/office/drawing/2014/main" id="{7ED5B522-6A83-D5B2-BF2F-6A6E5D0890A6}"/>
+              </a:ext>
+            </a:extLst>
+          </p:cNvPr>
+          <p:cNvPicPr>
+            <a:picLocks noChangeAspect="1"/>
+          </p:cNvPicPr>
+          <p:nvPr/>
+        </p:nvPicPr>
+        <p:blipFill>
+          <a:blip r:embed="rId4">
+            <a:extLst>
+              <a:ext uri="{28A0092B-C50C-407E-A947-70E740481C1C}">
+                <a14:useLocalDpi xmlns:a14="http://schemas.microsoft.com/office/drawing/2010/main" val="0"/>
+              </a:ext>
+            </a:extLst>
+          </a:blip>
+          <a:stretch>
+            <a:fillRect/>
+          </a:stretch>
+        </p:blipFill>
+        <p:spPr>
+          <a:xfrm>
+            <a:off x="6361292" y="1171851"/>
+            <a:ext cx="4002652" cy="2796853"/>
+          </a:xfrm>
+          <a:prstGeom prst="rect">
+            <a:avLst/>
+          </a:prstGeom>
+        </p:spPr>
+      </p:pic>
+      <p:pic>
+        <p:nvPicPr>
+          <p:cNvPr id="23" name="Picture 22">
+            <a:extLst>
+              <a:ext uri="{FF2B5EF4-FFF2-40B4-BE49-F238E27FC236}">
+                <a16:creationId xmlns:a16="http://schemas.microsoft.com/office/drawing/2014/main" id="{B38DE846-AB9E-AD6F-D02B-134DFB29874E}"/>
+              </a:ext>
+            </a:extLst>
+          </p:cNvPr>
+          <p:cNvPicPr>
+            <a:picLocks noChangeAspect="1"/>
+          </p:cNvPicPr>
+          <p:nvPr/>
+        </p:nvPicPr>
+        <p:blipFill>
+          <a:blip r:embed="rId5">
+            <a:extLst>
+              <a:ext uri="{28A0092B-C50C-407E-A947-70E740481C1C}">
+                <a14:useLocalDpi xmlns:a14="http://schemas.microsoft.com/office/drawing/2010/main" val="0"/>
+              </a:ext>
+            </a:extLst>
+          </a:blip>
+          <a:stretch>
+            <a:fillRect/>
+          </a:stretch>
+        </p:blipFill>
+        <p:spPr>
+          <a:xfrm>
+            <a:off x="17752" y="4034514"/>
+            <a:ext cx="4024861" cy="2796852"/>
+          </a:xfrm>
+          <a:prstGeom prst="rect">
+            <a:avLst/>
+          </a:prstGeom>
+        </p:spPr>
+      </p:pic>
+      <p:pic>
+        <p:nvPicPr>
+          <p:cNvPr id="25" name="Picture 24">
+            <a:extLst>
+              <a:ext uri="{FF2B5EF4-FFF2-40B4-BE49-F238E27FC236}">
+                <a16:creationId xmlns:a16="http://schemas.microsoft.com/office/drawing/2014/main" id="{6FAC4255-00B9-0F5F-2DAC-9C0AACCA2880}"/>
+              </a:ext>
+            </a:extLst>
+          </p:cNvPr>
+          <p:cNvPicPr>
+            <a:picLocks noChangeAspect="1"/>
+          </p:cNvPicPr>
+          <p:nvPr/>
+        </p:nvPicPr>
+        <p:blipFill>
+          <a:blip r:embed="rId6">
+            <a:extLst>
+              <a:ext uri="{28A0092B-C50C-407E-A947-70E740481C1C}">
+                <a14:useLocalDpi xmlns:a14="http://schemas.microsoft.com/office/drawing/2010/main" val="0"/>
+              </a:ext>
+            </a:extLst>
+          </a:blip>
+          <a:stretch>
+            <a:fillRect/>
+          </a:stretch>
+        </p:blipFill>
+        <p:spPr>
+          <a:xfrm>
+            <a:off x="4047671" y="3986458"/>
+            <a:ext cx="4067997" cy="2862664"/>
+          </a:xfrm>
+          <a:prstGeom prst="rect">
+            <a:avLst/>
+          </a:prstGeom>
+        </p:spPr>
+      </p:pic>
+      <p:pic>
+        <p:nvPicPr>
+          <p:cNvPr id="27" name="Picture 26">
+            <a:extLst>
+              <a:ext uri="{FF2B5EF4-FFF2-40B4-BE49-F238E27FC236}">
+                <a16:creationId xmlns:a16="http://schemas.microsoft.com/office/drawing/2014/main" id="{0C9FC013-6A2F-F2CD-9DD8-8A116C5D0C68}"/>
+              </a:ext>
+            </a:extLst>
+          </p:cNvPr>
+          <p:cNvPicPr>
+            <a:picLocks noChangeAspect="1"/>
+          </p:cNvPicPr>
+          <p:nvPr/>
+        </p:nvPicPr>
+        <p:blipFill>
+          <a:blip r:embed="rId7">
+            <a:extLst>
+              <a:ext uri="{28A0092B-C50C-407E-A947-70E740481C1C}">
+                <a14:useLocalDpi xmlns:a14="http://schemas.microsoft.com/office/drawing/2010/main" val="0"/>
+              </a:ext>
+            </a:extLst>
+          </a:blip>
+          <a:stretch>
+            <a:fillRect/>
+          </a:stretch>
+        </p:blipFill>
+        <p:spPr>
+          <a:xfrm>
+            <a:off x="8129051" y="4025635"/>
+            <a:ext cx="4045193" cy="2796853"/>
+          </a:xfrm>
+          <a:prstGeom prst="rect">
+            <a:avLst/>
+          </a:prstGeom>
+        </p:spPr>
+      </p:pic>
+    </p:spTree>
+    <p:extLst>
+      <p:ext uri="{BB962C8B-B14F-4D97-AF65-F5344CB8AC3E}">
+        <p14:creationId xmlns:p14="http://schemas.microsoft.com/office/powerpoint/2010/main" val="3118506085"/>
+      </p:ext>
+    </p:extLst>
+  </p:cSld>
+  <p:clrMapOvr>
+    <a:masterClrMapping/>
+  </p:clrMapOvr>
+</p:sld>
+</file>
+
+<file path=ppt/slides/slide12.xml><?xml version="1.0" encoding="utf-8"?>
+<p:sld xmlns:a="http://schemas.openxmlformats.org/drawingml/2006/main" xmlns:r="http://schemas.openxmlformats.org/officeDocument/2006/relationships" xmlns:p="http://schemas.openxmlformats.org/presentationml/2006/main">
+  <p:cSld>
+    <p:spTree>
+      <p:nvGrpSpPr>
+        <p:cNvPr id="1" name=""/>
+        <p:cNvGrpSpPr/>
+        <p:nvPr/>
+      </p:nvGrpSpPr>
+      <p:grpSpPr>
+        <a:xfrm>
+          <a:off x="0" y="0"/>
+          <a:ext cx="0" cy="0"/>
+          <a:chOff x="0" y="0"/>
+          <a:chExt cx="0" cy="0"/>
+        </a:xfrm>
+      </p:grpSpPr>
+      <p:sp>
+        <p:nvSpPr>
+          <p:cNvPr id="2" name="Title 1">
+            <a:extLst>
+              <a:ext uri="{FF2B5EF4-FFF2-40B4-BE49-F238E27FC236}">
+                <a16:creationId xmlns:a16="http://schemas.microsoft.com/office/drawing/2014/main" id="{F7903B42-EB02-8786-2A71-AEC0C1E75693}"/>
+              </a:ext>
+            </a:extLst>
+          </p:cNvPr>
+          <p:cNvSpPr>
+            <a:spLocks noGrp="1"/>
+          </p:cNvSpPr>
+          <p:nvPr>
+            <p:ph type="title"/>
+          </p:nvPr>
+        </p:nvSpPr>
+        <p:spPr/>
+        <p:txBody>
+          <a:bodyPr/>
+          <a:lstStyle/>
+          <a:p>
+            <a:r>
+              <a:rPr lang="hu-HU" dirty="0"/>
+              <a:t>Projekt tervezése (weboldal)</a:t>
+            </a:r>
+          </a:p>
+        </p:txBody>
+      </p:sp>
+      <p:sp>
+        <p:nvSpPr>
+          <p:cNvPr id="3" name="Content Placeholder 2">
+            <a:extLst>
+              <a:ext uri="{FF2B5EF4-FFF2-40B4-BE49-F238E27FC236}">
+                <a16:creationId xmlns:a16="http://schemas.microsoft.com/office/drawing/2014/main" id="{B90B6545-ADD9-09AA-AE8E-B1618445F6A1}"/>
+              </a:ext>
+            </a:extLst>
+          </p:cNvPr>
+          <p:cNvSpPr>
+            <a:spLocks noGrp="1"/>
+          </p:cNvSpPr>
+          <p:nvPr>
+            <p:ph idx="1"/>
+          </p:nvPr>
+        </p:nvSpPr>
+        <p:spPr/>
+        <p:txBody>
+          <a:bodyPr/>
+          <a:lstStyle/>
+          <a:p>
+            <a:endParaRPr lang="hu-HU"/>
+          </a:p>
+        </p:txBody>
+      </p:sp>
+    </p:spTree>
+    <p:extLst>
+      <p:ext uri="{BB962C8B-B14F-4D97-AF65-F5344CB8AC3E}">
+        <p14:creationId xmlns:p14="http://schemas.microsoft.com/office/powerpoint/2010/main" val="1675270986"/>
+      </p:ext>
+    </p:extLst>
+  </p:cSld>
+  <p:clrMapOvr>
+    <a:masterClrMapping/>
+  </p:clrMapOvr>
+</p:sld>
+</file>
+
+<file path=ppt/slides/slide13.xml><?xml version="1.0" encoding="utf-8"?>
+<p:sld xmlns:a="http://schemas.openxmlformats.org/drawingml/2006/main" xmlns:r="http://schemas.openxmlformats.org/officeDocument/2006/relationships" xmlns:p="http://schemas.openxmlformats.org/presentationml/2006/main">
+  <p:cSld>
+    <p:bg>
+      <p:bgPr>
+        <a:solidFill>
+          <a:schemeClr val="bg1"/>
+        </a:solidFill>
+        <a:effectLst/>
+      </p:bgPr>
+    </p:bg>
+    <p:spTree>
+      <p:nvGrpSpPr>
+        <p:cNvPr id="1" name=""/>
+        <p:cNvGrpSpPr/>
+        <p:nvPr/>
+      </p:nvGrpSpPr>
+      <p:grpSpPr>
+        <a:xfrm>
+          <a:off x="0" y="0"/>
+          <a:ext cx="0" cy="0"/>
+          <a:chOff x="0" y="0"/>
+          <a:chExt cx="0" cy="0"/>
+        </a:xfrm>
+      </p:grpSpPr>
+      <p:sp useBgFill="1">
+        <p:nvSpPr>
+          <p:cNvPr id="18" name="Rectangle 17">
+            <a:extLst>
+              <a:ext uri="{FF2B5EF4-FFF2-40B4-BE49-F238E27FC236}">
+                <a16:creationId xmlns:a16="http://schemas.microsoft.com/office/drawing/2014/main" id="{72018E1B-E0B9-4440-AFF3-4112E50A2763}"/>
+              </a:ext>
+              <a:ext uri="{C183D7F6-B498-43B3-948B-1728B52AA6E4}">
+                <adec:decorative xmlns:adec="http://schemas.microsoft.com/office/drawing/2017/decorative" val="1"/>
+              </a:ext>
+            </a:extLst>
+          </p:cNvPr>
+          <p:cNvSpPr>
+            <a:spLocks noGrp="1" noRot="1" noChangeAspect="1" noMove="1" noResize="1" noEditPoints="1" noAdjustHandles="1" noChangeArrowheads="1" noChangeShapeType="1" noTextEdit="1"/>
+          </p:cNvSpPr>
+          <p:nvPr>
+            <p:extLst>
+              <p:ext uri="{386F3935-93C4-4BCD-93E2-E3B085C9AB24}">
+                <p16:designElem xmlns:p16="http://schemas.microsoft.com/office/powerpoint/2015/main" val="1"/>
+              </p:ext>
+            </p:extLst>
+          </p:nvPr>
+        </p:nvSpPr>
+        <p:spPr>
+          <a:xfrm>
+            <a:off x="-1" y="0"/>
+            <a:ext cx="12188952" cy="6858000"/>
+          </a:xfrm>
+          <a:prstGeom prst="rect">
+            <a:avLst/>
+          </a:prstGeom>
+          <a:ln>
+            <a:noFill/>
+          </a:ln>
+        </p:spPr>
+        <p:style>
+          <a:lnRef idx="2">
+            <a:schemeClr val="accent1">
+              <a:shade val="50000"/>
+            </a:schemeClr>
+          </a:lnRef>
+          <a:fillRef idx="1">
+            <a:schemeClr val="accent1"/>
+          </a:fillRef>
+          <a:effectRef idx="0">
+            <a:schemeClr val="accent1"/>
+          </a:effectRef>
+          <a:fontRef idx="minor">
+            <a:schemeClr val="lt1"/>
+          </a:fontRef>
+        </p:style>
+        <p:txBody>
+          <a:bodyPr rtlCol="0" anchor="ctr"/>
+          <a:lstStyle/>
+          <a:p>
+            <a:pPr algn="ctr"/>
+            <a:endParaRPr lang="en-US"/>
+          </a:p>
+        </p:txBody>
+      </p:sp>
+      <p:sp>
+        <p:nvSpPr>
+          <p:cNvPr id="2" name="Title 1">
+            <a:extLst>
+              <a:ext uri="{FF2B5EF4-FFF2-40B4-BE49-F238E27FC236}">
+                <a16:creationId xmlns:a16="http://schemas.microsoft.com/office/drawing/2014/main" id="{1DFFEB96-E4EC-8848-C99B-21BF1E800BF0}"/>
+              </a:ext>
+            </a:extLst>
+          </p:cNvPr>
+          <p:cNvSpPr>
+            <a:spLocks noGrp="1"/>
+          </p:cNvSpPr>
+          <p:nvPr>
+            <p:ph type="title"/>
+          </p:nvPr>
+        </p:nvSpPr>
+        <p:spPr>
+          <a:xfrm>
+            <a:off x="838200" y="557191"/>
+            <a:ext cx="10515600" cy="2217174"/>
+          </a:xfrm>
+        </p:spPr>
+        <p:txBody>
+          <a:bodyPr vert="horz" lIns="91440" tIns="45720" rIns="91440" bIns="45720" rtlCol="0" anchor="ctr">
+            <a:normAutofit/>
+          </a:bodyPr>
+          <a:lstStyle/>
+          <a:p>
+            <a:pPr algn="ctr"/>
+            <a:r>
+              <a:rPr lang="en-US" sz="5200" kern="1200">
+                <a:solidFill>
+                  <a:schemeClr val="tx1"/>
+                </a:solidFill>
+                <a:latin typeface="+mj-lt"/>
+                <a:ea typeface="+mj-ea"/>
+                <a:cs typeface="+mj-cs"/>
+              </a:rPr>
+              <a:t>Projekt tervezése (mobil alkalmazás)</a:t>
+            </a:r>
+          </a:p>
+        </p:txBody>
+      </p:sp>
+      <p:pic>
+        <p:nvPicPr>
+          <p:cNvPr id="11" name="Picture 10" descr="A screenshot of a computer&#10;&#10;AI-generated content may be incorrect.">
+            <a:extLst>
+              <a:ext uri="{FF2B5EF4-FFF2-40B4-BE49-F238E27FC236}">
+                <a16:creationId xmlns:a16="http://schemas.microsoft.com/office/drawing/2014/main" id="{CF63A2BE-1501-6A2E-CE6F-6D2567ED25D7}"/>
+              </a:ext>
+            </a:extLst>
+          </p:cNvPr>
+          <p:cNvPicPr>
+            <a:picLocks noChangeAspect="1"/>
+          </p:cNvPicPr>
+          <p:nvPr/>
+        </p:nvPicPr>
+        <p:blipFill>
+          <a:blip r:embed="rId2">
+            <a:extLst>
+              <a:ext uri="{28A0092B-C50C-407E-A947-70E740481C1C}">
+                <a14:useLocalDpi xmlns:a14="http://schemas.microsoft.com/office/drawing/2010/main" val="0"/>
+              </a:ext>
+            </a:extLst>
+          </a:blip>
+          <a:srcRect t="8428" r="3" b="20578"/>
+          <a:stretch>
+            <a:fillRect/>
+          </a:stretch>
+        </p:blipFill>
+        <p:spPr>
+          <a:xfrm>
+            <a:off x="184558" y="2962911"/>
+            <a:ext cx="2255462" cy="3155238"/>
+          </a:xfrm>
+          <a:prstGeom prst="rect">
+            <a:avLst/>
+          </a:prstGeom>
+        </p:spPr>
+      </p:pic>
+      <p:pic>
+        <p:nvPicPr>
+          <p:cNvPr id="9" name="Picture 8" descr="A screenshot of a computer&#10;&#10;AI-generated content may be incorrect.">
+            <a:extLst>
+              <a:ext uri="{FF2B5EF4-FFF2-40B4-BE49-F238E27FC236}">
+                <a16:creationId xmlns:a16="http://schemas.microsoft.com/office/drawing/2014/main" id="{A057F287-500F-38FA-92C4-FD27FA910521}"/>
+              </a:ext>
+            </a:extLst>
+          </p:cNvPr>
+          <p:cNvPicPr>
+            <a:picLocks noChangeAspect="1"/>
+          </p:cNvPicPr>
+          <p:nvPr/>
+        </p:nvPicPr>
+        <p:blipFill>
+          <a:blip r:embed="rId3">
+            <a:extLst>
+              <a:ext uri="{28A0092B-C50C-407E-A947-70E740481C1C}">
+                <a14:useLocalDpi xmlns:a14="http://schemas.microsoft.com/office/drawing/2010/main" val="0"/>
+              </a:ext>
+            </a:extLst>
+          </a:blip>
+          <a:srcRect t="9452" r="-3" b="20599"/>
+          <a:stretch>
+            <a:fillRect/>
+          </a:stretch>
+        </p:blipFill>
+        <p:spPr>
+          <a:xfrm>
+            <a:off x="2575696" y="2962911"/>
+            <a:ext cx="2255462" cy="3155238"/>
+          </a:xfrm>
+          <a:prstGeom prst="rect">
+            <a:avLst/>
+          </a:prstGeom>
+        </p:spPr>
+      </p:pic>
+      <p:pic>
+        <p:nvPicPr>
+          <p:cNvPr id="5" name="Content Placeholder 4" descr="A screenshot of a phone&#10;&#10;AI-generated content may be incorrect.">
+            <a:extLst>
+              <a:ext uri="{FF2B5EF4-FFF2-40B4-BE49-F238E27FC236}">
+                <a16:creationId xmlns:a16="http://schemas.microsoft.com/office/drawing/2014/main" id="{4C068443-FA99-00DB-1D82-55BD09342E6D}"/>
+              </a:ext>
+            </a:extLst>
+          </p:cNvPr>
+          <p:cNvPicPr>
+            <a:picLocks noGrp="1" noChangeAspect="1"/>
+          </p:cNvPicPr>
+          <p:nvPr>
+            <p:ph idx="1"/>
+          </p:nvPr>
+        </p:nvPicPr>
+        <p:blipFill>
+          <a:blip r:embed="rId4">
+            <a:extLst>
+              <a:ext uri="{28A0092B-C50C-407E-A947-70E740481C1C}">
+                <a14:useLocalDpi xmlns:a14="http://schemas.microsoft.com/office/drawing/2010/main" val="0"/>
+              </a:ext>
+            </a:extLst>
+          </a:blip>
+          <a:srcRect t="5593" b="24810"/>
+          <a:stretch>
+            <a:fillRect/>
+          </a:stretch>
+        </p:blipFill>
+        <p:spPr>
+          <a:xfrm>
+            <a:off x="4966833" y="2962911"/>
+            <a:ext cx="2255462" cy="3155238"/>
+          </a:xfrm>
+          <a:prstGeom prst="rect">
+            <a:avLst/>
+          </a:prstGeom>
+        </p:spPr>
+      </p:pic>
+      <p:pic>
+        <p:nvPicPr>
+          <p:cNvPr id="13" name="Picture 12" descr="A screenshot of a phone&#10;&#10;AI-generated content may be incorrect.">
+            <a:extLst>
+              <a:ext uri="{FF2B5EF4-FFF2-40B4-BE49-F238E27FC236}">
+                <a16:creationId xmlns:a16="http://schemas.microsoft.com/office/drawing/2014/main" id="{FC66C5BF-856D-F9DA-66D7-1A8087361B1F}"/>
+              </a:ext>
+            </a:extLst>
+          </p:cNvPr>
+          <p:cNvPicPr>
+            <a:picLocks noChangeAspect="1"/>
+          </p:cNvPicPr>
+          <p:nvPr/>
+        </p:nvPicPr>
+        <p:blipFill>
+          <a:blip r:embed="rId5">
+            <a:extLst>
+              <a:ext uri="{28A0092B-C50C-407E-A947-70E740481C1C}">
+                <a14:useLocalDpi xmlns:a14="http://schemas.microsoft.com/office/drawing/2010/main" val="0"/>
+              </a:ext>
+            </a:extLst>
+          </a:blip>
+          <a:srcRect t="3024" r="-2" b="26678"/>
+          <a:stretch>
+            <a:fillRect/>
+          </a:stretch>
+        </p:blipFill>
+        <p:spPr>
+          <a:xfrm>
+            <a:off x="7357971" y="2962911"/>
+            <a:ext cx="2255462" cy="3155238"/>
+          </a:xfrm>
+          <a:prstGeom prst="rect">
+            <a:avLst/>
+          </a:prstGeom>
+        </p:spPr>
+      </p:pic>
+      <p:pic>
+        <p:nvPicPr>
+          <p:cNvPr id="7" name="Picture 6" descr="A screenshot of a phone&#10;&#10;AI-generated content may be incorrect.">
+            <a:extLst>
+              <a:ext uri="{FF2B5EF4-FFF2-40B4-BE49-F238E27FC236}">
+                <a16:creationId xmlns:a16="http://schemas.microsoft.com/office/drawing/2014/main" id="{ADCE738E-BF52-9AC8-8663-FF8B4301ED59}"/>
+              </a:ext>
+            </a:extLst>
+          </p:cNvPr>
+          <p:cNvPicPr>
+            <a:picLocks noChangeAspect="1"/>
+          </p:cNvPicPr>
+          <p:nvPr/>
+        </p:nvPicPr>
+        <p:blipFill>
+          <a:blip r:embed="rId6">
+            <a:extLst>
+              <a:ext uri="{28A0092B-C50C-407E-A947-70E740481C1C}">
+                <a14:useLocalDpi xmlns:a14="http://schemas.microsoft.com/office/drawing/2010/main" val="0"/>
+              </a:ext>
+            </a:extLst>
+          </a:blip>
+          <a:srcRect t="8704" b="22398"/>
+          <a:stretch>
+            <a:fillRect/>
+          </a:stretch>
+        </p:blipFill>
+        <p:spPr>
+          <a:xfrm>
+            <a:off x="9749109" y="2962911"/>
+            <a:ext cx="2255462" cy="3155238"/>
+          </a:xfrm>
+          <a:prstGeom prst="rect">
+            <a:avLst/>
+          </a:prstGeom>
+        </p:spPr>
+      </p:pic>
+    </p:spTree>
+    <p:extLst>
+      <p:ext uri="{BB962C8B-B14F-4D97-AF65-F5344CB8AC3E}">
+        <p14:creationId xmlns:p14="http://schemas.microsoft.com/office/powerpoint/2010/main" val="3311756763"/>
+      </p:ext>
+    </p:extLst>
+  </p:cSld>
+  <p:clrMapOvr>
+    <a:masterClrMapping/>
+  </p:clrMapOvr>
+</p:sld>
+</file>
+
+<file path=ppt/slides/slide14.xml><?xml version="1.0" encoding="utf-8"?>
+<p:sld xmlns:a="http://schemas.openxmlformats.org/drawingml/2006/main" xmlns:r="http://schemas.openxmlformats.org/officeDocument/2006/relationships" xmlns:p="http://schemas.openxmlformats.org/presentationml/2006/main">
+  <p:cSld>
+    <p:spTree>
+      <p:nvGrpSpPr>
+        <p:cNvPr id="1" name=""/>
+        <p:cNvGrpSpPr/>
+        <p:nvPr/>
+      </p:nvGrpSpPr>
+      <p:grpSpPr>
+        <a:xfrm>
+          <a:off x="0" y="0"/>
+          <a:ext cx="0" cy="0"/>
+          <a:chOff x="0" y="0"/>
+          <a:chExt cx="0" cy="0"/>
+        </a:xfrm>
+      </p:grpSpPr>
+      <p:sp>
+        <p:nvSpPr>
+          <p:cNvPr id="2" name="Title 1">
+            <a:extLst>
+              <a:ext uri="{FF2B5EF4-FFF2-40B4-BE49-F238E27FC236}">
+                <a16:creationId xmlns:a16="http://schemas.microsoft.com/office/drawing/2014/main" id="{7551C4F4-AD66-70B0-8937-F8029704B1C3}"/>
+              </a:ext>
+            </a:extLst>
+          </p:cNvPr>
+          <p:cNvSpPr>
+            <a:spLocks noGrp="1"/>
+          </p:cNvSpPr>
+          <p:nvPr>
+            <p:ph type="title"/>
+          </p:nvPr>
+        </p:nvSpPr>
+        <p:spPr/>
+        <p:txBody>
+          <a:bodyPr/>
+          <a:lstStyle/>
+          <a:p>
+            <a:r>
+              <a:rPr lang="hu-HU" dirty="0"/>
+              <a:t>Asztali alkalmazás működése</a:t>
+            </a:r>
+          </a:p>
+        </p:txBody>
+      </p:sp>
+      <p:sp>
+        <p:nvSpPr>
+          <p:cNvPr id="3" name="Content Placeholder 2">
+            <a:extLst>
+              <a:ext uri="{FF2B5EF4-FFF2-40B4-BE49-F238E27FC236}">
+                <a16:creationId xmlns:a16="http://schemas.microsoft.com/office/drawing/2014/main" id="{64751E23-EC53-B39E-7B73-CFEEC8CC53F2}"/>
+              </a:ext>
+            </a:extLst>
+          </p:cNvPr>
+          <p:cNvSpPr>
+            <a:spLocks noGrp="1"/>
+          </p:cNvSpPr>
+          <p:nvPr>
+            <p:ph sz="half" idx="1"/>
+          </p:nvPr>
+        </p:nvSpPr>
+        <p:spPr/>
+        <p:txBody>
+          <a:bodyPr>
+            <a:normAutofit lnSpcReduction="10000"/>
+          </a:bodyPr>
+          <a:lstStyle/>
+          <a:p>
+            <a:r>
+              <a:rPr lang="en-GB" dirty="0" err="1"/>
+              <a:t>Autó</a:t>
+            </a:r>
+            <a:r>
+              <a:rPr lang="en-GB" dirty="0"/>
+              <a:t> </a:t>
+            </a:r>
+            <a:r>
+              <a:rPr lang="en-GB" dirty="0" err="1"/>
+              <a:t>létrehozása</a:t>
+            </a:r>
+            <a:r>
+              <a:rPr lang="en-GB" dirty="0"/>
+              <a:t>:</a:t>
+            </a:r>
+            <a:endParaRPr lang="hu-HU" dirty="0"/>
+          </a:p>
+          <a:p>
+            <a:r>
+              <a:rPr lang="en-GB" dirty="0" err="1"/>
+              <a:t>Alkalmazott</a:t>
+            </a:r>
+            <a:r>
+              <a:rPr lang="en-GB" dirty="0"/>
+              <a:t> </a:t>
+            </a:r>
+            <a:r>
+              <a:rPr lang="en-GB" dirty="0" err="1"/>
+              <a:t>létrehozása</a:t>
+            </a:r>
+            <a:r>
+              <a:rPr lang="en-GB" dirty="0"/>
+              <a:t>:</a:t>
+            </a:r>
+          </a:p>
+          <a:p>
+            <a:r>
+              <a:rPr lang="en-GB" dirty="0" err="1"/>
+              <a:t>Autó</a:t>
+            </a:r>
+            <a:r>
+              <a:rPr lang="en-GB" dirty="0"/>
+              <a:t> </a:t>
+            </a:r>
+            <a:r>
+              <a:rPr lang="en-GB" dirty="0" err="1"/>
+              <a:t>törlése</a:t>
+            </a:r>
+            <a:r>
+              <a:rPr lang="en-GB" dirty="0"/>
+              <a:t>:</a:t>
+            </a:r>
+          </a:p>
+          <a:p>
+            <a:r>
+              <a:rPr lang="en-GB" dirty="0" err="1"/>
+              <a:t>Bérlés</a:t>
+            </a:r>
+            <a:r>
+              <a:rPr lang="en-GB" dirty="0"/>
+              <a:t> </a:t>
+            </a:r>
+            <a:r>
+              <a:rPr lang="en-GB" dirty="0" err="1"/>
+              <a:t>törlése</a:t>
+            </a:r>
+            <a:r>
+              <a:rPr lang="en-GB" dirty="0"/>
+              <a:t>:</a:t>
+            </a:r>
+          </a:p>
+          <a:p>
+            <a:r>
+              <a:rPr lang="en-GB" dirty="0" err="1"/>
+              <a:t>Alkalmazott</a:t>
+            </a:r>
+            <a:r>
+              <a:rPr lang="en-GB" dirty="0"/>
+              <a:t> </a:t>
+            </a:r>
+            <a:r>
+              <a:rPr lang="en-GB" dirty="0" err="1"/>
+              <a:t>törlése</a:t>
+            </a:r>
+            <a:r>
+              <a:rPr lang="en-GB" dirty="0"/>
+              <a:t>:</a:t>
+            </a:r>
+          </a:p>
+          <a:p>
+            <a:r>
+              <a:rPr lang="en-GB" dirty="0" err="1"/>
+              <a:t>Bejelentkezés</a:t>
+            </a:r>
+            <a:r>
+              <a:rPr lang="en-GB" dirty="0"/>
+              <a:t>:</a:t>
+            </a:r>
+          </a:p>
+          <a:p>
+            <a:r>
+              <a:rPr lang="en-GB" dirty="0" err="1"/>
+              <a:t>Autó</a:t>
+            </a:r>
+            <a:r>
+              <a:rPr lang="en-GB" dirty="0"/>
+              <a:t> </a:t>
+            </a:r>
+            <a:r>
+              <a:rPr lang="en-GB" dirty="0" err="1"/>
+              <a:t>frissítése</a:t>
+            </a:r>
+            <a:r>
+              <a:rPr lang="en-GB" dirty="0"/>
+              <a:t>:</a:t>
+            </a:r>
+          </a:p>
+          <a:p>
+            <a:r>
+              <a:rPr lang="en-GB" dirty="0" err="1"/>
+              <a:t>Bérlés</a:t>
+            </a:r>
+            <a:r>
+              <a:rPr lang="en-GB" dirty="0"/>
+              <a:t> </a:t>
+            </a:r>
+            <a:r>
+              <a:rPr lang="en-GB" dirty="0" err="1"/>
+              <a:t>frissítése</a:t>
+            </a:r>
+            <a:r>
+              <a:rPr lang="en-GB" dirty="0"/>
+              <a:t>:</a:t>
+            </a:r>
+          </a:p>
+          <a:p>
+            <a:r>
+              <a:rPr lang="en-GB" dirty="0" err="1"/>
+              <a:t>Alkalmazott</a:t>
+            </a:r>
+            <a:r>
+              <a:rPr lang="en-GB" dirty="0"/>
+              <a:t> </a:t>
+            </a:r>
+            <a:r>
+              <a:rPr lang="en-GB" dirty="0" err="1"/>
+              <a:t>frissítése</a:t>
+            </a:r>
+            <a:r>
+              <a:rPr lang="en-GB" dirty="0"/>
+              <a:t>:</a:t>
+            </a:r>
+            <a:endParaRPr lang="hu-HU" dirty="0"/>
+          </a:p>
+        </p:txBody>
+      </p:sp>
+      <p:sp>
+        <p:nvSpPr>
+          <p:cNvPr id="4" name="Content Placeholder 3">
+            <a:extLst>
+              <a:ext uri="{FF2B5EF4-FFF2-40B4-BE49-F238E27FC236}">
+                <a16:creationId xmlns:a16="http://schemas.microsoft.com/office/drawing/2014/main" id="{A80B23DB-9F66-2BF9-6823-D37F605DC71D}"/>
+              </a:ext>
+            </a:extLst>
+          </p:cNvPr>
+          <p:cNvSpPr>
+            <a:spLocks noGrp="1"/>
+          </p:cNvSpPr>
+          <p:nvPr>
+            <p:ph sz="half" idx="2"/>
+          </p:nvPr>
+        </p:nvSpPr>
+        <p:spPr/>
+        <p:txBody>
+          <a:bodyPr>
+            <a:normAutofit lnSpcReduction="10000"/>
+          </a:bodyPr>
+          <a:lstStyle/>
+          <a:p>
+            <a:r>
+              <a:rPr lang="hu-HU" dirty="0" err="1">
+                <a:hlinkClick r:id="rId2" action="ppaction://hlinkfile"/>
+              </a:rPr>
+              <a:t>tests</a:t>
+            </a:r>
+            <a:r>
+              <a:rPr lang="hu-HU" dirty="0">
+                <a:hlinkClick r:id="rId2" action="ppaction://hlinkfile"/>
+              </a:rPr>
+              <a:t>\createCar.wmv</a:t>
+            </a:r>
+            <a:endParaRPr lang="hu-HU" dirty="0"/>
+          </a:p>
+          <a:p>
+            <a:r>
+              <a:rPr lang="hu-HU" dirty="0" err="1">
+                <a:hlinkClick r:id="rId3" action="ppaction://hlinkfile"/>
+              </a:rPr>
+              <a:t>tests</a:t>
+            </a:r>
+            <a:r>
+              <a:rPr lang="hu-HU" dirty="0">
+                <a:hlinkClick r:id="rId3" action="ppaction://hlinkfile"/>
+              </a:rPr>
+              <a:t>\createWorker.mp4</a:t>
+            </a:r>
+            <a:endParaRPr lang="hu-HU" dirty="0"/>
+          </a:p>
+          <a:p>
+            <a:r>
+              <a:rPr lang="hu-HU" dirty="0" err="1">
+                <a:hlinkClick r:id="rId4" action="ppaction://hlinkfile"/>
+              </a:rPr>
+              <a:t>tests</a:t>
+            </a:r>
+            <a:r>
+              <a:rPr lang="hu-HU" dirty="0">
+                <a:hlinkClick r:id="rId4" action="ppaction://hlinkfile"/>
+              </a:rPr>
+              <a:t>\deleteCar.mp4</a:t>
+            </a:r>
+            <a:endParaRPr lang="hu-HU" dirty="0"/>
+          </a:p>
+          <a:p>
+            <a:r>
+              <a:rPr lang="hu-HU" dirty="0" err="1">
+                <a:hlinkClick r:id="rId5" action="ppaction://hlinkfile"/>
+              </a:rPr>
+              <a:t>tests</a:t>
+            </a:r>
+            <a:r>
+              <a:rPr lang="hu-HU" dirty="0">
+                <a:hlinkClick r:id="rId5" action="ppaction://hlinkfile"/>
+              </a:rPr>
+              <a:t>\deleteRent.mp4</a:t>
+            </a:r>
+            <a:endParaRPr lang="hu-HU" dirty="0"/>
+          </a:p>
+          <a:p>
+            <a:r>
+              <a:rPr lang="hu-HU" dirty="0" err="1">
+                <a:hlinkClick r:id="rId6" action="ppaction://hlinkfile"/>
+              </a:rPr>
+              <a:t>tests</a:t>
+            </a:r>
+            <a:r>
+              <a:rPr lang="hu-HU" dirty="0">
+                <a:hlinkClick r:id="rId6" action="ppaction://hlinkfile"/>
+              </a:rPr>
+              <a:t>\deleteWorker.mp4</a:t>
+            </a:r>
+            <a:endParaRPr lang="hu-HU" dirty="0"/>
+          </a:p>
+          <a:p>
+            <a:r>
+              <a:rPr lang="hu-HU" dirty="0" err="1">
+                <a:hlinkClick r:id="rId7" action="ppaction://hlinkfile"/>
+              </a:rPr>
+              <a:t>tests</a:t>
+            </a:r>
+            <a:r>
+              <a:rPr lang="hu-HU" dirty="0">
+                <a:hlinkClick r:id="rId7" action="ppaction://hlinkfile"/>
+              </a:rPr>
+              <a:t>\login.wmv</a:t>
+            </a:r>
+            <a:endParaRPr lang="hu-HU" dirty="0"/>
+          </a:p>
+          <a:p>
+            <a:r>
+              <a:rPr lang="hu-HU" dirty="0" err="1">
+                <a:hlinkClick r:id="rId8" action="ppaction://hlinkfile"/>
+              </a:rPr>
+              <a:t>tests</a:t>
+            </a:r>
+            <a:r>
+              <a:rPr lang="hu-HU" dirty="0">
+                <a:hlinkClick r:id="rId8" action="ppaction://hlinkfile"/>
+              </a:rPr>
+              <a:t>\updateCar.mp4</a:t>
+            </a:r>
+            <a:endParaRPr lang="hu-HU" dirty="0"/>
+          </a:p>
+          <a:p>
+            <a:r>
+              <a:rPr lang="hu-HU" dirty="0" err="1">
+                <a:hlinkClick r:id="rId9" action="ppaction://hlinkfile"/>
+              </a:rPr>
+              <a:t>tests</a:t>
+            </a:r>
+            <a:r>
+              <a:rPr lang="hu-HU" dirty="0">
+                <a:hlinkClick r:id="rId9" action="ppaction://hlinkfile"/>
+              </a:rPr>
+              <a:t>\updateRent.mp4</a:t>
+            </a:r>
+            <a:endParaRPr lang="hu-HU" dirty="0"/>
+          </a:p>
+          <a:p>
+            <a:r>
+              <a:rPr lang="hu-HU" dirty="0" err="1">
+                <a:hlinkClick r:id="rId10" action="ppaction://hlinkfile"/>
+              </a:rPr>
+              <a:t>tests</a:t>
+            </a:r>
+            <a:r>
+              <a:rPr lang="hu-HU" dirty="0">
+                <a:hlinkClick r:id="rId10" action="ppaction://hlinkfile"/>
+              </a:rPr>
+              <a:t>\updateWorker.mp4</a:t>
+            </a:r>
+            <a:endParaRPr lang="hu-HU" dirty="0"/>
+          </a:p>
+          <a:p>
+            <a:endParaRPr lang="en-GB" dirty="0"/>
+          </a:p>
+        </p:txBody>
+      </p:sp>
+    </p:spTree>
+    <p:extLst>
+      <p:ext uri="{BB962C8B-B14F-4D97-AF65-F5344CB8AC3E}">
+        <p14:creationId xmlns:p14="http://schemas.microsoft.com/office/powerpoint/2010/main" val="2043999389"/>
+      </p:ext>
+    </p:extLst>
+  </p:cSld>
+  <p:clrMapOvr>
+    <a:masterClrMapping/>
+  </p:clrMapOvr>
+</p:sld>
+</file>
+
+<file path=ppt/slides/slide15.xml><?xml version="1.0" encoding="utf-8"?>
+<p:sld xmlns:a="http://schemas.openxmlformats.org/drawingml/2006/main" xmlns:r="http://schemas.openxmlformats.org/officeDocument/2006/relationships" xmlns:p="http://schemas.openxmlformats.org/presentationml/2006/main">
+  <p:cSld>
+    <p:spTree>
+      <p:nvGrpSpPr>
+        <p:cNvPr id="1" name=""/>
+        <p:cNvGrpSpPr/>
+        <p:nvPr/>
+      </p:nvGrpSpPr>
+      <p:grpSpPr>
+        <a:xfrm>
+          <a:off x="0" y="0"/>
+          <a:ext cx="0" cy="0"/>
+          <a:chOff x="0" y="0"/>
+          <a:chExt cx="0" cy="0"/>
+        </a:xfrm>
+      </p:grpSpPr>
+      <p:sp>
+        <p:nvSpPr>
+          <p:cNvPr id="2" name="Title 1">
+            <a:extLst>
+              <a:ext uri="{FF2B5EF4-FFF2-40B4-BE49-F238E27FC236}">
+                <a16:creationId xmlns:a16="http://schemas.microsoft.com/office/drawing/2014/main" id="{FC4C9580-8698-981A-9C28-856F7690AFA4}"/>
+              </a:ext>
+            </a:extLst>
+          </p:cNvPr>
+          <p:cNvSpPr>
+            <a:spLocks noGrp="1"/>
+          </p:cNvSpPr>
+          <p:nvPr>
+            <p:ph type="title"/>
+          </p:nvPr>
+        </p:nvSpPr>
+        <p:spPr/>
+        <p:txBody>
+          <a:bodyPr/>
+          <a:lstStyle/>
+          <a:p>
+            <a:r>
+              <a:rPr lang="en-GB" dirty="0"/>
+              <a:t>Android </a:t>
+            </a:r>
+            <a:r>
+              <a:rPr lang="en-GB" dirty="0" err="1"/>
+              <a:t>alkalmazás</a:t>
+            </a:r>
+            <a:r>
+              <a:rPr lang="en-GB" dirty="0"/>
+              <a:t> </a:t>
+            </a:r>
+            <a:r>
+              <a:rPr lang="en-GB" dirty="0" err="1"/>
+              <a:t>funkciói</a:t>
+            </a:r>
+            <a:r>
+              <a:rPr lang="en-GB" dirty="0"/>
+              <a:t> (</a:t>
+            </a:r>
+            <a:r>
+              <a:rPr lang="en-GB" dirty="0" err="1"/>
+              <a:t>bérlő</a:t>
+            </a:r>
+            <a:r>
+              <a:rPr lang="en-GB" dirty="0"/>
+              <a:t>)</a:t>
+            </a:r>
+          </a:p>
+        </p:txBody>
+      </p:sp>
+      <p:sp>
+        <p:nvSpPr>
+          <p:cNvPr id="3" name="Content Placeholder 2">
+            <a:extLst>
+              <a:ext uri="{FF2B5EF4-FFF2-40B4-BE49-F238E27FC236}">
+                <a16:creationId xmlns:a16="http://schemas.microsoft.com/office/drawing/2014/main" id="{D84B6E3A-DEA1-F4FF-74B6-F9DA28CBEA58}"/>
+              </a:ext>
+            </a:extLst>
+          </p:cNvPr>
+          <p:cNvSpPr>
+            <a:spLocks noGrp="1"/>
+          </p:cNvSpPr>
+          <p:nvPr>
+            <p:ph idx="1"/>
+          </p:nvPr>
+        </p:nvSpPr>
+        <p:spPr/>
+        <p:txBody>
+          <a:bodyPr/>
+          <a:lstStyle/>
+          <a:p>
+            <a:r>
+              <a:rPr lang="en-GB" dirty="0" err="1"/>
+              <a:t>Regisztráció</a:t>
+            </a:r>
+            <a:endParaRPr lang="en-GB" dirty="0"/>
+          </a:p>
+          <a:p>
+            <a:r>
+              <a:rPr lang="en-GB" dirty="0" err="1"/>
+              <a:t>Bejelentkezés</a:t>
+            </a:r>
+            <a:endParaRPr lang="en-GB" dirty="0"/>
+          </a:p>
+          <a:p>
+            <a:r>
+              <a:rPr lang="en-GB" dirty="0" err="1"/>
+              <a:t>Autók</a:t>
+            </a:r>
+            <a:r>
+              <a:rPr lang="en-GB" dirty="0"/>
+              <a:t> </a:t>
+            </a:r>
+            <a:r>
+              <a:rPr lang="en-GB" dirty="0" err="1"/>
+              <a:t>bérlése</a:t>
+            </a:r>
+            <a:endParaRPr lang="en-GB" dirty="0"/>
+          </a:p>
+          <a:p>
+            <a:endParaRPr lang="en-GB" dirty="0"/>
+          </a:p>
+        </p:txBody>
+      </p:sp>
+    </p:spTree>
+    <p:extLst>
+      <p:ext uri="{BB962C8B-B14F-4D97-AF65-F5344CB8AC3E}">
+        <p14:creationId xmlns:p14="http://schemas.microsoft.com/office/powerpoint/2010/main" val="3435315528"/>
+      </p:ext>
+    </p:extLst>
+  </p:cSld>
+  <p:clrMapOvr>
+    <a:masterClrMapping/>
+  </p:clrMapOvr>
+</p:sld>
+</file>
+
+<file path=ppt/slides/slide16.xml><?xml version="1.0" encoding="utf-8"?>
+<p:sld xmlns:a="http://schemas.openxmlformats.org/drawingml/2006/main" xmlns:r="http://schemas.openxmlformats.org/officeDocument/2006/relationships" xmlns:p="http://schemas.openxmlformats.org/presentationml/2006/main">
+  <p:cSld>
+    <p:spTree>
+      <p:nvGrpSpPr>
+        <p:cNvPr id="1" name=""/>
+        <p:cNvGrpSpPr/>
+        <p:nvPr/>
+      </p:nvGrpSpPr>
+      <p:grpSpPr>
+        <a:xfrm>
+          <a:off x="0" y="0"/>
+          <a:ext cx="0" cy="0"/>
+          <a:chOff x="0" y="0"/>
+          <a:chExt cx="0" cy="0"/>
+        </a:xfrm>
+      </p:grpSpPr>
+      <p:sp>
+        <p:nvSpPr>
+          <p:cNvPr id="2" name="Title 1">
+            <a:extLst>
+              <a:ext uri="{FF2B5EF4-FFF2-40B4-BE49-F238E27FC236}">
+                <a16:creationId xmlns:a16="http://schemas.microsoft.com/office/drawing/2014/main" id="{9A0D7FBE-7B7C-E4FD-138F-166AB897DB63}"/>
+              </a:ext>
+            </a:extLst>
+          </p:cNvPr>
+          <p:cNvSpPr>
+            <a:spLocks noGrp="1"/>
+          </p:cNvSpPr>
+          <p:nvPr>
+            <p:ph type="ctrTitle"/>
+          </p:nvPr>
+        </p:nvSpPr>
+        <p:spPr/>
+        <p:txBody>
+          <a:bodyPr/>
+          <a:lstStyle/>
+          <a:p>
+            <a:r>
+              <a:rPr lang="hu-HU"/>
+              <a:t>Köszönjük a figyelmet!</a:t>
+            </a:r>
+          </a:p>
+        </p:txBody>
+      </p:sp>
+      <p:sp>
+        <p:nvSpPr>
+          <p:cNvPr id="3" name="Subtitle 2">
+            <a:extLst>
+              <a:ext uri="{FF2B5EF4-FFF2-40B4-BE49-F238E27FC236}">
+                <a16:creationId xmlns:a16="http://schemas.microsoft.com/office/drawing/2014/main" id="{617541EF-15EE-C24E-922A-A018DAB84AE2}"/>
+              </a:ext>
+            </a:extLst>
+          </p:cNvPr>
+          <p:cNvSpPr>
+            <a:spLocks noGrp="1"/>
+          </p:cNvSpPr>
+          <p:nvPr>
+            <p:ph type="subTitle" idx="1"/>
+          </p:nvPr>
+        </p:nvSpPr>
+        <p:spPr/>
+        <p:txBody>
+          <a:bodyPr/>
+          <a:lstStyle/>
+          <a:p>
+            <a:endParaRPr lang="hu-HU"/>
+          </a:p>
+        </p:txBody>
+      </p:sp>
+    </p:spTree>
+    <p:extLst>
+      <p:ext uri="{BB962C8B-B14F-4D97-AF65-F5344CB8AC3E}">
+        <p14:creationId xmlns:p14="http://schemas.microsoft.com/office/powerpoint/2010/main" val="1124777113"/>
+      </p:ext>
+    </p:extLst>
+  </p:cSld>
+  <p:clrMapOvr>
+    <a:masterClrMapping/>
+  </p:clrMapOvr>
+</p:sld>
+</file>
+
 <file path=ppt/slides/slide2.xml><?xml version="1.0" encoding="utf-8"?>
 <p:sld xmlns:a="http://schemas.openxmlformats.org/drawingml/2006/main" xmlns:r="http://schemas.openxmlformats.org/officeDocument/2006/relationships" xmlns:p="http://schemas.openxmlformats.org/presentationml/2006/main">
   <p:cSld>
@@ -3740,6 +6337,14 @@
 <file path=ppt/slides/slide4.xml><?xml version="1.0" encoding="utf-8"?>
 <p:sld xmlns:a="http://schemas.openxmlformats.org/drawingml/2006/main" xmlns:r="http://schemas.openxmlformats.org/officeDocument/2006/relationships" xmlns:p="http://schemas.openxmlformats.org/presentationml/2006/main">
   <p:cSld>
+    <p:bg>
+      <p:bgPr>
+        <a:solidFill>
+          <a:schemeClr val="bg1"/>
+        </a:solidFill>
+        <a:effectLst/>
+      </p:bgPr>
+    </p:bg>
     <p:spTree>
       <p:nvGrpSpPr>
         <p:cNvPr id="1" name=""/>
@@ -3754,12 +6359,247 @@
           <a:chExt cx="0" cy="0"/>
         </a:xfrm>
       </p:grpSpPr>
+      <p:sp useBgFill="1">
+        <p:nvSpPr>
+          <p:cNvPr id="1041" name="Rectangle 1040">
+            <a:extLst>
+              <a:ext uri="{FF2B5EF4-FFF2-40B4-BE49-F238E27FC236}">
+                <a16:creationId xmlns:a16="http://schemas.microsoft.com/office/drawing/2014/main" id="{F277940B-7F30-4A86-B577-C158694B3EFA}"/>
+              </a:ext>
+              <a:ext uri="{C183D7F6-B498-43B3-948B-1728B52AA6E4}">
+                <adec:decorative xmlns:adec="http://schemas.microsoft.com/office/drawing/2017/decorative" val="1"/>
+              </a:ext>
+            </a:extLst>
+          </p:cNvPr>
+          <p:cNvSpPr>
+            <a:spLocks noGrp="1" noRot="1" noChangeAspect="1" noMove="1" noResize="1" noEditPoints="1" noAdjustHandles="1" noChangeArrowheads="1" noChangeShapeType="1" noTextEdit="1"/>
+          </p:cNvSpPr>
+          <p:nvPr>
+            <p:extLst>
+              <p:ext uri="{386F3935-93C4-4BCD-93E2-E3B085C9AB24}">
+                <p16:designElem xmlns:p16="http://schemas.microsoft.com/office/powerpoint/2015/main" val="1"/>
+              </p:ext>
+            </p:extLst>
+          </p:nvPr>
+        </p:nvSpPr>
+        <p:spPr>
+          <a:xfrm>
+            <a:off x="0" y="0"/>
+            <a:ext cx="12192000" cy="6858000"/>
+          </a:xfrm>
+          <a:prstGeom prst="rect">
+            <a:avLst/>
+          </a:prstGeom>
+          <a:ln w="12700" cap="flat" cmpd="sng" algn="ctr">
+            <a:noFill/>
+            <a:prstDash val="solid"/>
+            <a:miter lim="800000"/>
+          </a:ln>
+          <a:effectLst/>
+          <a:extLst>
+            <a:ext uri="{91240B29-F687-4F45-9708-019B960494DF}">
+              <a14:hiddenLine xmlns:a14="http://schemas.microsoft.com/office/drawing/2010/main" w="12700" cap="flat" cmpd="sng" algn="ctr">
+                <a:solidFill>
+                  <a:schemeClr val="accent1">
+                    <a:shade val="50000"/>
+                  </a:schemeClr>
+                </a:solidFill>
+                <a:prstDash val="solid"/>
+                <a:miter lim="800000"/>
+              </a14:hiddenLine>
+            </a:ext>
+          </a:extLst>
+        </p:spPr>
+        <p:style>
+          <a:lnRef idx="2">
+            <a:schemeClr val="accent1">
+              <a:shade val="50000"/>
+            </a:schemeClr>
+          </a:lnRef>
+          <a:fillRef idx="1">
+            <a:schemeClr val="accent1"/>
+          </a:fillRef>
+          <a:effectRef idx="0">
+            <a:schemeClr val="accent1"/>
+          </a:effectRef>
+          <a:fontRef idx="minor">
+            <a:schemeClr val="lt1"/>
+          </a:fontRef>
+        </p:style>
+        <p:txBody>
+          <a:bodyPr rtlCol="0" anchor="ctr"/>
+          <a:lstStyle/>
+          <a:p>
+            <a:pPr algn="ctr"/>
+            <a:endParaRPr lang="en-US"/>
+          </a:p>
+        </p:txBody>
+      </p:sp>
+      <p:grpSp>
+        <p:nvGrpSpPr>
+          <p:cNvPr id="1043" name="Group 1042">
+            <a:extLst>
+              <a:ext uri="{FF2B5EF4-FFF2-40B4-BE49-F238E27FC236}">
+                <a16:creationId xmlns:a16="http://schemas.microsoft.com/office/drawing/2014/main" id="{D2A542E6-1924-4FE2-89D1-3CB19468C1F6}"/>
+              </a:ext>
+              <a:ext uri="{C183D7F6-B498-43B3-948B-1728B52AA6E4}">
+                <adec:decorative xmlns:adec="http://schemas.microsoft.com/office/drawing/2017/decorative" val="1"/>
+              </a:ext>
+            </a:extLst>
+          </p:cNvPr>
+          <p:cNvGrpSpPr>
+            <a:grpSpLocks noGrp="1" noUngrp="1" noRot="1" noChangeAspect="1" noMove="1" noResize="1"/>
+          </p:cNvGrpSpPr>
+          <p:nvPr>
+            <p:extLst>
+              <p:ext uri="{386F3935-93C4-4BCD-93E2-E3B085C9AB24}">
+                <p16:designElem xmlns:p16="http://schemas.microsoft.com/office/powerpoint/2015/main" val="1"/>
+              </p:ext>
+            </p:extLst>
+          </p:nvPr>
+        </p:nvGrpSpPr>
+        <p:grpSpPr>
+          <a:xfrm>
+            <a:off x="0" y="0"/>
+            <a:ext cx="12192000" cy="6858000"/>
+            <a:chOff x="0" y="0"/>
+            <a:chExt cx="12192000" cy="6858000"/>
+          </a:xfrm>
+        </p:grpSpPr>
+        <p:sp>
+          <p:nvSpPr>
+            <p:cNvPr id="1044" name="Rectangle 1043">
+              <a:extLst>
+                <a:ext uri="{FF2B5EF4-FFF2-40B4-BE49-F238E27FC236}">
+                  <a16:creationId xmlns:a16="http://schemas.microsoft.com/office/drawing/2014/main" id="{1F353183-2147-472B-AD7D-4A085FF6A42E}"/>
+                </a:ext>
+                <a:ext uri="{C183D7F6-B498-43B3-948B-1728B52AA6E4}">
+                  <adec:decorative xmlns:adec="http://schemas.microsoft.com/office/drawing/2017/decorative" val="1"/>
+                </a:ext>
+              </a:extLst>
+            </p:cNvPr>
+            <p:cNvSpPr/>
+            <p:nvPr>
+              <p:extLst>
+                <p:ext uri="{386F3935-93C4-4BCD-93E2-E3B085C9AB24}">
+                  <p16:designElem xmlns:p16="http://schemas.microsoft.com/office/powerpoint/2015/main" val="1"/>
+                </p:ext>
+              </p:extLst>
+            </p:nvPr>
+          </p:nvSpPr>
+          <p:spPr>
+            <a:xfrm>
+              <a:off x="0" y="0"/>
+              <a:ext cx="12192000" cy="6858000"/>
+            </a:xfrm>
+            <a:prstGeom prst="rect">
+              <a:avLst/>
+            </a:prstGeom>
+            <a:solidFill>
+              <a:schemeClr val="bg1">
+                <a:lumMod val="95000"/>
+              </a:schemeClr>
+            </a:solidFill>
+            <a:ln>
+              <a:noFill/>
+            </a:ln>
+          </p:spPr>
+          <p:style>
+            <a:lnRef idx="2">
+              <a:schemeClr val="accent1">
+                <a:shade val="50000"/>
+              </a:schemeClr>
+            </a:lnRef>
+            <a:fillRef idx="1">
+              <a:schemeClr val="accent1"/>
+            </a:fillRef>
+            <a:effectRef idx="0">
+              <a:schemeClr val="accent1"/>
+            </a:effectRef>
+            <a:fontRef idx="minor">
+              <a:schemeClr val="lt1"/>
+            </a:fontRef>
+          </p:style>
+          <p:txBody>
+            <a:bodyPr rtlCol="0" anchor="ctr"/>
+            <a:lstStyle/>
+            <a:p>
+              <a:pPr algn="ctr"/>
+              <a:endParaRPr lang="en-US"/>
+            </a:p>
+          </p:txBody>
+        </p:sp>
+        <p:sp>
+          <p:nvSpPr>
+            <p:cNvPr id="1045" name="Rectangle 1044">
+              <a:extLst>
+                <a:ext uri="{FF2B5EF4-FFF2-40B4-BE49-F238E27FC236}">
+                  <a16:creationId xmlns:a16="http://schemas.microsoft.com/office/drawing/2014/main" id="{FAAA42C8-A082-4DFD-A5F3-FC9EF825B1DB}"/>
+                </a:ext>
+                <a:ext uri="{C183D7F6-B498-43B3-948B-1728B52AA6E4}">
+                  <adec:decorative xmlns:adec="http://schemas.microsoft.com/office/drawing/2017/decorative" val="1"/>
+                </a:ext>
+              </a:extLst>
+            </p:cNvPr>
+            <p:cNvSpPr/>
+            <p:nvPr>
+              <p:extLst>
+                <p:ext uri="{386F3935-93C4-4BCD-93E2-E3B085C9AB24}">
+                  <p16:designElem xmlns:p16="http://schemas.microsoft.com/office/powerpoint/2015/main" val="1"/>
+                </p:ext>
+              </p:extLst>
+            </p:nvPr>
+          </p:nvSpPr>
+          <p:spPr>
+            <a:xfrm>
+              <a:off x="0" y="0"/>
+              <a:ext cx="12192000" cy="6858000"/>
+            </a:xfrm>
+            <a:prstGeom prst="rect">
+              <a:avLst/>
+            </a:prstGeom>
+            <a:solidFill>
+              <a:schemeClr val="accent4">
+                <a:lumMod val="75000"/>
+                <a:alpha val="7000"/>
+              </a:schemeClr>
+            </a:solidFill>
+            <a:ln>
+              <a:noFill/>
+            </a:ln>
+          </p:spPr>
+          <p:style>
+            <a:lnRef idx="2">
+              <a:schemeClr val="accent1">
+                <a:shade val="50000"/>
+              </a:schemeClr>
+            </a:lnRef>
+            <a:fillRef idx="1">
+              <a:schemeClr val="accent1"/>
+            </a:fillRef>
+            <a:effectRef idx="0">
+              <a:schemeClr val="accent1"/>
+            </a:effectRef>
+            <a:fontRef idx="minor">
+              <a:schemeClr val="lt1"/>
+            </a:fontRef>
+          </p:style>
+          <p:txBody>
+            <a:bodyPr rtlCol="0" anchor="ctr"/>
+            <a:lstStyle/>
+            <a:p>
+              <a:pPr algn="ctr"/>
+              <a:endParaRPr lang="en-US"/>
+            </a:p>
+          </p:txBody>
+        </p:sp>
+      </p:grpSp>
       <p:sp>
         <p:nvSpPr>
           <p:cNvPr id="2" name="Title 1">
             <a:extLst>
               <a:ext uri="{FF2B5EF4-FFF2-40B4-BE49-F238E27FC236}">
-                <a16:creationId xmlns:a16="http://schemas.microsoft.com/office/drawing/2014/main" id="{FBFA24F2-354A-39A9-AEF2-1B3E13569968}"/>
+                <a16:creationId xmlns:a16="http://schemas.microsoft.com/office/drawing/2014/main" id="{BFC69816-6186-1A7D-2C49-EB61D46DC9A9}"/>
               </a:ext>
             </a:extLst>
           </p:cNvPr>
@@ -3770,15 +6610,23 @@
             <p:ph type="title"/>
           </p:nvPr>
         </p:nvSpPr>
-        <p:spPr/>
+        <p:spPr>
+          <a:xfrm>
+            <a:off x="1090613" y="1018723"/>
+            <a:ext cx="2952750" cy="825951"/>
+          </a:xfrm>
+        </p:spPr>
         <p:txBody>
-          <a:bodyPr/>
+          <a:bodyPr anchor="t">
+            <a:normAutofit/>
+          </a:bodyPr>
           <a:lstStyle/>
           <a:p>
             <a:r>
-              <a:rPr lang="hu-HU" dirty="0"/>
+              <a:rPr lang="en-US" sz="2200"/>
               <a:t>Csapatmunka megvalósítása</a:t>
             </a:r>
+            <a:endParaRPr lang="en-GB" sz="2200"/>
           </a:p>
         </p:txBody>
       </p:sp>
@@ -3787,7 +6635,7 @@
           <p:cNvPr id="3" name="Content Placeholder 2">
             <a:extLst>
               <a:ext uri="{FF2B5EF4-FFF2-40B4-BE49-F238E27FC236}">
-                <a16:creationId xmlns:a16="http://schemas.microsoft.com/office/drawing/2014/main" id="{5DA11ECB-C510-E436-7399-A4D591891902}"/>
+                <a16:creationId xmlns:a16="http://schemas.microsoft.com/office/drawing/2014/main" id="{4AAD9CC4-EC13-2B31-604E-282B56A10001}"/>
               </a:ext>
             </a:extLst>
           </p:cNvPr>
@@ -3798,19 +6646,250 @@
             <p:ph idx="1"/>
           </p:nvPr>
         </p:nvSpPr>
-        <p:spPr/>
+        <p:spPr>
+          <a:xfrm>
+            <a:off x="1090613" y="2031999"/>
+            <a:ext cx="2952750" cy="3783015"/>
+          </a:xfrm>
+        </p:spPr>
         <p:txBody>
-          <a:bodyPr/>
+          <a:bodyPr anchor="t">
+            <a:normAutofit/>
+          </a:bodyPr>
           <a:lstStyle/>
           <a:p>
-            <a:endParaRPr lang="hu-HU"/>
+            <a:pPr marL="0" indent="0">
+              <a:buNone/>
+            </a:pPr>
+            <a:r>
+              <a:rPr lang="en-GB" sz="2000">
+                <a:solidFill>
+                  <a:schemeClr val="tx1">
+                    <a:alpha val="60000"/>
+                  </a:schemeClr>
+                </a:solidFill>
+              </a:rPr>
+              <a:t>A munkát GitHub-on továbbítottuk egymásnak, miközben Trello-n táblák segítségével követtük mit kell csinálnunk. Ezek mellett FaceBook Mesenger-en és Discord-on kommunikáltunk</a:t>
+            </a:r>
           </a:p>
         </p:txBody>
       </p:sp>
+      <p:pic>
+        <p:nvPicPr>
+          <p:cNvPr id="1032" name="Picture 8">
+            <a:extLst>
+              <a:ext uri="{FF2B5EF4-FFF2-40B4-BE49-F238E27FC236}">
+                <a16:creationId xmlns:a16="http://schemas.microsoft.com/office/drawing/2014/main" id="{3F572825-487D-F806-EAF3-3DBD602DAC8B}"/>
+              </a:ext>
+            </a:extLst>
+          </p:cNvPr>
+          <p:cNvPicPr>
+            <a:picLocks noChangeAspect="1" noChangeArrowheads="1"/>
+          </p:cNvPicPr>
+          <p:nvPr/>
+        </p:nvPicPr>
+        <p:blipFill>
+          <a:blip r:embed="rId2">
+            <a:extLst>
+              <a:ext uri="{28A0092B-C50C-407E-A947-70E740481C1C}">
+                <a14:useLocalDpi xmlns:a14="http://schemas.microsoft.com/office/drawing/2010/main" val="0"/>
+              </a:ext>
+            </a:extLst>
+          </a:blip>
+          <a:stretch>
+            <a:fillRect/>
+          </a:stretch>
+        </p:blipFill>
+        <p:spPr bwMode="auto">
+          <a:xfrm>
+            <a:off x="5068918" y="1089025"/>
+            <a:ext cx="2249975" cy="2249975"/>
+          </a:xfrm>
+          <a:prstGeom prst="rect">
+            <a:avLst/>
+          </a:prstGeom>
+          <a:noFill/>
+          <a:effectLst>
+            <a:outerShdw blurRad="508000" dist="101600" dir="5400000" algn="tl" rotWithShape="0">
+              <a:prstClr val="black">
+                <a:alpha val="10000"/>
+              </a:prstClr>
+            </a:outerShdw>
+          </a:effectLst>
+          <a:extLst>
+            <a:ext uri="{909E8E84-426E-40DD-AFC4-6F175D3DCCD1}">
+              <a14:hiddenFill xmlns:a14="http://schemas.microsoft.com/office/drawing/2010/main">
+                <a:solidFill>
+                  <a:srgbClr val="FFFFFF"/>
+                </a:solidFill>
+              </a14:hiddenFill>
+            </a:ext>
+          </a:extLst>
+        </p:spPr>
+      </p:pic>
+      <p:pic>
+        <p:nvPicPr>
+          <p:cNvPr id="1028" name="Picture 4" descr="Discord Logo Icon editorial vector 6892625 Vector Art at ...">
+            <a:extLst>
+              <a:ext uri="{FF2B5EF4-FFF2-40B4-BE49-F238E27FC236}">
+                <a16:creationId xmlns:a16="http://schemas.microsoft.com/office/drawing/2014/main" id="{A68B0F34-C14A-A902-2E34-F871091F2E4D}"/>
+              </a:ext>
+            </a:extLst>
+          </p:cNvPr>
+          <p:cNvPicPr>
+            <a:picLocks noChangeAspect="1" noChangeArrowheads="1"/>
+          </p:cNvPicPr>
+          <p:nvPr/>
+        </p:nvPicPr>
+        <p:blipFill>
+          <a:blip r:embed="rId3">
+            <a:extLst>
+              <a:ext uri="{28A0092B-C50C-407E-A947-70E740481C1C}">
+                <a14:useLocalDpi xmlns:a14="http://schemas.microsoft.com/office/drawing/2010/main" val="0"/>
+              </a:ext>
+            </a:extLst>
+          </a:blip>
+          <a:stretch>
+            <a:fillRect/>
+          </a:stretch>
+        </p:blipFill>
+        <p:spPr bwMode="auto">
+          <a:xfrm>
+            <a:off x="8394503" y="1089013"/>
+            <a:ext cx="2250000" cy="2250000"/>
+          </a:xfrm>
+          <a:prstGeom prst="rect">
+            <a:avLst/>
+          </a:prstGeom>
+          <a:noFill/>
+          <a:effectLst>
+            <a:outerShdw blurRad="508000" dist="101600" dir="5400000" algn="tl" rotWithShape="0">
+              <a:prstClr val="black">
+                <a:alpha val="10000"/>
+              </a:prstClr>
+            </a:outerShdw>
+          </a:effectLst>
+          <a:extLst>
+            <a:ext uri="{909E8E84-426E-40DD-AFC4-6F175D3DCCD1}">
+              <a14:hiddenFill xmlns:a14="http://schemas.microsoft.com/office/drawing/2010/main">
+                <a:solidFill>
+                  <a:srgbClr val="FFFFFF"/>
+                </a:solidFill>
+              </a14:hiddenFill>
+            </a:ext>
+          </a:extLst>
+        </p:spPr>
+      </p:pic>
+      <p:pic>
+        <p:nvPicPr>
+          <p:cNvPr id="1030" name="Picture 6">
+            <a:extLst>
+              <a:ext uri="{FF2B5EF4-FFF2-40B4-BE49-F238E27FC236}">
+                <a16:creationId xmlns:a16="http://schemas.microsoft.com/office/drawing/2014/main" id="{A278899C-7D53-1994-8A04-33B4140150C2}"/>
+              </a:ext>
+            </a:extLst>
+          </p:cNvPr>
+          <p:cNvPicPr>
+            <a:picLocks noChangeAspect="1" noChangeArrowheads="1"/>
+          </p:cNvPicPr>
+          <p:nvPr/>
+        </p:nvPicPr>
+        <p:blipFill>
+          <a:blip r:embed="rId4">
+            <a:extLst>
+              <a:ext uri="{28A0092B-C50C-407E-A947-70E740481C1C}">
+                <a14:useLocalDpi xmlns:a14="http://schemas.microsoft.com/office/drawing/2010/main" val="0"/>
+              </a:ext>
+            </a:extLst>
+          </a:blip>
+          <a:stretch>
+            <a:fillRect/>
+          </a:stretch>
+        </p:blipFill>
+        <p:spPr bwMode="auto">
+          <a:xfrm>
+            <a:off x="5069624" y="3518975"/>
+            <a:ext cx="2250000" cy="2250000"/>
+          </a:xfrm>
+          <a:prstGeom prst="rect">
+            <a:avLst/>
+          </a:prstGeom>
+          <a:noFill/>
+          <a:effectLst>
+            <a:outerShdw blurRad="508000" dist="101600" dir="5400000" algn="tl" rotWithShape="0">
+              <a:prstClr val="black">
+                <a:alpha val="10000"/>
+              </a:prstClr>
+            </a:outerShdw>
+          </a:effectLst>
+          <a:extLst>
+            <a:ext uri="{909E8E84-426E-40DD-AFC4-6F175D3DCCD1}">
+              <a14:hiddenFill xmlns:a14="http://schemas.microsoft.com/office/drawing/2010/main">
+                <a:solidFill>
+                  <a:srgbClr val="FFFFFF"/>
+                </a:solidFill>
+              </a14:hiddenFill>
+            </a:ext>
+          </a:extLst>
+        </p:spPr>
+      </p:pic>
+      <p:pic>
+        <p:nvPicPr>
+          <p:cNvPr id="1036" name="Picture 12" descr="Trello Logo and symbol, meaning, history, PNG">
+            <a:extLst>
+              <a:ext uri="{FF2B5EF4-FFF2-40B4-BE49-F238E27FC236}">
+                <a16:creationId xmlns:a16="http://schemas.microsoft.com/office/drawing/2014/main" id="{8F2F4904-E757-B13C-CAEF-A4A50645F302}"/>
+              </a:ext>
+            </a:extLst>
+          </p:cNvPr>
+          <p:cNvPicPr>
+            <a:picLocks noChangeAspect="1" noChangeArrowheads="1"/>
+          </p:cNvPicPr>
+          <p:nvPr/>
+        </p:nvPicPr>
+        <p:blipFill>
+          <a:blip r:embed="rId5">
+            <a:extLst>
+              <a:ext uri="{28A0092B-C50C-407E-A947-70E740481C1C}">
+                <a14:useLocalDpi xmlns:a14="http://schemas.microsoft.com/office/drawing/2010/main" val="0"/>
+              </a:ext>
+            </a:extLst>
+          </a:blip>
+          <a:stretch>
+            <a:fillRect/>
+          </a:stretch>
+        </p:blipFill>
+        <p:spPr bwMode="auto">
+          <a:xfrm>
+            <a:off x="7951387" y="3758050"/>
+            <a:ext cx="3150000" cy="1771875"/>
+          </a:xfrm>
+          <a:prstGeom prst="rect">
+            <a:avLst/>
+          </a:prstGeom>
+          <a:noFill/>
+          <a:effectLst>
+            <a:outerShdw blurRad="508000" dist="101600" dir="5400000" algn="tl" rotWithShape="0">
+              <a:prstClr val="black">
+                <a:alpha val="10000"/>
+              </a:prstClr>
+            </a:outerShdw>
+          </a:effectLst>
+          <a:extLst>
+            <a:ext uri="{909E8E84-426E-40DD-AFC4-6F175D3DCCD1}">
+              <a14:hiddenFill xmlns:a14="http://schemas.microsoft.com/office/drawing/2010/main">
+                <a:solidFill>
+                  <a:srgbClr val="FFFFFF"/>
+                </a:solidFill>
+              </a14:hiddenFill>
+            </a:ext>
+          </a:extLst>
+        </p:spPr>
+      </p:pic>
     </p:spTree>
     <p:extLst>
       <p:ext uri="{BB962C8B-B14F-4D97-AF65-F5344CB8AC3E}">
-        <p14:creationId xmlns:p14="http://schemas.microsoft.com/office/powerpoint/2010/main" val="3046579447"/>
+        <p14:creationId xmlns:p14="http://schemas.microsoft.com/office/powerpoint/2010/main" val="459111072"/>
       </p:ext>
     </p:extLst>
   </p:cSld>
@@ -3823,6 +6902,14 @@
 <file path=ppt/slides/slide5.xml><?xml version="1.0" encoding="utf-8"?>
 <p:sld xmlns:a="http://schemas.openxmlformats.org/drawingml/2006/main" xmlns:r="http://schemas.openxmlformats.org/officeDocument/2006/relationships" xmlns:p="http://schemas.openxmlformats.org/presentationml/2006/main">
   <p:cSld>
+    <p:bg>
+      <p:bgPr>
+        <a:solidFill>
+          <a:schemeClr val="bg1"/>
+        </a:solidFill>
+        <a:effectLst/>
+      </p:bgPr>
+    </p:bg>
     <p:spTree>
       <p:nvGrpSpPr>
         <p:cNvPr id="1" name=""/>
@@ -3837,45 +6924,291 @@
           <a:chExt cx="0" cy="0"/>
         </a:xfrm>
       </p:grpSpPr>
-      <p:sp>
+      <p:sp useBgFill="1">
         <p:nvSpPr>
-          <p:cNvPr id="2" name="Title 1">
-            <a:extLst>
-              <a:ext uri="{FF2B5EF4-FFF2-40B4-BE49-F238E27FC236}">
-                <a16:creationId xmlns:a16="http://schemas.microsoft.com/office/drawing/2014/main" id="{1DD90247-4ABD-E27C-6E6B-E906001C1AB8}"/>
+          <p:cNvPr id="69" name="Rectangle 68">
+            <a:extLst>
+              <a:ext uri="{FF2B5EF4-FFF2-40B4-BE49-F238E27FC236}">
+                <a16:creationId xmlns:a16="http://schemas.microsoft.com/office/drawing/2014/main" id="{B4059D9B-2E55-47FE-A188-0F9BD734E0A0}"/>
+              </a:ext>
+              <a:ext uri="{C183D7F6-B498-43B3-948B-1728B52AA6E4}">
+                <adec:decorative xmlns:adec="http://schemas.microsoft.com/office/drawing/2017/decorative" val="1"/>
               </a:ext>
             </a:extLst>
           </p:cNvPr>
           <p:cNvSpPr>
-            <a:spLocks noGrp="1"/>
+            <a:spLocks noGrp="1" noRot="1" noChangeAspect="1" noMove="1" noResize="1" noEditPoints="1" noAdjustHandles="1" noChangeArrowheads="1" noChangeShapeType="1" noTextEdit="1"/>
           </p:cNvSpPr>
           <p:nvPr>
-            <p:ph type="title"/>
+            <p:extLst>
+              <p:ext uri="{386F3935-93C4-4BCD-93E2-E3B085C9AB24}">
+                <p16:designElem xmlns:p16="http://schemas.microsoft.com/office/powerpoint/2015/main" val="1"/>
+              </p:ext>
+            </p:extLst>
           </p:nvPr>
         </p:nvSpPr>
         <p:spPr>
           <a:xfrm>
             <a:off x="0" y="0"/>
-            <a:ext cx="11353800" cy="1171852"/>
+            <a:ext cx="12192000" cy="6858000"/>
+          </a:xfrm>
+          <a:prstGeom prst="rect">
+            <a:avLst/>
+          </a:prstGeom>
+          <a:ln w="12700" cap="flat" cmpd="sng" algn="ctr">
+            <a:noFill/>
+            <a:prstDash val="solid"/>
+            <a:miter lim="800000"/>
+          </a:ln>
+          <a:effectLst/>
+          <a:extLst>
+            <a:ext uri="{91240B29-F687-4F45-9708-019B960494DF}">
+              <a14:hiddenLine xmlns:a14="http://schemas.microsoft.com/office/drawing/2010/main" w="12700" cap="flat" cmpd="sng" algn="ctr">
+                <a:solidFill>
+                  <a:schemeClr val="accent1">
+                    <a:shade val="50000"/>
+                  </a:schemeClr>
+                </a:solidFill>
+                <a:prstDash val="solid"/>
+                <a:miter lim="800000"/>
+              </a14:hiddenLine>
+            </a:ext>
+          </a:extLst>
+        </p:spPr>
+        <p:style>
+          <a:lnRef idx="2">
+            <a:schemeClr val="accent1">
+              <a:shade val="50000"/>
+            </a:schemeClr>
+          </a:lnRef>
+          <a:fillRef idx="1">
+            <a:schemeClr val="accent1"/>
+          </a:fillRef>
+          <a:effectRef idx="0">
+            <a:schemeClr val="accent1"/>
+          </a:effectRef>
+          <a:fontRef idx="minor">
+            <a:schemeClr val="lt1"/>
+          </a:fontRef>
+        </p:style>
+        <p:txBody>
+          <a:bodyPr rtlCol="0" anchor="ctr"/>
+          <a:lstStyle/>
+          <a:p>
+            <a:pPr algn="ctr"/>
+            <a:endParaRPr lang="en-US"/>
+          </a:p>
+        </p:txBody>
+      </p:sp>
+      <p:grpSp>
+        <p:nvGrpSpPr>
+          <p:cNvPr id="70" name="Group 69">
+            <a:extLst>
+              <a:ext uri="{FF2B5EF4-FFF2-40B4-BE49-F238E27FC236}">
+                <a16:creationId xmlns:a16="http://schemas.microsoft.com/office/drawing/2014/main" id="{F938B951-7EFC-40A2-B198-E73D39DFB3FC}"/>
+              </a:ext>
+              <a:ext uri="{C183D7F6-B498-43B3-948B-1728B52AA6E4}">
+                <adec:decorative xmlns:adec="http://schemas.microsoft.com/office/drawing/2017/decorative" val="1"/>
+              </a:ext>
+            </a:extLst>
+          </p:cNvPr>
+          <p:cNvGrpSpPr>
+            <a:grpSpLocks noGrp="1" noUngrp="1" noRot="1" noChangeAspect="1" noMove="1" noResize="1"/>
+          </p:cNvGrpSpPr>
+          <p:nvPr>
+            <p:extLst>
+              <p:ext uri="{386F3935-93C4-4BCD-93E2-E3B085C9AB24}">
+                <p16:designElem xmlns:p16="http://schemas.microsoft.com/office/powerpoint/2015/main" val="1"/>
+              </p:ext>
+            </p:extLst>
+          </p:nvPr>
+        </p:nvGrpSpPr>
+        <p:grpSpPr>
+          <a:xfrm>
+            <a:off x="0" y="0"/>
+            <a:ext cx="12192000" cy="6858000"/>
+            <a:chOff x="0" y="0"/>
+            <a:chExt cx="12192000" cy="6858000"/>
+          </a:xfrm>
+        </p:grpSpPr>
+        <p:sp>
+          <p:nvSpPr>
+            <p:cNvPr id="54" name="Rectangle 53">
+              <a:extLst>
+                <a:ext uri="{FF2B5EF4-FFF2-40B4-BE49-F238E27FC236}">
+                  <a16:creationId xmlns:a16="http://schemas.microsoft.com/office/drawing/2014/main" id="{92E4506E-6A0E-49A0-BC31-8CADBFF3ECCF}"/>
+                </a:ext>
+                <a:ext uri="{C183D7F6-B498-43B3-948B-1728B52AA6E4}">
+                  <adec:decorative xmlns:adec="http://schemas.microsoft.com/office/drawing/2017/decorative" val="1"/>
+                </a:ext>
+              </a:extLst>
+            </p:cNvPr>
+            <p:cNvSpPr/>
+            <p:nvPr>
+              <p:extLst>
+                <p:ext uri="{386F3935-93C4-4BCD-93E2-E3B085C9AB24}">
+                  <p16:designElem xmlns:p16="http://schemas.microsoft.com/office/powerpoint/2015/main" val="1"/>
+                </p:ext>
+              </p:extLst>
+            </p:nvPr>
+          </p:nvSpPr>
+          <p:spPr>
+            <a:xfrm>
+              <a:off x="0" y="0"/>
+              <a:ext cx="12192000" cy="6858000"/>
+            </a:xfrm>
+            <a:prstGeom prst="rect">
+              <a:avLst/>
+            </a:prstGeom>
+            <a:solidFill>
+              <a:schemeClr val="bg1">
+                <a:lumMod val="95000"/>
+              </a:schemeClr>
+            </a:solidFill>
+            <a:ln>
+              <a:noFill/>
+            </a:ln>
+          </p:spPr>
+          <p:style>
+            <a:lnRef idx="2">
+              <a:schemeClr val="accent1">
+                <a:shade val="50000"/>
+              </a:schemeClr>
+            </a:lnRef>
+            <a:fillRef idx="1">
+              <a:schemeClr val="accent1"/>
+            </a:fillRef>
+            <a:effectRef idx="0">
+              <a:schemeClr val="accent1"/>
+            </a:effectRef>
+            <a:fontRef idx="minor">
+              <a:schemeClr val="lt1"/>
+            </a:fontRef>
+          </p:style>
+          <p:txBody>
+            <a:bodyPr rtlCol="0" anchor="ctr"/>
+            <a:lstStyle/>
+            <a:p>
+              <a:pPr algn="ctr"/>
+              <a:endParaRPr lang="en-US"/>
+            </a:p>
+          </p:txBody>
+        </p:sp>
+        <p:sp>
+          <p:nvSpPr>
+            <p:cNvPr id="71" name="Rectangle 70">
+              <a:extLst>
+                <a:ext uri="{FF2B5EF4-FFF2-40B4-BE49-F238E27FC236}">
+                  <a16:creationId xmlns:a16="http://schemas.microsoft.com/office/drawing/2014/main" id="{EEED4D51-65BF-4AEE-B596-7CB61A70B966}"/>
+                </a:ext>
+                <a:ext uri="{C183D7F6-B498-43B3-948B-1728B52AA6E4}">
+                  <adec:decorative xmlns:adec="http://schemas.microsoft.com/office/drawing/2017/decorative" val="1"/>
+                </a:ext>
+              </a:extLst>
+            </p:cNvPr>
+            <p:cNvSpPr/>
+            <p:nvPr>
+              <p:extLst>
+                <p:ext uri="{386F3935-93C4-4BCD-93E2-E3B085C9AB24}">
+                  <p16:designElem xmlns:p16="http://schemas.microsoft.com/office/powerpoint/2015/main" val="1"/>
+                </p:ext>
+              </p:extLst>
+            </p:nvPr>
+          </p:nvSpPr>
+          <p:spPr>
+            <a:xfrm>
+              <a:off x="0" y="0"/>
+              <a:ext cx="12192000" cy="6858000"/>
+            </a:xfrm>
+            <a:prstGeom prst="rect">
+              <a:avLst/>
+            </a:prstGeom>
+            <a:solidFill>
+              <a:schemeClr val="accent4">
+                <a:lumMod val="75000"/>
+                <a:alpha val="7000"/>
+              </a:schemeClr>
+            </a:solidFill>
+            <a:ln>
+              <a:noFill/>
+            </a:ln>
+          </p:spPr>
+          <p:style>
+            <a:lnRef idx="2">
+              <a:schemeClr val="accent1">
+                <a:shade val="50000"/>
+              </a:schemeClr>
+            </a:lnRef>
+            <a:fillRef idx="1">
+              <a:schemeClr val="accent1"/>
+            </a:fillRef>
+            <a:effectRef idx="0">
+              <a:schemeClr val="accent1"/>
+            </a:effectRef>
+            <a:fontRef idx="minor">
+              <a:schemeClr val="lt1"/>
+            </a:fontRef>
+          </p:style>
+          <p:txBody>
+            <a:bodyPr rtlCol="0" anchor="ctr"/>
+            <a:lstStyle/>
+            <a:p>
+              <a:pPr algn="ctr"/>
+              <a:endParaRPr lang="en-US"/>
+            </a:p>
+          </p:txBody>
+        </p:sp>
+      </p:grpSp>
+      <p:sp>
+        <p:nvSpPr>
+          <p:cNvPr id="2" name="Title 1">
+            <a:extLst>
+              <a:ext uri="{FF2B5EF4-FFF2-40B4-BE49-F238E27FC236}">
+                <a16:creationId xmlns:a16="http://schemas.microsoft.com/office/drawing/2014/main" id="{FBFA24F2-354A-39A9-AEF2-1B3E13569968}"/>
+              </a:ext>
+            </a:extLst>
+          </p:cNvPr>
+          <p:cNvSpPr>
+            <a:spLocks noGrp="1"/>
+          </p:cNvSpPr>
+          <p:nvPr>
+            <p:ph type="title"/>
+          </p:nvPr>
+        </p:nvSpPr>
+        <p:spPr>
+          <a:xfrm>
+            <a:off x="550863" y="366639"/>
+            <a:ext cx="11090274" cy="675441"/>
           </a:xfrm>
         </p:spPr>
         <p:txBody>
-          <a:bodyPr/>
+          <a:bodyPr vert="horz" wrap="square" lIns="91440" tIns="45720" rIns="91440" bIns="45720" rtlCol="0" anchor="t">
+            <a:normAutofit/>
+          </a:bodyPr>
           <a:lstStyle/>
           <a:p>
             <a:r>
-              <a:rPr lang="hu-HU" dirty="0"/>
-              <a:t>Projekt tervezése (asztali alkalmazás)</a:t>
-            </a:r>
+              <a:rPr lang="en-US" sz="4200" dirty="0" err="1"/>
+              <a:t>Csapatmunka</a:t>
+            </a:r>
+            <a:r>
+              <a:rPr lang="en-US" sz="4200" dirty="0"/>
+              <a:t> </a:t>
+            </a:r>
+            <a:r>
+              <a:rPr lang="en-US" sz="4200" dirty="0" err="1"/>
+              <a:t>megvalósítása</a:t>
+            </a:r>
+            <a:endParaRPr lang="en-US" sz="4200" dirty="0"/>
           </a:p>
         </p:txBody>
       </p:sp>
       <p:pic>
         <p:nvPicPr>
-          <p:cNvPr id="19" name="Content Placeholder 18">
-            <a:extLst>
-              <a:ext uri="{FF2B5EF4-FFF2-40B4-BE49-F238E27FC236}">
-                <a16:creationId xmlns:a16="http://schemas.microsoft.com/office/drawing/2014/main" id="{C8473BF2-C052-197A-3E8B-C55DED92B0B0}"/>
+          <p:cNvPr id="35" name="Content Placeholder 34" descr="A black background with lines&#10;&#10;AI-generated content may be incorrect.">
+            <a:extLst>
+              <a:ext uri="{FF2B5EF4-FFF2-40B4-BE49-F238E27FC236}">
+                <a16:creationId xmlns:a16="http://schemas.microsoft.com/office/drawing/2014/main" id="{04E39CCD-87F5-B6CF-4827-39278A68136E}"/>
               </a:ext>
             </a:extLst>
           </p:cNvPr>
@@ -3900,17 +7233,27 @@
         </p:blipFill>
         <p:spPr>
           <a:xfrm>
-            <a:off x="2067952" y="1171852"/>
-            <a:ext cx="4028048" cy="2796852"/>
+            <a:off x="550863" y="3164412"/>
+            <a:ext cx="3689045" cy="2111978"/>
           </a:xfrm>
+          <a:prstGeom prst="rect">
+            <a:avLst/>
+          </a:prstGeom>
+          <a:effectLst>
+            <a:outerShdw blurRad="508000" dist="101600" dir="5400000" algn="tl" rotWithShape="0">
+              <a:prstClr val="black">
+                <a:alpha val="10000"/>
+              </a:prstClr>
+            </a:outerShdw>
+          </a:effectLst>
         </p:spPr>
       </p:pic>
       <p:pic>
         <p:nvPicPr>
-          <p:cNvPr id="17" name="Picture 16">
-            <a:extLst>
-              <a:ext uri="{FF2B5EF4-FFF2-40B4-BE49-F238E27FC236}">
-                <a16:creationId xmlns:a16="http://schemas.microsoft.com/office/drawing/2014/main" id="{ECD0F75B-19FB-E9BF-F35A-63755EE03171}"/>
+          <p:cNvPr id="37" name="Picture 36" descr="A black background with lines&#10;&#10;AI-generated content may be incorrect.">
+            <a:extLst>
+              <a:ext uri="{FF2B5EF4-FFF2-40B4-BE49-F238E27FC236}">
+                <a16:creationId xmlns:a16="http://schemas.microsoft.com/office/drawing/2014/main" id="{2F99ED2C-45ED-CFC1-F6B1-8A5F42852C74}"/>
               </a:ext>
             </a:extLst>
           </p:cNvPr>
@@ -3920,15 +7263,21 @@
           <p:nvPr/>
         </p:nvPicPr>
         <p:blipFill>
-          <a:blip r:embed="rId3"/>
+          <a:blip r:embed="rId2">
+            <a:extLst>
+              <a:ext uri="{28A0092B-C50C-407E-A947-70E740481C1C}">
+                <a14:useLocalDpi xmlns:a14="http://schemas.microsoft.com/office/drawing/2010/main" val="0"/>
+              </a:ext>
+            </a:extLst>
+          </a:blip>
           <a:stretch>
             <a:fillRect/>
           </a:stretch>
         </p:blipFill>
         <p:spPr>
           <a:xfrm>
-            <a:off x="88776" y="1171852"/>
-            <a:ext cx="1857915" cy="2160449"/>
+            <a:off x="4419907" y="3164001"/>
+            <a:ext cx="3689045" cy="2111978"/>
           </a:xfrm>
           <a:prstGeom prst="rect">
             <a:avLst/>
@@ -3937,10 +7286,10 @@
       </p:pic>
       <p:pic>
         <p:nvPicPr>
-          <p:cNvPr id="21" name="Picture 20">
-            <a:extLst>
-              <a:ext uri="{FF2B5EF4-FFF2-40B4-BE49-F238E27FC236}">
-                <a16:creationId xmlns:a16="http://schemas.microsoft.com/office/drawing/2014/main" id="{7ED5B522-6A83-D5B2-BF2F-6A6E5D0890A6}"/>
+          <p:cNvPr id="46" name="Picture 45" descr="A black background with white lines&#10;&#10;AI-generated content may be incorrect.">
+            <a:extLst>
+              <a:ext uri="{FF2B5EF4-FFF2-40B4-BE49-F238E27FC236}">
+                <a16:creationId xmlns:a16="http://schemas.microsoft.com/office/drawing/2014/main" id="{B65A6093-EE79-2AE6-C3E4-537EEEEEB42D}"/>
               </a:ext>
             </a:extLst>
           </p:cNvPr>
@@ -3950,7 +7299,7 @@
           <p:nvPr/>
         </p:nvPicPr>
         <p:blipFill>
-          <a:blip r:embed="rId4">
+          <a:blip r:embed="rId3">
             <a:extLst>
               <a:ext uri="{28A0092B-C50C-407E-A947-70E740481C1C}">
                 <a14:useLocalDpi xmlns:a14="http://schemas.microsoft.com/office/drawing/2010/main" val="0"/>
@@ -3963,20 +7312,27 @@
         </p:blipFill>
         <p:spPr>
           <a:xfrm>
-            <a:off x="6361292" y="1171851"/>
-            <a:ext cx="4002652" cy="2796853"/>
+            <a:off x="8292124" y="2334024"/>
+            <a:ext cx="3359899" cy="1595951"/>
           </a:xfrm>
           <a:prstGeom prst="rect">
             <a:avLst/>
           </a:prstGeom>
+          <a:effectLst>
+            <a:outerShdw blurRad="508000" dist="101600" dir="5400000" algn="tl" rotWithShape="0">
+              <a:prstClr val="black">
+                <a:alpha val="10000"/>
+              </a:prstClr>
+            </a:outerShdw>
+          </a:effectLst>
         </p:spPr>
       </p:pic>
       <p:pic>
         <p:nvPicPr>
-          <p:cNvPr id="23" name="Picture 22">
-            <a:extLst>
-              <a:ext uri="{FF2B5EF4-FFF2-40B4-BE49-F238E27FC236}">
-                <a16:creationId xmlns:a16="http://schemas.microsoft.com/office/drawing/2014/main" id="{B38DE846-AB9E-AD6F-D02B-134DFB29874E}"/>
+          <p:cNvPr id="41" name="Picture 40" descr="A black background with white lines&#10;&#10;AI-generated content may be incorrect.">
+            <a:extLst>
+              <a:ext uri="{FF2B5EF4-FFF2-40B4-BE49-F238E27FC236}">
+                <a16:creationId xmlns:a16="http://schemas.microsoft.com/office/drawing/2014/main" id="{7CFE2CF2-8BF2-B86D-D5F0-2C8764EFDE83}"/>
               </a:ext>
             </a:extLst>
           </p:cNvPr>
@@ -3986,7 +7342,7 @@
           <p:nvPr/>
         </p:nvPicPr>
         <p:blipFill>
-          <a:blip r:embed="rId5">
+          <a:blip r:embed="rId3">
             <a:extLst>
               <a:ext uri="{28A0092B-C50C-407E-A947-70E740481C1C}">
                 <a14:useLocalDpi xmlns:a14="http://schemas.microsoft.com/office/drawing/2010/main" val="0"/>
@@ -3999,90 +7355,25 @@
         </p:blipFill>
         <p:spPr>
           <a:xfrm>
-            <a:off x="17752" y="4034514"/>
-            <a:ext cx="4024861" cy="2796852"/>
+            <a:off x="8292124" y="4509665"/>
+            <a:ext cx="3358800" cy="1595429"/>
           </a:xfrm>
           <a:prstGeom prst="rect">
             <a:avLst/>
           </a:prstGeom>
-        </p:spPr>
-      </p:pic>
-      <p:pic>
-        <p:nvPicPr>
-          <p:cNvPr id="25" name="Picture 24">
-            <a:extLst>
-              <a:ext uri="{FF2B5EF4-FFF2-40B4-BE49-F238E27FC236}">
-                <a16:creationId xmlns:a16="http://schemas.microsoft.com/office/drawing/2014/main" id="{6FAC4255-00B9-0F5F-2DAC-9C0AACCA2880}"/>
-              </a:ext>
-            </a:extLst>
-          </p:cNvPr>
-          <p:cNvPicPr>
-            <a:picLocks noChangeAspect="1"/>
-          </p:cNvPicPr>
-          <p:nvPr/>
-        </p:nvPicPr>
-        <p:blipFill>
-          <a:blip r:embed="rId6">
-            <a:extLst>
-              <a:ext uri="{28A0092B-C50C-407E-A947-70E740481C1C}">
-                <a14:useLocalDpi xmlns:a14="http://schemas.microsoft.com/office/drawing/2010/main" val="0"/>
-              </a:ext>
-            </a:extLst>
-          </a:blip>
-          <a:stretch>
-            <a:fillRect/>
-          </a:stretch>
-        </p:blipFill>
-        <p:spPr>
-          <a:xfrm>
-            <a:off x="4047671" y="3986458"/>
-            <a:ext cx="4067997" cy="2862664"/>
-          </a:xfrm>
-          <a:prstGeom prst="rect">
-            <a:avLst/>
-          </a:prstGeom>
-        </p:spPr>
-      </p:pic>
-      <p:pic>
-        <p:nvPicPr>
-          <p:cNvPr id="27" name="Picture 26">
-            <a:extLst>
-              <a:ext uri="{FF2B5EF4-FFF2-40B4-BE49-F238E27FC236}">
-                <a16:creationId xmlns:a16="http://schemas.microsoft.com/office/drawing/2014/main" id="{0C9FC013-6A2F-F2CD-9DD8-8A116C5D0C68}"/>
-              </a:ext>
-            </a:extLst>
-          </p:cNvPr>
-          <p:cNvPicPr>
-            <a:picLocks noChangeAspect="1"/>
-          </p:cNvPicPr>
-          <p:nvPr/>
-        </p:nvPicPr>
-        <p:blipFill>
-          <a:blip r:embed="rId7">
-            <a:extLst>
-              <a:ext uri="{28A0092B-C50C-407E-A947-70E740481C1C}">
-                <a14:useLocalDpi xmlns:a14="http://schemas.microsoft.com/office/drawing/2010/main" val="0"/>
-              </a:ext>
-            </a:extLst>
-          </a:blip>
-          <a:stretch>
-            <a:fillRect/>
-          </a:stretch>
-        </p:blipFill>
-        <p:spPr>
-          <a:xfrm>
-            <a:off x="8129051" y="4025635"/>
-            <a:ext cx="4045193" cy="2796853"/>
-          </a:xfrm>
-          <a:prstGeom prst="rect">
-            <a:avLst/>
-          </a:prstGeom>
+          <a:effectLst>
+            <a:outerShdw blurRad="508000" dist="101600" dir="5400000" algn="tl" rotWithShape="0">
+              <a:prstClr val="black">
+                <a:alpha val="10000"/>
+              </a:prstClr>
+            </a:outerShdw>
+          </a:effectLst>
         </p:spPr>
       </p:pic>
     </p:spTree>
     <p:extLst>
       <p:ext uri="{BB962C8B-B14F-4D97-AF65-F5344CB8AC3E}">
-        <p14:creationId xmlns:p14="http://schemas.microsoft.com/office/powerpoint/2010/main" val="3118506085"/>
+        <p14:creationId xmlns:p14="http://schemas.microsoft.com/office/powerpoint/2010/main" val="3046579447"/>
       </p:ext>
     </p:extLst>
   </p:cSld>
@@ -4095,6 +7386,14 @@
 <file path=ppt/slides/slide6.xml><?xml version="1.0" encoding="utf-8"?>
 <p:sld xmlns:a="http://schemas.openxmlformats.org/drawingml/2006/main" xmlns:r="http://schemas.openxmlformats.org/officeDocument/2006/relationships" xmlns:p="http://schemas.openxmlformats.org/presentationml/2006/main">
   <p:cSld>
+    <p:bg>
+      <p:bgPr>
+        <a:solidFill>
+          <a:schemeClr val="bg1"/>
+        </a:solidFill>
+        <a:effectLst/>
+      </p:bgPr>
+    </p:bg>
     <p:spTree>
       <p:nvGrpSpPr>
         <p:cNvPr id="1" name=""/>
@@ -4109,12 +7408,247 @@
           <a:chExt cx="0" cy="0"/>
         </a:xfrm>
       </p:grpSpPr>
+      <p:sp useBgFill="1">
+        <p:nvSpPr>
+          <p:cNvPr id="16" name="Rectangle 15">
+            <a:extLst>
+              <a:ext uri="{FF2B5EF4-FFF2-40B4-BE49-F238E27FC236}">
+                <a16:creationId xmlns:a16="http://schemas.microsoft.com/office/drawing/2014/main" id="{B4059D9B-2E55-47FE-A188-0F9BD734E0A0}"/>
+              </a:ext>
+              <a:ext uri="{C183D7F6-B498-43B3-948B-1728B52AA6E4}">
+                <adec:decorative xmlns:adec="http://schemas.microsoft.com/office/drawing/2017/decorative" val="1"/>
+              </a:ext>
+            </a:extLst>
+          </p:cNvPr>
+          <p:cNvSpPr>
+            <a:spLocks noGrp="1" noRot="1" noChangeAspect="1" noMove="1" noResize="1" noEditPoints="1" noAdjustHandles="1" noChangeArrowheads="1" noChangeShapeType="1" noTextEdit="1"/>
+          </p:cNvSpPr>
+          <p:nvPr>
+            <p:extLst>
+              <p:ext uri="{386F3935-93C4-4BCD-93E2-E3B085C9AB24}">
+                <p16:designElem xmlns:p16="http://schemas.microsoft.com/office/powerpoint/2015/main" val="1"/>
+              </p:ext>
+            </p:extLst>
+          </p:nvPr>
+        </p:nvSpPr>
+        <p:spPr>
+          <a:xfrm>
+            <a:off x="0" y="0"/>
+            <a:ext cx="12192000" cy="6858000"/>
+          </a:xfrm>
+          <a:prstGeom prst="rect">
+            <a:avLst/>
+          </a:prstGeom>
+          <a:ln w="12700" cap="flat" cmpd="sng" algn="ctr">
+            <a:noFill/>
+            <a:prstDash val="solid"/>
+            <a:miter lim="800000"/>
+          </a:ln>
+          <a:effectLst/>
+          <a:extLst>
+            <a:ext uri="{91240B29-F687-4F45-9708-019B960494DF}">
+              <a14:hiddenLine xmlns:a14="http://schemas.microsoft.com/office/drawing/2010/main" w="12700" cap="flat" cmpd="sng" algn="ctr">
+                <a:solidFill>
+                  <a:schemeClr val="accent1">
+                    <a:shade val="50000"/>
+                  </a:schemeClr>
+                </a:solidFill>
+                <a:prstDash val="solid"/>
+                <a:miter lim="800000"/>
+              </a14:hiddenLine>
+            </a:ext>
+          </a:extLst>
+        </p:spPr>
+        <p:style>
+          <a:lnRef idx="2">
+            <a:schemeClr val="accent1">
+              <a:shade val="50000"/>
+            </a:schemeClr>
+          </a:lnRef>
+          <a:fillRef idx="1">
+            <a:schemeClr val="accent1"/>
+          </a:fillRef>
+          <a:effectRef idx="0">
+            <a:schemeClr val="accent1"/>
+          </a:effectRef>
+          <a:fontRef idx="minor">
+            <a:schemeClr val="lt1"/>
+          </a:fontRef>
+        </p:style>
+        <p:txBody>
+          <a:bodyPr rtlCol="0" anchor="ctr"/>
+          <a:lstStyle/>
+          <a:p>
+            <a:pPr algn="ctr"/>
+            <a:endParaRPr lang="en-US"/>
+          </a:p>
+        </p:txBody>
+      </p:sp>
+      <p:grpSp>
+        <p:nvGrpSpPr>
+          <p:cNvPr id="18" name="Group 17">
+            <a:extLst>
+              <a:ext uri="{FF2B5EF4-FFF2-40B4-BE49-F238E27FC236}">
+                <a16:creationId xmlns:a16="http://schemas.microsoft.com/office/drawing/2014/main" id="{F938B951-7EFC-40A2-B198-E73D39DFB3FC}"/>
+              </a:ext>
+              <a:ext uri="{C183D7F6-B498-43B3-948B-1728B52AA6E4}">
+                <adec:decorative xmlns:adec="http://schemas.microsoft.com/office/drawing/2017/decorative" val="1"/>
+              </a:ext>
+            </a:extLst>
+          </p:cNvPr>
+          <p:cNvGrpSpPr>
+            <a:grpSpLocks noGrp="1" noUngrp="1" noRot="1" noChangeAspect="1" noMove="1" noResize="1"/>
+          </p:cNvGrpSpPr>
+          <p:nvPr>
+            <p:extLst>
+              <p:ext uri="{386F3935-93C4-4BCD-93E2-E3B085C9AB24}">
+                <p16:designElem xmlns:p16="http://schemas.microsoft.com/office/powerpoint/2015/main" val="1"/>
+              </p:ext>
+            </p:extLst>
+          </p:nvPr>
+        </p:nvGrpSpPr>
+        <p:grpSpPr>
+          <a:xfrm>
+            <a:off x="0" y="0"/>
+            <a:ext cx="12192000" cy="6858000"/>
+            <a:chOff x="0" y="0"/>
+            <a:chExt cx="12192000" cy="6858000"/>
+          </a:xfrm>
+        </p:grpSpPr>
+        <p:sp>
+          <p:nvSpPr>
+            <p:cNvPr id="19" name="Rectangle 18">
+              <a:extLst>
+                <a:ext uri="{FF2B5EF4-FFF2-40B4-BE49-F238E27FC236}">
+                  <a16:creationId xmlns:a16="http://schemas.microsoft.com/office/drawing/2014/main" id="{92E4506E-6A0E-49A0-BC31-8CADBFF3ECCF}"/>
+                </a:ext>
+                <a:ext uri="{C183D7F6-B498-43B3-948B-1728B52AA6E4}">
+                  <adec:decorative xmlns:adec="http://schemas.microsoft.com/office/drawing/2017/decorative" val="1"/>
+                </a:ext>
+              </a:extLst>
+            </p:cNvPr>
+            <p:cNvSpPr/>
+            <p:nvPr>
+              <p:extLst>
+                <p:ext uri="{386F3935-93C4-4BCD-93E2-E3B085C9AB24}">
+                  <p16:designElem xmlns:p16="http://schemas.microsoft.com/office/powerpoint/2015/main" val="1"/>
+                </p:ext>
+              </p:extLst>
+            </p:nvPr>
+          </p:nvSpPr>
+          <p:spPr>
+            <a:xfrm>
+              <a:off x="0" y="0"/>
+              <a:ext cx="12192000" cy="6858000"/>
+            </a:xfrm>
+            <a:prstGeom prst="rect">
+              <a:avLst/>
+            </a:prstGeom>
+            <a:solidFill>
+              <a:schemeClr val="bg1">
+                <a:lumMod val="95000"/>
+              </a:schemeClr>
+            </a:solidFill>
+            <a:ln>
+              <a:noFill/>
+            </a:ln>
+          </p:spPr>
+          <p:style>
+            <a:lnRef idx="2">
+              <a:schemeClr val="accent1">
+                <a:shade val="50000"/>
+              </a:schemeClr>
+            </a:lnRef>
+            <a:fillRef idx="1">
+              <a:schemeClr val="accent1"/>
+            </a:fillRef>
+            <a:effectRef idx="0">
+              <a:schemeClr val="accent1"/>
+            </a:effectRef>
+            <a:fontRef idx="minor">
+              <a:schemeClr val="lt1"/>
+            </a:fontRef>
+          </p:style>
+          <p:txBody>
+            <a:bodyPr rtlCol="0" anchor="ctr"/>
+            <a:lstStyle/>
+            <a:p>
+              <a:pPr algn="ctr"/>
+              <a:endParaRPr lang="en-US"/>
+            </a:p>
+          </p:txBody>
+        </p:sp>
+        <p:sp>
+          <p:nvSpPr>
+            <p:cNvPr id="20" name="Rectangle 19">
+              <a:extLst>
+                <a:ext uri="{FF2B5EF4-FFF2-40B4-BE49-F238E27FC236}">
+                  <a16:creationId xmlns:a16="http://schemas.microsoft.com/office/drawing/2014/main" id="{EEED4D51-65BF-4AEE-B596-7CB61A70B966}"/>
+                </a:ext>
+                <a:ext uri="{C183D7F6-B498-43B3-948B-1728B52AA6E4}">
+                  <adec:decorative xmlns:adec="http://schemas.microsoft.com/office/drawing/2017/decorative" val="1"/>
+                </a:ext>
+              </a:extLst>
+            </p:cNvPr>
+            <p:cNvSpPr/>
+            <p:nvPr>
+              <p:extLst>
+                <p:ext uri="{386F3935-93C4-4BCD-93E2-E3B085C9AB24}">
+                  <p16:designElem xmlns:p16="http://schemas.microsoft.com/office/powerpoint/2015/main" val="1"/>
+                </p:ext>
+              </p:extLst>
+            </p:nvPr>
+          </p:nvSpPr>
+          <p:spPr>
+            <a:xfrm>
+              <a:off x="0" y="0"/>
+              <a:ext cx="12192000" cy="6858000"/>
+            </a:xfrm>
+            <a:prstGeom prst="rect">
+              <a:avLst/>
+            </a:prstGeom>
+            <a:solidFill>
+              <a:schemeClr val="accent4">
+                <a:lumMod val="75000"/>
+                <a:alpha val="7000"/>
+              </a:schemeClr>
+            </a:solidFill>
+            <a:ln>
+              <a:noFill/>
+            </a:ln>
+          </p:spPr>
+          <p:style>
+            <a:lnRef idx="2">
+              <a:schemeClr val="accent1">
+                <a:shade val="50000"/>
+              </a:schemeClr>
+            </a:lnRef>
+            <a:fillRef idx="1">
+              <a:schemeClr val="accent1"/>
+            </a:fillRef>
+            <a:effectRef idx="0">
+              <a:schemeClr val="accent1"/>
+            </a:effectRef>
+            <a:fontRef idx="minor">
+              <a:schemeClr val="lt1"/>
+            </a:fontRef>
+          </p:style>
+          <p:txBody>
+            <a:bodyPr rtlCol="0" anchor="ctr"/>
+            <a:lstStyle/>
+            <a:p>
+              <a:pPr algn="ctr"/>
+              <a:endParaRPr lang="en-US"/>
+            </a:p>
+          </p:txBody>
+        </p:sp>
+      </p:grpSp>
       <p:sp>
         <p:nvSpPr>
           <p:cNvPr id="2" name="Title 1">
             <a:extLst>
               <a:ext uri="{FF2B5EF4-FFF2-40B4-BE49-F238E27FC236}">
-                <a16:creationId xmlns:a16="http://schemas.microsoft.com/office/drawing/2014/main" id="{F7903B42-EB02-8786-2A71-AEC0C1E75693}"/>
+                <a16:creationId xmlns:a16="http://schemas.microsoft.com/office/drawing/2014/main" id="{ECFE54DF-DA9F-16BB-3AC3-B36B90A9057D}"/>
               </a:ext>
             </a:extLst>
           </p:cNvPr>
@@ -4125,47 +7659,196 @@
             <p:ph type="title"/>
           </p:nvPr>
         </p:nvSpPr>
-        <p:spPr/>
+        <p:spPr>
+          <a:xfrm>
+            <a:off x="550863" y="366639"/>
+            <a:ext cx="11090274" cy="675441"/>
+          </a:xfrm>
+        </p:spPr>
         <p:txBody>
-          <a:bodyPr/>
+          <a:bodyPr vert="horz" wrap="square" lIns="91440" tIns="45720" rIns="91440" bIns="45720" rtlCol="0" anchor="t">
+            <a:normAutofit/>
+          </a:bodyPr>
           <a:lstStyle/>
           <a:p>
             <a:r>
-              <a:rPr lang="hu-HU" dirty="0"/>
-              <a:t>Projekt tervezése (weboldal)</a:t>
+              <a:rPr lang="en-US" sz="4200"/>
+              <a:t>Csapatmunka megvalósítása</a:t>
             </a:r>
           </a:p>
         </p:txBody>
       </p:sp>
-      <p:sp>
-        <p:nvSpPr>
-          <p:cNvPr id="3" name="Content Placeholder 2">
-            <a:extLst>
-              <a:ext uri="{FF2B5EF4-FFF2-40B4-BE49-F238E27FC236}">
-                <a16:creationId xmlns:a16="http://schemas.microsoft.com/office/drawing/2014/main" id="{B90B6545-ADD9-09AA-AE8E-B1618445F6A1}"/>
-              </a:ext>
-            </a:extLst>
-          </p:cNvPr>
-          <p:cNvSpPr>
-            <a:spLocks noGrp="1"/>
-          </p:cNvSpPr>
+      <p:pic>
+        <p:nvPicPr>
+          <p:cNvPr id="5" name="Content Placeholder 4" descr="A black background with white lines&#10;&#10;AI-generated content may be incorrect.">
+            <a:extLst>
+              <a:ext uri="{FF2B5EF4-FFF2-40B4-BE49-F238E27FC236}">
+                <a16:creationId xmlns:a16="http://schemas.microsoft.com/office/drawing/2014/main" id="{F818875E-AF82-2D30-D2E1-0A28CC08597C}"/>
+              </a:ext>
+            </a:extLst>
+          </p:cNvPr>
+          <p:cNvPicPr>
+            <a:picLocks noGrp="1" noChangeAspect="1"/>
+          </p:cNvPicPr>
           <p:nvPr>
             <p:ph idx="1"/>
           </p:nvPr>
-        </p:nvSpPr>
-        <p:spPr/>
-        <p:txBody>
-          <a:bodyPr/>
-          <a:lstStyle/>
-          <a:p>
-            <a:endParaRPr lang="hu-HU"/>
-          </a:p>
-        </p:txBody>
-      </p:sp>
+        </p:nvPicPr>
+        <p:blipFill>
+          <a:blip r:embed="rId2">
+            <a:extLst>
+              <a:ext uri="{28A0092B-C50C-407E-A947-70E740481C1C}">
+                <a14:useLocalDpi xmlns:a14="http://schemas.microsoft.com/office/drawing/2010/main" val="0"/>
+              </a:ext>
+            </a:extLst>
+          </a:blip>
+          <a:stretch>
+            <a:fillRect/>
+          </a:stretch>
+        </p:blipFill>
+        <p:spPr>
+          <a:xfrm>
+            <a:off x="550863" y="3353475"/>
+            <a:ext cx="3689045" cy="1733851"/>
+          </a:xfrm>
+          <a:prstGeom prst="rect">
+            <a:avLst/>
+          </a:prstGeom>
+          <a:effectLst>
+            <a:outerShdw blurRad="508000" dist="101600" dir="5400000" algn="tl" rotWithShape="0">
+              <a:prstClr val="black">
+                <a:alpha val="10000"/>
+              </a:prstClr>
+            </a:outerShdw>
+          </a:effectLst>
+        </p:spPr>
+      </p:pic>
+      <p:pic>
+        <p:nvPicPr>
+          <p:cNvPr id="7" name="Picture 6" descr="A black background with white lines&#10;&#10;AI-generated content may be incorrect.">
+            <a:extLst>
+              <a:ext uri="{FF2B5EF4-FFF2-40B4-BE49-F238E27FC236}">
+                <a16:creationId xmlns:a16="http://schemas.microsoft.com/office/drawing/2014/main" id="{F0288095-A987-7790-490B-CDCCB6B7A37A}"/>
+              </a:ext>
+            </a:extLst>
+          </p:cNvPr>
+          <p:cNvPicPr>
+            <a:picLocks noChangeAspect="1"/>
+          </p:cNvPicPr>
+          <p:nvPr/>
+        </p:nvPicPr>
+        <p:blipFill>
+          <a:blip r:embed="rId2">
+            <a:extLst>
+              <a:ext uri="{28A0092B-C50C-407E-A947-70E740481C1C}">
+                <a14:useLocalDpi xmlns:a14="http://schemas.microsoft.com/office/drawing/2010/main" val="0"/>
+              </a:ext>
+            </a:extLst>
+          </a:blip>
+          <a:stretch>
+            <a:fillRect/>
+          </a:stretch>
+        </p:blipFill>
+        <p:spPr>
+          <a:xfrm>
+            <a:off x="4419907" y="3353064"/>
+            <a:ext cx="3689045" cy="1733851"/>
+          </a:xfrm>
+          <a:prstGeom prst="rect">
+            <a:avLst/>
+          </a:prstGeom>
+        </p:spPr>
+      </p:pic>
+      <p:pic>
+        <p:nvPicPr>
+          <p:cNvPr id="11" name="Picture 10" descr="A black and white line&#10;&#10;AI-generated content may be incorrect.">
+            <a:extLst>
+              <a:ext uri="{FF2B5EF4-FFF2-40B4-BE49-F238E27FC236}">
+                <a16:creationId xmlns:a16="http://schemas.microsoft.com/office/drawing/2014/main" id="{C3D5D8B1-FC7A-3AF2-F31C-30506B530E87}"/>
+              </a:ext>
+            </a:extLst>
+          </p:cNvPr>
+          <p:cNvPicPr>
+            <a:picLocks noChangeAspect="1"/>
+          </p:cNvPicPr>
+          <p:nvPr/>
+        </p:nvPicPr>
+        <p:blipFill>
+          <a:blip r:embed="rId3">
+            <a:extLst>
+              <a:ext uri="{28A0092B-C50C-407E-A947-70E740481C1C}">
+                <a14:useLocalDpi xmlns:a14="http://schemas.microsoft.com/office/drawing/2010/main" val="0"/>
+              </a:ext>
+            </a:extLst>
+          </a:blip>
+          <a:stretch>
+            <a:fillRect/>
+          </a:stretch>
+        </p:blipFill>
+        <p:spPr>
+          <a:xfrm>
+            <a:off x="8292124" y="2363422"/>
+            <a:ext cx="3359899" cy="1537154"/>
+          </a:xfrm>
+          <a:prstGeom prst="rect">
+            <a:avLst/>
+          </a:prstGeom>
+          <a:effectLst>
+            <a:outerShdw blurRad="508000" dist="101600" dir="5400000" algn="tl" rotWithShape="0">
+              <a:prstClr val="black">
+                <a:alpha val="10000"/>
+              </a:prstClr>
+            </a:outerShdw>
+          </a:effectLst>
+        </p:spPr>
+      </p:pic>
+      <p:pic>
+        <p:nvPicPr>
+          <p:cNvPr id="9" name="Picture 8" descr="A black and white line&#10;&#10;AI-generated content may be incorrect.">
+            <a:extLst>
+              <a:ext uri="{FF2B5EF4-FFF2-40B4-BE49-F238E27FC236}">
+                <a16:creationId xmlns:a16="http://schemas.microsoft.com/office/drawing/2014/main" id="{BA9DB238-51D9-A6C1-3A7D-090D1373D38C}"/>
+              </a:ext>
+            </a:extLst>
+          </p:cNvPr>
+          <p:cNvPicPr>
+            <a:picLocks noChangeAspect="1"/>
+          </p:cNvPicPr>
+          <p:nvPr/>
+        </p:nvPicPr>
+        <p:blipFill>
+          <a:blip r:embed="rId3">
+            <a:extLst>
+              <a:ext uri="{28A0092B-C50C-407E-A947-70E740481C1C}">
+                <a14:useLocalDpi xmlns:a14="http://schemas.microsoft.com/office/drawing/2010/main" val="0"/>
+              </a:ext>
+            </a:extLst>
+          </a:blip>
+          <a:stretch>
+            <a:fillRect/>
+          </a:stretch>
+        </p:blipFill>
+        <p:spPr>
+          <a:xfrm>
+            <a:off x="8292124" y="4539054"/>
+            <a:ext cx="3358800" cy="1536651"/>
+          </a:xfrm>
+          <a:prstGeom prst="rect">
+            <a:avLst/>
+          </a:prstGeom>
+          <a:effectLst>
+            <a:outerShdw blurRad="508000" dist="101600" dir="5400000" algn="tl" rotWithShape="0">
+              <a:prstClr val="black">
+                <a:alpha val="10000"/>
+              </a:prstClr>
+            </a:outerShdw>
+          </a:effectLst>
+        </p:spPr>
+      </p:pic>
     </p:spTree>
     <p:extLst>
       <p:ext uri="{BB962C8B-B14F-4D97-AF65-F5344CB8AC3E}">
-        <p14:creationId xmlns:p14="http://schemas.microsoft.com/office/powerpoint/2010/main" val="1675270986"/>
+        <p14:creationId xmlns:p14="http://schemas.microsoft.com/office/powerpoint/2010/main" val="622080134"/>
       </p:ext>
     </p:extLst>
   </p:cSld>
@@ -4178,6 +7861,14 @@
 <file path=ppt/slides/slide7.xml><?xml version="1.0" encoding="utf-8"?>
 <p:sld xmlns:a="http://schemas.openxmlformats.org/drawingml/2006/main" xmlns:r="http://schemas.openxmlformats.org/officeDocument/2006/relationships" xmlns:p="http://schemas.openxmlformats.org/presentationml/2006/main">
   <p:cSld>
+    <p:bg>
+      <p:bgPr>
+        <a:solidFill>
+          <a:schemeClr val="bg1"/>
+        </a:solidFill>
+        <a:effectLst/>
+      </p:bgPr>
+    </p:bg>
     <p:spTree>
       <p:nvGrpSpPr>
         <p:cNvPr id="1" name=""/>
@@ -4192,12 +7883,247 @@
           <a:chExt cx="0" cy="0"/>
         </a:xfrm>
       </p:grpSpPr>
+      <p:sp useBgFill="1">
+        <p:nvSpPr>
+          <p:cNvPr id="16" name="Rectangle 15">
+            <a:extLst>
+              <a:ext uri="{FF2B5EF4-FFF2-40B4-BE49-F238E27FC236}">
+                <a16:creationId xmlns:a16="http://schemas.microsoft.com/office/drawing/2014/main" id="{B4059D9B-2E55-47FE-A188-0F9BD734E0A0}"/>
+              </a:ext>
+              <a:ext uri="{C183D7F6-B498-43B3-948B-1728B52AA6E4}">
+                <adec:decorative xmlns:adec="http://schemas.microsoft.com/office/drawing/2017/decorative" val="1"/>
+              </a:ext>
+            </a:extLst>
+          </p:cNvPr>
+          <p:cNvSpPr>
+            <a:spLocks noGrp="1" noRot="1" noChangeAspect="1" noMove="1" noResize="1" noEditPoints="1" noAdjustHandles="1" noChangeArrowheads="1" noChangeShapeType="1" noTextEdit="1"/>
+          </p:cNvSpPr>
+          <p:nvPr>
+            <p:extLst>
+              <p:ext uri="{386F3935-93C4-4BCD-93E2-E3B085C9AB24}">
+                <p16:designElem xmlns:p16="http://schemas.microsoft.com/office/powerpoint/2015/main" val="1"/>
+              </p:ext>
+            </p:extLst>
+          </p:nvPr>
+        </p:nvSpPr>
+        <p:spPr>
+          <a:xfrm>
+            <a:off x="0" y="0"/>
+            <a:ext cx="12192000" cy="6858000"/>
+          </a:xfrm>
+          <a:prstGeom prst="rect">
+            <a:avLst/>
+          </a:prstGeom>
+          <a:ln w="12700" cap="flat" cmpd="sng" algn="ctr">
+            <a:noFill/>
+            <a:prstDash val="solid"/>
+            <a:miter lim="800000"/>
+          </a:ln>
+          <a:effectLst/>
+          <a:extLst>
+            <a:ext uri="{91240B29-F687-4F45-9708-019B960494DF}">
+              <a14:hiddenLine xmlns:a14="http://schemas.microsoft.com/office/drawing/2010/main" w="12700" cap="flat" cmpd="sng" algn="ctr">
+                <a:solidFill>
+                  <a:schemeClr val="accent1">
+                    <a:shade val="50000"/>
+                  </a:schemeClr>
+                </a:solidFill>
+                <a:prstDash val="solid"/>
+                <a:miter lim="800000"/>
+              </a14:hiddenLine>
+            </a:ext>
+          </a:extLst>
+        </p:spPr>
+        <p:style>
+          <a:lnRef idx="2">
+            <a:schemeClr val="accent1">
+              <a:shade val="50000"/>
+            </a:schemeClr>
+          </a:lnRef>
+          <a:fillRef idx="1">
+            <a:schemeClr val="accent1"/>
+          </a:fillRef>
+          <a:effectRef idx="0">
+            <a:schemeClr val="accent1"/>
+          </a:effectRef>
+          <a:fontRef idx="minor">
+            <a:schemeClr val="lt1"/>
+          </a:fontRef>
+        </p:style>
+        <p:txBody>
+          <a:bodyPr rtlCol="0" anchor="ctr"/>
+          <a:lstStyle/>
+          <a:p>
+            <a:pPr algn="ctr"/>
+            <a:endParaRPr lang="en-US"/>
+          </a:p>
+        </p:txBody>
+      </p:sp>
+      <p:grpSp>
+        <p:nvGrpSpPr>
+          <p:cNvPr id="18" name="Group 17">
+            <a:extLst>
+              <a:ext uri="{FF2B5EF4-FFF2-40B4-BE49-F238E27FC236}">
+                <a16:creationId xmlns:a16="http://schemas.microsoft.com/office/drawing/2014/main" id="{F938B951-7EFC-40A2-B198-E73D39DFB3FC}"/>
+              </a:ext>
+              <a:ext uri="{C183D7F6-B498-43B3-948B-1728B52AA6E4}">
+                <adec:decorative xmlns:adec="http://schemas.microsoft.com/office/drawing/2017/decorative" val="1"/>
+              </a:ext>
+            </a:extLst>
+          </p:cNvPr>
+          <p:cNvGrpSpPr>
+            <a:grpSpLocks noGrp="1" noUngrp="1" noRot="1" noChangeAspect="1" noMove="1" noResize="1"/>
+          </p:cNvGrpSpPr>
+          <p:nvPr>
+            <p:extLst>
+              <p:ext uri="{386F3935-93C4-4BCD-93E2-E3B085C9AB24}">
+                <p16:designElem xmlns:p16="http://schemas.microsoft.com/office/powerpoint/2015/main" val="1"/>
+              </p:ext>
+            </p:extLst>
+          </p:nvPr>
+        </p:nvGrpSpPr>
+        <p:grpSpPr>
+          <a:xfrm>
+            <a:off x="0" y="0"/>
+            <a:ext cx="12192000" cy="6858000"/>
+            <a:chOff x="0" y="0"/>
+            <a:chExt cx="12192000" cy="6858000"/>
+          </a:xfrm>
+        </p:grpSpPr>
+        <p:sp>
+          <p:nvSpPr>
+            <p:cNvPr id="19" name="Rectangle 18">
+              <a:extLst>
+                <a:ext uri="{FF2B5EF4-FFF2-40B4-BE49-F238E27FC236}">
+                  <a16:creationId xmlns:a16="http://schemas.microsoft.com/office/drawing/2014/main" id="{92E4506E-6A0E-49A0-BC31-8CADBFF3ECCF}"/>
+                </a:ext>
+                <a:ext uri="{C183D7F6-B498-43B3-948B-1728B52AA6E4}">
+                  <adec:decorative xmlns:adec="http://schemas.microsoft.com/office/drawing/2017/decorative" val="1"/>
+                </a:ext>
+              </a:extLst>
+            </p:cNvPr>
+            <p:cNvSpPr/>
+            <p:nvPr>
+              <p:extLst>
+                <p:ext uri="{386F3935-93C4-4BCD-93E2-E3B085C9AB24}">
+                  <p16:designElem xmlns:p16="http://schemas.microsoft.com/office/powerpoint/2015/main" val="1"/>
+                </p:ext>
+              </p:extLst>
+            </p:nvPr>
+          </p:nvSpPr>
+          <p:spPr>
+            <a:xfrm>
+              <a:off x="0" y="0"/>
+              <a:ext cx="12192000" cy="6858000"/>
+            </a:xfrm>
+            <a:prstGeom prst="rect">
+              <a:avLst/>
+            </a:prstGeom>
+            <a:solidFill>
+              <a:schemeClr val="bg1">
+                <a:lumMod val="95000"/>
+              </a:schemeClr>
+            </a:solidFill>
+            <a:ln>
+              <a:noFill/>
+            </a:ln>
+          </p:spPr>
+          <p:style>
+            <a:lnRef idx="2">
+              <a:schemeClr val="accent1">
+                <a:shade val="50000"/>
+              </a:schemeClr>
+            </a:lnRef>
+            <a:fillRef idx="1">
+              <a:schemeClr val="accent1"/>
+            </a:fillRef>
+            <a:effectRef idx="0">
+              <a:schemeClr val="accent1"/>
+            </a:effectRef>
+            <a:fontRef idx="minor">
+              <a:schemeClr val="lt1"/>
+            </a:fontRef>
+          </p:style>
+          <p:txBody>
+            <a:bodyPr rtlCol="0" anchor="ctr"/>
+            <a:lstStyle/>
+            <a:p>
+              <a:pPr algn="ctr"/>
+              <a:endParaRPr lang="en-US"/>
+            </a:p>
+          </p:txBody>
+        </p:sp>
+        <p:sp>
+          <p:nvSpPr>
+            <p:cNvPr id="20" name="Rectangle 19">
+              <a:extLst>
+                <a:ext uri="{FF2B5EF4-FFF2-40B4-BE49-F238E27FC236}">
+                  <a16:creationId xmlns:a16="http://schemas.microsoft.com/office/drawing/2014/main" id="{EEED4D51-65BF-4AEE-B596-7CB61A70B966}"/>
+                </a:ext>
+                <a:ext uri="{C183D7F6-B498-43B3-948B-1728B52AA6E4}">
+                  <adec:decorative xmlns:adec="http://schemas.microsoft.com/office/drawing/2017/decorative" val="1"/>
+                </a:ext>
+              </a:extLst>
+            </p:cNvPr>
+            <p:cNvSpPr/>
+            <p:nvPr>
+              <p:extLst>
+                <p:ext uri="{386F3935-93C4-4BCD-93E2-E3B085C9AB24}">
+                  <p16:designElem xmlns:p16="http://schemas.microsoft.com/office/powerpoint/2015/main" val="1"/>
+                </p:ext>
+              </p:extLst>
+            </p:nvPr>
+          </p:nvSpPr>
+          <p:spPr>
+            <a:xfrm>
+              <a:off x="0" y="0"/>
+              <a:ext cx="12192000" cy="6858000"/>
+            </a:xfrm>
+            <a:prstGeom prst="rect">
+              <a:avLst/>
+            </a:prstGeom>
+            <a:solidFill>
+              <a:schemeClr val="accent4">
+                <a:lumMod val="75000"/>
+                <a:alpha val="7000"/>
+              </a:schemeClr>
+            </a:solidFill>
+            <a:ln>
+              <a:noFill/>
+            </a:ln>
+          </p:spPr>
+          <p:style>
+            <a:lnRef idx="2">
+              <a:schemeClr val="accent1">
+                <a:shade val="50000"/>
+              </a:schemeClr>
+            </a:lnRef>
+            <a:fillRef idx="1">
+              <a:schemeClr val="accent1"/>
+            </a:fillRef>
+            <a:effectRef idx="0">
+              <a:schemeClr val="accent1"/>
+            </a:effectRef>
+            <a:fontRef idx="minor">
+              <a:schemeClr val="lt1"/>
+            </a:fontRef>
+          </p:style>
+          <p:txBody>
+            <a:bodyPr rtlCol="0" anchor="ctr"/>
+            <a:lstStyle/>
+            <a:p>
+              <a:pPr algn="ctr"/>
+              <a:endParaRPr lang="en-US"/>
+            </a:p>
+          </p:txBody>
+        </p:sp>
+      </p:grpSp>
       <p:sp>
         <p:nvSpPr>
           <p:cNvPr id="2" name="Title 1">
             <a:extLst>
               <a:ext uri="{FF2B5EF4-FFF2-40B4-BE49-F238E27FC236}">
-                <a16:creationId xmlns:a16="http://schemas.microsoft.com/office/drawing/2014/main" id="{1DFFEB96-E4EC-8848-C99B-21BF1E800BF0}"/>
+                <a16:creationId xmlns:a16="http://schemas.microsoft.com/office/drawing/2014/main" id="{25AD1C10-1D20-B1EC-1FE2-F26649DE33C0}"/>
               </a:ext>
             </a:extLst>
           </p:cNvPr>
@@ -4208,47 +8134,196 @@
             <p:ph type="title"/>
           </p:nvPr>
         </p:nvSpPr>
-        <p:spPr/>
+        <p:spPr>
+          <a:xfrm>
+            <a:off x="550863" y="366639"/>
+            <a:ext cx="11090274" cy="675441"/>
+          </a:xfrm>
+        </p:spPr>
         <p:txBody>
-          <a:bodyPr/>
+          <a:bodyPr vert="horz" wrap="square" lIns="91440" tIns="45720" rIns="91440" bIns="45720" rtlCol="0" anchor="t">
+            <a:normAutofit/>
+          </a:bodyPr>
           <a:lstStyle/>
           <a:p>
             <a:r>
-              <a:rPr lang="hu-HU" dirty="0"/>
-              <a:t>Projekt tervezése (mobil alkalmazás)</a:t>
+              <a:rPr lang="en-US" sz="4200"/>
+              <a:t>Csapatmunka megvalósítása</a:t>
             </a:r>
           </a:p>
         </p:txBody>
       </p:sp>
-      <p:sp>
-        <p:nvSpPr>
-          <p:cNvPr id="3" name="Content Placeholder 2">
-            <a:extLst>
-              <a:ext uri="{FF2B5EF4-FFF2-40B4-BE49-F238E27FC236}">
-                <a16:creationId xmlns:a16="http://schemas.microsoft.com/office/drawing/2014/main" id="{11836637-3EA0-7193-3319-0EB2F0FE20C3}"/>
-              </a:ext>
-            </a:extLst>
-          </p:cNvPr>
-          <p:cNvSpPr>
-            <a:spLocks noGrp="1"/>
-          </p:cNvSpPr>
+      <p:pic>
+        <p:nvPicPr>
+          <p:cNvPr id="11" name="Picture 10" descr="A screenshot of a computer&#10;&#10;AI-generated content may be incorrect.">
+            <a:extLst>
+              <a:ext uri="{FF2B5EF4-FFF2-40B4-BE49-F238E27FC236}">
+                <a16:creationId xmlns:a16="http://schemas.microsoft.com/office/drawing/2014/main" id="{30C9490B-CE4C-17D7-7572-B95413DC67B3}"/>
+              </a:ext>
+            </a:extLst>
+          </p:cNvPr>
+          <p:cNvPicPr>
+            <a:picLocks noChangeAspect="1"/>
+          </p:cNvPicPr>
+          <p:nvPr/>
+        </p:nvPicPr>
+        <p:blipFill>
+          <a:blip r:embed="rId2">
+            <a:extLst>
+              <a:ext uri="{28A0092B-C50C-407E-A947-70E740481C1C}">
+                <a14:useLocalDpi xmlns:a14="http://schemas.microsoft.com/office/drawing/2010/main" val="0"/>
+              </a:ext>
+            </a:extLst>
+          </a:blip>
+          <a:stretch>
+            <a:fillRect/>
+          </a:stretch>
+        </p:blipFill>
+        <p:spPr>
+          <a:xfrm>
+            <a:off x="550863" y="3362698"/>
+            <a:ext cx="3689045" cy="1715406"/>
+          </a:xfrm>
+          <a:prstGeom prst="rect">
+            <a:avLst/>
+          </a:prstGeom>
+          <a:effectLst>
+            <a:outerShdw blurRad="508000" dist="101600" dir="5400000" algn="tl" rotWithShape="0">
+              <a:prstClr val="black">
+                <a:alpha val="10000"/>
+              </a:prstClr>
+            </a:outerShdw>
+          </a:effectLst>
+        </p:spPr>
+      </p:pic>
+      <p:pic>
+        <p:nvPicPr>
+          <p:cNvPr id="7" name="Picture 6" descr="A black background with white lines&#10;&#10;AI-generated content may be incorrect.">
+            <a:extLst>
+              <a:ext uri="{FF2B5EF4-FFF2-40B4-BE49-F238E27FC236}">
+                <a16:creationId xmlns:a16="http://schemas.microsoft.com/office/drawing/2014/main" id="{2189AEE4-FA9E-AEA0-2846-22761934405F}"/>
+              </a:ext>
+            </a:extLst>
+          </p:cNvPr>
+          <p:cNvPicPr>
+            <a:picLocks noChangeAspect="1"/>
+          </p:cNvPicPr>
+          <p:nvPr/>
+        </p:nvPicPr>
+        <p:blipFill>
+          <a:blip r:embed="rId3">
+            <a:extLst>
+              <a:ext uri="{28A0092B-C50C-407E-A947-70E740481C1C}">
+                <a14:useLocalDpi xmlns:a14="http://schemas.microsoft.com/office/drawing/2010/main" val="0"/>
+              </a:ext>
+            </a:extLst>
+          </a:blip>
+          <a:stretch>
+            <a:fillRect/>
+          </a:stretch>
+        </p:blipFill>
+        <p:spPr>
+          <a:xfrm>
+            <a:off x="4419907" y="3454513"/>
+            <a:ext cx="3689045" cy="1530954"/>
+          </a:xfrm>
+          <a:prstGeom prst="rect">
+            <a:avLst/>
+          </a:prstGeom>
+        </p:spPr>
+      </p:pic>
+      <p:pic>
+        <p:nvPicPr>
+          <p:cNvPr id="5" name="Content Placeholder 4" descr="A black rectangle with white lines&#10;&#10;AI-generated content may be incorrect.">
+            <a:extLst>
+              <a:ext uri="{FF2B5EF4-FFF2-40B4-BE49-F238E27FC236}">
+                <a16:creationId xmlns:a16="http://schemas.microsoft.com/office/drawing/2014/main" id="{4B98A61A-176B-C2A5-FA0F-92C13253B61E}"/>
+              </a:ext>
+            </a:extLst>
+          </p:cNvPr>
+          <p:cNvPicPr>
+            <a:picLocks noGrp="1" noChangeAspect="1"/>
+          </p:cNvPicPr>
           <p:nvPr>
             <p:ph idx="1"/>
           </p:nvPr>
-        </p:nvSpPr>
-        <p:spPr/>
-        <p:txBody>
-          <a:bodyPr/>
-          <a:lstStyle/>
-          <a:p>
-            <a:endParaRPr lang="hu-HU"/>
-          </a:p>
-        </p:txBody>
-      </p:sp>
+        </p:nvPicPr>
+        <p:blipFill>
+          <a:blip r:embed="rId4">
+            <a:extLst>
+              <a:ext uri="{28A0092B-C50C-407E-A947-70E740481C1C}">
+                <a14:useLocalDpi xmlns:a14="http://schemas.microsoft.com/office/drawing/2010/main" val="0"/>
+              </a:ext>
+            </a:extLst>
+          </a:blip>
+          <a:stretch>
+            <a:fillRect/>
+          </a:stretch>
+        </p:blipFill>
+        <p:spPr>
+          <a:xfrm>
+            <a:off x="8292124" y="2485219"/>
+            <a:ext cx="3359899" cy="1293561"/>
+          </a:xfrm>
+          <a:prstGeom prst="rect">
+            <a:avLst/>
+          </a:prstGeom>
+          <a:effectLst>
+            <a:outerShdw blurRad="508000" dist="101600" dir="5400000" algn="tl" rotWithShape="0">
+              <a:prstClr val="black">
+                <a:alpha val="10000"/>
+              </a:prstClr>
+            </a:outerShdw>
+          </a:effectLst>
+        </p:spPr>
+      </p:pic>
+      <p:pic>
+        <p:nvPicPr>
+          <p:cNvPr id="9" name="Picture 8" descr="A black background with white lines&#10;&#10;AI-generated content may be incorrect.">
+            <a:extLst>
+              <a:ext uri="{FF2B5EF4-FFF2-40B4-BE49-F238E27FC236}">
+                <a16:creationId xmlns:a16="http://schemas.microsoft.com/office/drawing/2014/main" id="{0AFDC154-3A4E-C43C-2123-11D06C5C1635}"/>
+              </a:ext>
+            </a:extLst>
+          </p:cNvPr>
+          <p:cNvPicPr>
+            <a:picLocks noChangeAspect="1"/>
+          </p:cNvPicPr>
+          <p:nvPr/>
+        </p:nvPicPr>
+        <p:blipFill>
+          <a:blip r:embed="rId3">
+            <a:extLst>
+              <a:ext uri="{28A0092B-C50C-407E-A947-70E740481C1C}">
+                <a14:useLocalDpi xmlns:a14="http://schemas.microsoft.com/office/drawing/2010/main" val="0"/>
+              </a:ext>
+            </a:extLst>
+          </a:blip>
+          <a:stretch>
+            <a:fillRect/>
+          </a:stretch>
+        </p:blipFill>
+        <p:spPr>
+          <a:xfrm>
+            <a:off x="8292124" y="4610429"/>
+            <a:ext cx="3358800" cy="1393902"/>
+          </a:xfrm>
+          <a:prstGeom prst="rect">
+            <a:avLst/>
+          </a:prstGeom>
+          <a:effectLst>
+            <a:outerShdw blurRad="508000" dist="101600" dir="5400000" algn="tl" rotWithShape="0">
+              <a:prstClr val="black">
+                <a:alpha val="10000"/>
+              </a:prstClr>
+            </a:outerShdw>
+          </a:effectLst>
+        </p:spPr>
+      </p:pic>
     </p:spTree>
     <p:extLst>
       <p:ext uri="{BB962C8B-B14F-4D97-AF65-F5344CB8AC3E}">
-        <p14:creationId xmlns:p14="http://schemas.microsoft.com/office/powerpoint/2010/main" val="3311756763"/>
+        <p14:creationId xmlns:p14="http://schemas.microsoft.com/office/powerpoint/2010/main" val="1747291484"/>
       </p:ext>
     </p:extLst>
   </p:cSld>
@@ -4261,6 +8336,14 @@
 <file path=ppt/slides/slide8.xml><?xml version="1.0" encoding="utf-8"?>
 <p:sld xmlns:a="http://schemas.openxmlformats.org/drawingml/2006/main" xmlns:r="http://schemas.openxmlformats.org/officeDocument/2006/relationships" xmlns:p="http://schemas.openxmlformats.org/presentationml/2006/main">
   <p:cSld>
+    <p:bg>
+      <p:bgPr>
+        <a:solidFill>
+          <a:schemeClr val="bg1"/>
+        </a:solidFill>
+        <a:effectLst/>
+      </p:bgPr>
+    </p:bg>
     <p:spTree>
       <p:nvGrpSpPr>
         <p:cNvPr id="1" name=""/>
@@ -4275,12 +8358,247 @@
           <a:chExt cx="0" cy="0"/>
         </a:xfrm>
       </p:grpSpPr>
+      <p:sp useBgFill="1">
+        <p:nvSpPr>
+          <p:cNvPr id="16" name="Rectangle 15">
+            <a:extLst>
+              <a:ext uri="{FF2B5EF4-FFF2-40B4-BE49-F238E27FC236}">
+                <a16:creationId xmlns:a16="http://schemas.microsoft.com/office/drawing/2014/main" id="{B4059D9B-2E55-47FE-A188-0F9BD734E0A0}"/>
+              </a:ext>
+              <a:ext uri="{C183D7F6-B498-43B3-948B-1728B52AA6E4}">
+                <adec:decorative xmlns:adec="http://schemas.microsoft.com/office/drawing/2017/decorative" val="1"/>
+              </a:ext>
+            </a:extLst>
+          </p:cNvPr>
+          <p:cNvSpPr>
+            <a:spLocks noGrp="1" noRot="1" noChangeAspect="1" noMove="1" noResize="1" noEditPoints="1" noAdjustHandles="1" noChangeArrowheads="1" noChangeShapeType="1" noTextEdit="1"/>
+          </p:cNvSpPr>
+          <p:nvPr>
+            <p:extLst>
+              <p:ext uri="{386F3935-93C4-4BCD-93E2-E3B085C9AB24}">
+                <p16:designElem xmlns:p16="http://schemas.microsoft.com/office/powerpoint/2015/main" val="1"/>
+              </p:ext>
+            </p:extLst>
+          </p:nvPr>
+        </p:nvSpPr>
+        <p:spPr>
+          <a:xfrm>
+            <a:off x="0" y="0"/>
+            <a:ext cx="12192000" cy="6858000"/>
+          </a:xfrm>
+          <a:prstGeom prst="rect">
+            <a:avLst/>
+          </a:prstGeom>
+          <a:ln w="12700" cap="flat" cmpd="sng" algn="ctr">
+            <a:noFill/>
+            <a:prstDash val="solid"/>
+            <a:miter lim="800000"/>
+          </a:ln>
+          <a:effectLst/>
+          <a:extLst>
+            <a:ext uri="{91240B29-F687-4F45-9708-019B960494DF}">
+              <a14:hiddenLine xmlns:a14="http://schemas.microsoft.com/office/drawing/2010/main" w="12700" cap="flat" cmpd="sng" algn="ctr">
+                <a:solidFill>
+                  <a:schemeClr val="accent1">
+                    <a:shade val="50000"/>
+                  </a:schemeClr>
+                </a:solidFill>
+                <a:prstDash val="solid"/>
+                <a:miter lim="800000"/>
+              </a14:hiddenLine>
+            </a:ext>
+          </a:extLst>
+        </p:spPr>
+        <p:style>
+          <a:lnRef idx="2">
+            <a:schemeClr val="accent1">
+              <a:shade val="50000"/>
+            </a:schemeClr>
+          </a:lnRef>
+          <a:fillRef idx="1">
+            <a:schemeClr val="accent1"/>
+          </a:fillRef>
+          <a:effectRef idx="0">
+            <a:schemeClr val="accent1"/>
+          </a:effectRef>
+          <a:fontRef idx="minor">
+            <a:schemeClr val="lt1"/>
+          </a:fontRef>
+        </p:style>
+        <p:txBody>
+          <a:bodyPr rtlCol="0" anchor="ctr"/>
+          <a:lstStyle/>
+          <a:p>
+            <a:pPr algn="ctr"/>
+            <a:endParaRPr lang="en-US"/>
+          </a:p>
+        </p:txBody>
+      </p:sp>
+      <p:grpSp>
+        <p:nvGrpSpPr>
+          <p:cNvPr id="18" name="Group 17">
+            <a:extLst>
+              <a:ext uri="{FF2B5EF4-FFF2-40B4-BE49-F238E27FC236}">
+                <a16:creationId xmlns:a16="http://schemas.microsoft.com/office/drawing/2014/main" id="{F938B951-7EFC-40A2-B198-E73D39DFB3FC}"/>
+              </a:ext>
+              <a:ext uri="{C183D7F6-B498-43B3-948B-1728B52AA6E4}">
+                <adec:decorative xmlns:adec="http://schemas.microsoft.com/office/drawing/2017/decorative" val="1"/>
+              </a:ext>
+            </a:extLst>
+          </p:cNvPr>
+          <p:cNvGrpSpPr>
+            <a:grpSpLocks noGrp="1" noUngrp="1" noRot="1" noChangeAspect="1" noMove="1" noResize="1"/>
+          </p:cNvGrpSpPr>
+          <p:nvPr>
+            <p:extLst>
+              <p:ext uri="{386F3935-93C4-4BCD-93E2-E3B085C9AB24}">
+                <p16:designElem xmlns:p16="http://schemas.microsoft.com/office/powerpoint/2015/main" val="1"/>
+              </p:ext>
+            </p:extLst>
+          </p:nvPr>
+        </p:nvGrpSpPr>
+        <p:grpSpPr>
+          <a:xfrm>
+            <a:off x="0" y="0"/>
+            <a:ext cx="12192000" cy="6858000"/>
+            <a:chOff x="0" y="0"/>
+            <a:chExt cx="12192000" cy="6858000"/>
+          </a:xfrm>
+        </p:grpSpPr>
+        <p:sp>
+          <p:nvSpPr>
+            <p:cNvPr id="19" name="Rectangle 18">
+              <a:extLst>
+                <a:ext uri="{FF2B5EF4-FFF2-40B4-BE49-F238E27FC236}">
+                  <a16:creationId xmlns:a16="http://schemas.microsoft.com/office/drawing/2014/main" id="{92E4506E-6A0E-49A0-BC31-8CADBFF3ECCF}"/>
+                </a:ext>
+                <a:ext uri="{C183D7F6-B498-43B3-948B-1728B52AA6E4}">
+                  <adec:decorative xmlns:adec="http://schemas.microsoft.com/office/drawing/2017/decorative" val="1"/>
+                </a:ext>
+              </a:extLst>
+            </p:cNvPr>
+            <p:cNvSpPr/>
+            <p:nvPr>
+              <p:extLst>
+                <p:ext uri="{386F3935-93C4-4BCD-93E2-E3B085C9AB24}">
+                  <p16:designElem xmlns:p16="http://schemas.microsoft.com/office/powerpoint/2015/main" val="1"/>
+                </p:ext>
+              </p:extLst>
+            </p:nvPr>
+          </p:nvSpPr>
+          <p:spPr>
+            <a:xfrm>
+              <a:off x="0" y="0"/>
+              <a:ext cx="12192000" cy="6858000"/>
+            </a:xfrm>
+            <a:prstGeom prst="rect">
+              <a:avLst/>
+            </a:prstGeom>
+            <a:solidFill>
+              <a:schemeClr val="bg1">
+                <a:lumMod val="95000"/>
+              </a:schemeClr>
+            </a:solidFill>
+            <a:ln>
+              <a:noFill/>
+            </a:ln>
+          </p:spPr>
+          <p:style>
+            <a:lnRef idx="2">
+              <a:schemeClr val="accent1">
+                <a:shade val="50000"/>
+              </a:schemeClr>
+            </a:lnRef>
+            <a:fillRef idx="1">
+              <a:schemeClr val="accent1"/>
+            </a:fillRef>
+            <a:effectRef idx="0">
+              <a:schemeClr val="accent1"/>
+            </a:effectRef>
+            <a:fontRef idx="minor">
+              <a:schemeClr val="lt1"/>
+            </a:fontRef>
+          </p:style>
+          <p:txBody>
+            <a:bodyPr rtlCol="0" anchor="ctr"/>
+            <a:lstStyle/>
+            <a:p>
+              <a:pPr algn="ctr"/>
+              <a:endParaRPr lang="en-US"/>
+            </a:p>
+          </p:txBody>
+        </p:sp>
+        <p:sp>
+          <p:nvSpPr>
+            <p:cNvPr id="20" name="Rectangle 19">
+              <a:extLst>
+                <a:ext uri="{FF2B5EF4-FFF2-40B4-BE49-F238E27FC236}">
+                  <a16:creationId xmlns:a16="http://schemas.microsoft.com/office/drawing/2014/main" id="{EEED4D51-65BF-4AEE-B596-7CB61A70B966}"/>
+                </a:ext>
+                <a:ext uri="{C183D7F6-B498-43B3-948B-1728B52AA6E4}">
+                  <adec:decorative xmlns:adec="http://schemas.microsoft.com/office/drawing/2017/decorative" val="1"/>
+                </a:ext>
+              </a:extLst>
+            </p:cNvPr>
+            <p:cNvSpPr/>
+            <p:nvPr>
+              <p:extLst>
+                <p:ext uri="{386F3935-93C4-4BCD-93E2-E3B085C9AB24}">
+                  <p16:designElem xmlns:p16="http://schemas.microsoft.com/office/powerpoint/2015/main" val="1"/>
+                </p:ext>
+              </p:extLst>
+            </p:nvPr>
+          </p:nvSpPr>
+          <p:spPr>
+            <a:xfrm>
+              <a:off x="0" y="0"/>
+              <a:ext cx="12192000" cy="6858000"/>
+            </a:xfrm>
+            <a:prstGeom prst="rect">
+              <a:avLst/>
+            </a:prstGeom>
+            <a:solidFill>
+              <a:schemeClr val="accent4">
+                <a:lumMod val="75000"/>
+                <a:alpha val="7000"/>
+              </a:schemeClr>
+            </a:solidFill>
+            <a:ln>
+              <a:noFill/>
+            </a:ln>
+          </p:spPr>
+          <p:style>
+            <a:lnRef idx="2">
+              <a:schemeClr val="accent1">
+                <a:shade val="50000"/>
+              </a:schemeClr>
+            </a:lnRef>
+            <a:fillRef idx="1">
+              <a:schemeClr val="accent1"/>
+            </a:fillRef>
+            <a:effectRef idx="0">
+              <a:schemeClr val="accent1"/>
+            </a:effectRef>
+            <a:fontRef idx="minor">
+              <a:schemeClr val="lt1"/>
+            </a:fontRef>
+          </p:style>
+          <p:txBody>
+            <a:bodyPr rtlCol="0" anchor="ctr"/>
+            <a:lstStyle/>
+            <a:p>
+              <a:pPr algn="ctr"/>
+              <a:endParaRPr lang="en-US"/>
+            </a:p>
+          </p:txBody>
+        </p:sp>
+      </p:grpSp>
       <p:sp>
         <p:nvSpPr>
           <p:cNvPr id="2" name="Title 1">
             <a:extLst>
               <a:ext uri="{FF2B5EF4-FFF2-40B4-BE49-F238E27FC236}">
-                <a16:creationId xmlns:a16="http://schemas.microsoft.com/office/drawing/2014/main" id="{7551C4F4-AD66-70B0-8937-F8029704B1C3}"/>
+                <a16:creationId xmlns:a16="http://schemas.microsoft.com/office/drawing/2014/main" id="{AF22DB72-DB5B-586E-A2C2-68D0BFAE288E}"/>
               </a:ext>
             </a:extLst>
           </p:cNvPr>
@@ -4291,130 +8609,196 @@
             <p:ph type="title"/>
           </p:nvPr>
         </p:nvSpPr>
-        <p:spPr/>
-        <p:txBody>
-          <a:bodyPr/>
-          <a:lstStyle/>
-          <a:p>
-            <a:r>
-              <a:rPr lang="hu-HU" dirty="0"/>
-              <a:t>Asztali alkalmazás működése</a:t>
-            </a:r>
-          </a:p>
-        </p:txBody>
-      </p:sp>
-      <p:sp>
-        <p:nvSpPr>
-          <p:cNvPr id="3" name="Content Placeholder 2">
-            <a:extLst>
-              <a:ext uri="{FF2B5EF4-FFF2-40B4-BE49-F238E27FC236}">
-                <a16:creationId xmlns:a16="http://schemas.microsoft.com/office/drawing/2014/main" id="{64751E23-EC53-B39E-7B73-CFEEC8CC53F2}"/>
-              </a:ext>
-            </a:extLst>
-          </p:cNvPr>
-          <p:cNvSpPr>
-            <a:spLocks noGrp="1"/>
-          </p:cNvSpPr>
-          <p:nvPr>
-            <p:ph idx="1"/>
-          </p:nvPr>
-        </p:nvSpPr>
         <p:spPr>
           <a:xfrm>
-            <a:off x="838200" y="1825625"/>
-            <a:ext cx="10515600" cy="4667250"/>
+            <a:off x="550863" y="366639"/>
+            <a:ext cx="11090274" cy="675441"/>
           </a:xfrm>
         </p:spPr>
         <p:txBody>
-          <a:bodyPr/>
+          <a:bodyPr vert="horz" wrap="square" lIns="91440" tIns="45720" rIns="91440" bIns="45720" rtlCol="0" anchor="t">
+            <a:normAutofit/>
+          </a:bodyPr>
           <a:lstStyle/>
           <a:p>
             <a:r>
-              <a:rPr lang="hu-HU" dirty="0">
-                <a:hlinkClick r:id="rId2" action="ppaction://hlinkfile"/>
-              </a:rPr>
-              <a:t>tests\createCar.wmv</a:t>
-            </a:r>
-            <a:endParaRPr lang="hu-HU" dirty="0"/>
-          </a:p>
-          <a:p>
-            <a:r>
-              <a:rPr lang="hu-HU" dirty="0">
-                <a:hlinkClick r:id="rId3" action="ppaction://hlinkfile"/>
-              </a:rPr>
-              <a:t>tests\createWorker.mp4</a:t>
-            </a:r>
-            <a:endParaRPr lang="hu-HU" dirty="0"/>
-          </a:p>
-          <a:p>
-            <a:r>
-              <a:rPr lang="hu-HU" dirty="0">
-                <a:hlinkClick r:id="rId4" action="ppaction://hlinkfile"/>
-              </a:rPr>
-              <a:t>tests\deleteCar.mp4</a:t>
-            </a:r>
-            <a:endParaRPr lang="hu-HU" dirty="0"/>
-          </a:p>
-          <a:p>
-            <a:r>
-              <a:rPr lang="hu-HU" dirty="0">
-                <a:hlinkClick r:id="rId5" action="ppaction://hlinkfile"/>
-              </a:rPr>
-              <a:t>tests\deleteRent.mp4</a:t>
-            </a:r>
-            <a:endParaRPr lang="hu-HU" dirty="0"/>
-          </a:p>
-          <a:p>
-            <a:r>
-              <a:rPr lang="hu-HU" dirty="0">
-                <a:hlinkClick r:id="rId6" action="ppaction://hlinkfile"/>
-              </a:rPr>
-              <a:t>tests\deleteWorker.mp4</a:t>
-            </a:r>
-            <a:endParaRPr lang="hu-HU" dirty="0"/>
-          </a:p>
-          <a:p>
-            <a:r>
-              <a:rPr lang="hu-HU" dirty="0">
-                <a:hlinkClick r:id="rId7" action="ppaction://hlinkfile"/>
-              </a:rPr>
-              <a:t>tests\login.wmv</a:t>
-            </a:r>
-            <a:endParaRPr lang="hu-HU" dirty="0"/>
-          </a:p>
-          <a:p>
-            <a:r>
-              <a:rPr lang="hu-HU" dirty="0">
-                <a:hlinkClick r:id="rId8" action="ppaction://hlinkfile"/>
-              </a:rPr>
-              <a:t>tests\updateCar.mp4</a:t>
-            </a:r>
-            <a:endParaRPr lang="hu-HU" dirty="0"/>
-          </a:p>
-          <a:p>
-            <a:r>
-              <a:rPr lang="hu-HU" dirty="0">
-                <a:hlinkClick r:id="rId9" action="ppaction://hlinkfile"/>
-              </a:rPr>
-              <a:t>tests\updateRent.mp4</a:t>
-            </a:r>
-            <a:endParaRPr lang="hu-HU" dirty="0"/>
-          </a:p>
-          <a:p>
-            <a:r>
-              <a:rPr lang="hu-HU" dirty="0">
-                <a:hlinkClick r:id="rId10" action="ppaction://hlinkfile"/>
-              </a:rPr>
-              <a:t>tests\updateWorker.mp4</a:t>
-            </a:r>
-            <a:endParaRPr lang="hu-HU" dirty="0"/>
+              <a:rPr lang="en-US" sz="4200"/>
+              <a:t>Csapatmunka megvalósítása</a:t>
+            </a:r>
           </a:p>
         </p:txBody>
       </p:sp>
+      <p:pic>
+        <p:nvPicPr>
+          <p:cNvPr id="5" name="Content Placeholder 4" descr="A screenshot of a computer&#10;&#10;AI-generated content may be incorrect.">
+            <a:extLst>
+              <a:ext uri="{FF2B5EF4-FFF2-40B4-BE49-F238E27FC236}">
+                <a16:creationId xmlns:a16="http://schemas.microsoft.com/office/drawing/2014/main" id="{70FFEB67-B546-69A5-A988-7BA28ECD93AF}"/>
+              </a:ext>
+            </a:extLst>
+          </p:cNvPr>
+          <p:cNvPicPr>
+            <a:picLocks noGrp="1" noChangeAspect="1"/>
+          </p:cNvPicPr>
+          <p:nvPr>
+            <p:ph idx="1"/>
+          </p:nvPr>
+        </p:nvPicPr>
+        <p:blipFill>
+          <a:blip r:embed="rId2">
+            <a:extLst>
+              <a:ext uri="{28A0092B-C50C-407E-A947-70E740481C1C}">
+                <a14:useLocalDpi xmlns:a14="http://schemas.microsoft.com/office/drawing/2010/main" val="0"/>
+              </a:ext>
+            </a:extLst>
+          </a:blip>
+          <a:stretch>
+            <a:fillRect/>
+          </a:stretch>
+        </p:blipFill>
+        <p:spPr>
+          <a:xfrm>
+            <a:off x="550863" y="3270472"/>
+            <a:ext cx="3689045" cy="1899858"/>
+          </a:xfrm>
+          <a:prstGeom prst="rect">
+            <a:avLst/>
+          </a:prstGeom>
+          <a:effectLst>
+            <a:outerShdw blurRad="508000" dist="101600" dir="5400000" algn="tl" rotWithShape="0">
+              <a:prstClr val="black">
+                <a:alpha val="10000"/>
+              </a:prstClr>
+            </a:outerShdw>
+          </a:effectLst>
+        </p:spPr>
+      </p:pic>
+      <p:pic>
+        <p:nvPicPr>
+          <p:cNvPr id="9" name="Picture 8" descr="A screenshot of a computer&#10;&#10;AI-generated content may be incorrect.">
+            <a:extLst>
+              <a:ext uri="{FF2B5EF4-FFF2-40B4-BE49-F238E27FC236}">
+                <a16:creationId xmlns:a16="http://schemas.microsoft.com/office/drawing/2014/main" id="{21F8D405-5947-9C2E-174B-6D3F83F8C7CA}"/>
+              </a:ext>
+            </a:extLst>
+          </p:cNvPr>
+          <p:cNvPicPr>
+            <a:picLocks noChangeAspect="1"/>
+          </p:cNvPicPr>
+          <p:nvPr/>
+        </p:nvPicPr>
+        <p:blipFill>
+          <a:blip r:embed="rId3">
+            <a:extLst>
+              <a:ext uri="{28A0092B-C50C-407E-A947-70E740481C1C}">
+                <a14:useLocalDpi xmlns:a14="http://schemas.microsoft.com/office/drawing/2010/main" val="0"/>
+              </a:ext>
+            </a:extLst>
+          </a:blip>
+          <a:stretch>
+            <a:fillRect/>
+          </a:stretch>
+        </p:blipFill>
+        <p:spPr>
+          <a:xfrm>
+            <a:off x="4419907" y="3311563"/>
+            <a:ext cx="3689045" cy="1816854"/>
+          </a:xfrm>
+          <a:prstGeom prst="rect">
+            <a:avLst/>
+          </a:prstGeom>
+        </p:spPr>
+      </p:pic>
+      <p:pic>
+        <p:nvPicPr>
+          <p:cNvPr id="11" name="Picture 10" descr="A black screen with white lines&#10;&#10;AI-generated content may be incorrect.">
+            <a:extLst>
+              <a:ext uri="{FF2B5EF4-FFF2-40B4-BE49-F238E27FC236}">
+                <a16:creationId xmlns:a16="http://schemas.microsoft.com/office/drawing/2014/main" id="{8B8BDBBD-1888-1B6A-859F-BA5CE31BF88A}"/>
+              </a:ext>
+            </a:extLst>
+          </p:cNvPr>
+          <p:cNvPicPr>
+            <a:picLocks noChangeAspect="1"/>
+          </p:cNvPicPr>
+          <p:nvPr/>
+        </p:nvPicPr>
+        <p:blipFill>
+          <a:blip r:embed="rId4">
+            <a:extLst>
+              <a:ext uri="{28A0092B-C50C-407E-A947-70E740481C1C}">
+                <a14:useLocalDpi xmlns:a14="http://schemas.microsoft.com/office/drawing/2010/main" val="0"/>
+              </a:ext>
+            </a:extLst>
+          </a:blip>
+          <a:stretch>
+            <a:fillRect/>
+          </a:stretch>
+        </p:blipFill>
+        <p:spPr>
+          <a:xfrm>
+            <a:off x="8292124" y="2581816"/>
+            <a:ext cx="3359899" cy="1100367"/>
+          </a:xfrm>
+          <a:prstGeom prst="rect">
+            <a:avLst/>
+          </a:prstGeom>
+          <a:effectLst>
+            <a:outerShdw blurRad="508000" dist="101600" dir="5400000" algn="tl" rotWithShape="0">
+              <a:prstClr val="black">
+                <a:alpha val="10000"/>
+              </a:prstClr>
+            </a:outerShdw>
+          </a:effectLst>
+        </p:spPr>
+      </p:pic>
+      <p:pic>
+        <p:nvPicPr>
+          <p:cNvPr id="7" name="Picture 6" descr="A screenshot of a computer&#10;&#10;AI-generated content may be incorrect.">
+            <a:extLst>
+              <a:ext uri="{FF2B5EF4-FFF2-40B4-BE49-F238E27FC236}">
+                <a16:creationId xmlns:a16="http://schemas.microsoft.com/office/drawing/2014/main" id="{6C7A243A-F337-A2A6-1A96-13AF6EA5C21E}"/>
+              </a:ext>
+            </a:extLst>
+          </p:cNvPr>
+          <p:cNvPicPr>
+            <a:picLocks noChangeAspect="1"/>
+          </p:cNvPicPr>
+          <p:nvPr/>
+        </p:nvPicPr>
+        <p:blipFill>
+          <a:blip r:embed="rId5">
+            <a:extLst>
+              <a:ext uri="{28A0092B-C50C-407E-A947-70E740481C1C}">
+                <a14:useLocalDpi xmlns:a14="http://schemas.microsoft.com/office/drawing/2010/main" val="0"/>
+              </a:ext>
+            </a:extLst>
+          </a:blip>
+          <a:stretch>
+            <a:fillRect/>
+          </a:stretch>
+        </p:blipFill>
+        <p:spPr>
+          <a:xfrm>
+            <a:off x="8292124" y="4501268"/>
+            <a:ext cx="3358800" cy="1612224"/>
+          </a:xfrm>
+          <a:prstGeom prst="rect">
+            <a:avLst/>
+          </a:prstGeom>
+          <a:effectLst>
+            <a:outerShdw blurRad="508000" dist="101600" dir="5400000" algn="tl" rotWithShape="0">
+              <a:prstClr val="black">
+                <a:alpha val="10000"/>
+              </a:prstClr>
+            </a:outerShdw>
+          </a:effectLst>
+        </p:spPr>
+      </p:pic>
     </p:spTree>
     <p:extLst>
       <p:ext uri="{BB962C8B-B14F-4D97-AF65-F5344CB8AC3E}">
-        <p14:creationId xmlns:p14="http://schemas.microsoft.com/office/powerpoint/2010/main" val="2043999389"/>
+        <p14:creationId xmlns:p14="http://schemas.microsoft.com/office/powerpoint/2010/main" val="3491658654"/>
       </p:ext>
     </p:extLst>
   </p:cSld>
@@ -4427,6 +8811,14 @@
 <file path=ppt/slides/slide9.xml><?xml version="1.0" encoding="utf-8"?>
 <p:sld xmlns:a="http://schemas.openxmlformats.org/drawingml/2006/main" xmlns:r="http://schemas.openxmlformats.org/officeDocument/2006/relationships" xmlns:p="http://schemas.openxmlformats.org/presentationml/2006/main">
   <p:cSld>
+    <p:bg>
+      <p:bgPr>
+        <a:solidFill>
+          <a:schemeClr val="bg1"/>
+        </a:solidFill>
+        <a:effectLst/>
+      </p:bgPr>
+    </p:bg>
     <p:spTree>
       <p:nvGrpSpPr>
         <p:cNvPr id="1" name=""/>
@@ -4441,12 +8833,247 @@
           <a:chExt cx="0" cy="0"/>
         </a:xfrm>
       </p:grpSpPr>
+      <p:sp useBgFill="1">
+        <p:nvSpPr>
+          <p:cNvPr id="16" name="Rectangle 15">
+            <a:extLst>
+              <a:ext uri="{FF2B5EF4-FFF2-40B4-BE49-F238E27FC236}">
+                <a16:creationId xmlns:a16="http://schemas.microsoft.com/office/drawing/2014/main" id="{B4059D9B-2E55-47FE-A188-0F9BD734E0A0}"/>
+              </a:ext>
+              <a:ext uri="{C183D7F6-B498-43B3-948B-1728B52AA6E4}">
+                <adec:decorative xmlns:adec="http://schemas.microsoft.com/office/drawing/2017/decorative" val="1"/>
+              </a:ext>
+            </a:extLst>
+          </p:cNvPr>
+          <p:cNvSpPr>
+            <a:spLocks noGrp="1" noRot="1" noChangeAspect="1" noMove="1" noResize="1" noEditPoints="1" noAdjustHandles="1" noChangeArrowheads="1" noChangeShapeType="1" noTextEdit="1"/>
+          </p:cNvSpPr>
+          <p:nvPr>
+            <p:extLst>
+              <p:ext uri="{386F3935-93C4-4BCD-93E2-E3B085C9AB24}">
+                <p16:designElem xmlns:p16="http://schemas.microsoft.com/office/powerpoint/2015/main" val="1"/>
+              </p:ext>
+            </p:extLst>
+          </p:nvPr>
+        </p:nvSpPr>
+        <p:spPr>
+          <a:xfrm>
+            <a:off x="0" y="0"/>
+            <a:ext cx="12192000" cy="6858000"/>
+          </a:xfrm>
+          <a:prstGeom prst="rect">
+            <a:avLst/>
+          </a:prstGeom>
+          <a:ln w="12700" cap="flat" cmpd="sng" algn="ctr">
+            <a:noFill/>
+            <a:prstDash val="solid"/>
+            <a:miter lim="800000"/>
+          </a:ln>
+          <a:effectLst/>
+          <a:extLst>
+            <a:ext uri="{91240B29-F687-4F45-9708-019B960494DF}">
+              <a14:hiddenLine xmlns:a14="http://schemas.microsoft.com/office/drawing/2010/main" w="12700" cap="flat" cmpd="sng" algn="ctr">
+                <a:solidFill>
+                  <a:schemeClr val="accent1">
+                    <a:shade val="50000"/>
+                  </a:schemeClr>
+                </a:solidFill>
+                <a:prstDash val="solid"/>
+                <a:miter lim="800000"/>
+              </a14:hiddenLine>
+            </a:ext>
+          </a:extLst>
+        </p:spPr>
+        <p:style>
+          <a:lnRef idx="2">
+            <a:schemeClr val="accent1">
+              <a:shade val="50000"/>
+            </a:schemeClr>
+          </a:lnRef>
+          <a:fillRef idx="1">
+            <a:schemeClr val="accent1"/>
+          </a:fillRef>
+          <a:effectRef idx="0">
+            <a:schemeClr val="accent1"/>
+          </a:effectRef>
+          <a:fontRef idx="minor">
+            <a:schemeClr val="lt1"/>
+          </a:fontRef>
+        </p:style>
+        <p:txBody>
+          <a:bodyPr rtlCol="0" anchor="ctr"/>
+          <a:lstStyle/>
+          <a:p>
+            <a:pPr algn="ctr"/>
+            <a:endParaRPr lang="en-US"/>
+          </a:p>
+        </p:txBody>
+      </p:sp>
+      <p:grpSp>
+        <p:nvGrpSpPr>
+          <p:cNvPr id="18" name="Group 17">
+            <a:extLst>
+              <a:ext uri="{FF2B5EF4-FFF2-40B4-BE49-F238E27FC236}">
+                <a16:creationId xmlns:a16="http://schemas.microsoft.com/office/drawing/2014/main" id="{F938B951-7EFC-40A2-B198-E73D39DFB3FC}"/>
+              </a:ext>
+              <a:ext uri="{C183D7F6-B498-43B3-948B-1728B52AA6E4}">
+                <adec:decorative xmlns:adec="http://schemas.microsoft.com/office/drawing/2017/decorative" val="1"/>
+              </a:ext>
+            </a:extLst>
+          </p:cNvPr>
+          <p:cNvGrpSpPr>
+            <a:grpSpLocks noGrp="1" noUngrp="1" noRot="1" noChangeAspect="1" noMove="1" noResize="1"/>
+          </p:cNvGrpSpPr>
+          <p:nvPr>
+            <p:extLst>
+              <p:ext uri="{386F3935-93C4-4BCD-93E2-E3B085C9AB24}">
+                <p16:designElem xmlns:p16="http://schemas.microsoft.com/office/powerpoint/2015/main" val="1"/>
+              </p:ext>
+            </p:extLst>
+          </p:nvPr>
+        </p:nvGrpSpPr>
+        <p:grpSpPr>
+          <a:xfrm>
+            <a:off x="0" y="0"/>
+            <a:ext cx="12192000" cy="6858000"/>
+            <a:chOff x="0" y="0"/>
+            <a:chExt cx="12192000" cy="6858000"/>
+          </a:xfrm>
+        </p:grpSpPr>
+        <p:sp>
+          <p:nvSpPr>
+            <p:cNvPr id="19" name="Rectangle 18">
+              <a:extLst>
+                <a:ext uri="{FF2B5EF4-FFF2-40B4-BE49-F238E27FC236}">
+                  <a16:creationId xmlns:a16="http://schemas.microsoft.com/office/drawing/2014/main" id="{92E4506E-6A0E-49A0-BC31-8CADBFF3ECCF}"/>
+                </a:ext>
+                <a:ext uri="{C183D7F6-B498-43B3-948B-1728B52AA6E4}">
+                  <adec:decorative xmlns:adec="http://schemas.microsoft.com/office/drawing/2017/decorative" val="1"/>
+                </a:ext>
+              </a:extLst>
+            </p:cNvPr>
+            <p:cNvSpPr/>
+            <p:nvPr>
+              <p:extLst>
+                <p:ext uri="{386F3935-93C4-4BCD-93E2-E3B085C9AB24}">
+                  <p16:designElem xmlns:p16="http://schemas.microsoft.com/office/powerpoint/2015/main" val="1"/>
+                </p:ext>
+              </p:extLst>
+            </p:nvPr>
+          </p:nvSpPr>
+          <p:spPr>
+            <a:xfrm>
+              <a:off x="0" y="0"/>
+              <a:ext cx="12192000" cy="6858000"/>
+            </a:xfrm>
+            <a:prstGeom prst="rect">
+              <a:avLst/>
+            </a:prstGeom>
+            <a:solidFill>
+              <a:schemeClr val="bg1">
+                <a:lumMod val="95000"/>
+              </a:schemeClr>
+            </a:solidFill>
+            <a:ln>
+              <a:noFill/>
+            </a:ln>
+          </p:spPr>
+          <p:style>
+            <a:lnRef idx="2">
+              <a:schemeClr val="accent1">
+                <a:shade val="50000"/>
+              </a:schemeClr>
+            </a:lnRef>
+            <a:fillRef idx="1">
+              <a:schemeClr val="accent1"/>
+            </a:fillRef>
+            <a:effectRef idx="0">
+              <a:schemeClr val="accent1"/>
+            </a:effectRef>
+            <a:fontRef idx="minor">
+              <a:schemeClr val="lt1"/>
+            </a:fontRef>
+          </p:style>
+          <p:txBody>
+            <a:bodyPr rtlCol="0" anchor="ctr"/>
+            <a:lstStyle/>
+            <a:p>
+              <a:pPr algn="ctr"/>
+              <a:endParaRPr lang="en-US"/>
+            </a:p>
+          </p:txBody>
+        </p:sp>
+        <p:sp>
+          <p:nvSpPr>
+            <p:cNvPr id="20" name="Rectangle 19">
+              <a:extLst>
+                <a:ext uri="{FF2B5EF4-FFF2-40B4-BE49-F238E27FC236}">
+                  <a16:creationId xmlns:a16="http://schemas.microsoft.com/office/drawing/2014/main" id="{EEED4D51-65BF-4AEE-B596-7CB61A70B966}"/>
+                </a:ext>
+                <a:ext uri="{C183D7F6-B498-43B3-948B-1728B52AA6E4}">
+                  <adec:decorative xmlns:adec="http://schemas.microsoft.com/office/drawing/2017/decorative" val="1"/>
+                </a:ext>
+              </a:extLst>
+            </p:cNvPr>
+            <p:cNvSpPr/>
+            <p:nvPr>
+              <p:extLst>
+                <p:ext uri="{386F3935-93C4-4BCD-93E2-E3B085C9AB24}">
+                  <p16:designElem xmlns:p16="http://schemas.microsoft.com/office/powerpoint/2015/main" val="1"/>
+                </p:ext>
+              </p:extLst>
+            </p:nvPr>
+          </p:nvSpPr>
+          <p:spPr>
+            <a:xfrm>
+              <a:off x="0" y="0"/>
+              <a:ext cx="12192000" cy="6858000"/>
+            </a:xfrm>
+            <a:prstGeom prst="rect">
+              <a:avLst/>
+            </a:prstGeom>
+            <a:solidFill>
+              <a:schemeClr val="accent4">
+                <a:lumMod val="75000"/>
+                <a:alpha val="7000"/>
+              </a:schemeClr>
+            </a:solidFill>
+            <a:ln>
+              <a:noFill/>
+            </a:ln>
+          </p:spPr>
+          <p:style>
+            <a:lnRef idx="2">
+              <a:schemeClr val="accent1">
+                <a:shade val="50000"/>
+              </a:schemeClr>
+            </a:lnRef>
+            <a:fillRef idx="1">
+              <a:schemeClr val="accent1"/>
+            </a:fillRef>
+            <a:effectRef idx="0">
+              <a:schemeClr val="accent1"/>
+            </a:effectRef>
+            <a:fontRef idx="minor">
+              <a:schemeClr val="lt1"/>
+            </a:fontRef>
+          </p:style>
+          <p:txBody>
+            <a:bodyPr rtlCol="0" anchor="ctr"/>
+            <a:lstStyle/>
+            <a:p>
+              <a:pPr algn="ctr"/>
+              <a:endParaRPr lang="en-US"/>
+            </a:p>
+          </p:txBody>
+        </p:sp>
+      </p:grpSp>
       <p:sp>
         <p:nvSpPr>
           <p:cNvPr id="2" name="Title 1">
             <a:extLst>
               <a:ext uri="{FF2B5EF4-FFF2-40B4-BE49-F238E27FC236}">
-                <a16:creationId xmlns:a16="http://schemas.microsoft.com/office/drawing/2014/main" id="{9A0D7FBE-7B7C-E4FD-138F-166AB897DB63}"/>
+                <a16:creationId xmlns:a16="http://schemas.microsoft.com/office/drawing/2014/main" id="{1F9BFBAB-D3FE-996D-F50C-32B7A84C9223}"/>
               </a:ext>
             </a:extLst>
           </p:cNvPr>
@@ -4454,50 +9081,199 @@
             <a:spLocks noGrp="1"/>
           </p:cNvSpPr>
           <p:nvPr>
-            <p:ph type="ctrTitle"/>
+            <p:ph type="title"/>
           </p:nvPr>
         </p:nvSpPr>
-        <p:spPr/>
+        <p:spPr>
+          <a:xfrm>
+            <a:off x="550863" y="366639"/>
+            <a:ext cx="11090274" cy="675441"/>
+          </a:xfrm>
+        </p:spPr>
         <p:txBody>
-          <a:bodyPr/>
+          <a:bodyPr vert="horz" wrap="square" lIns="91440" tIns="45720" rIns="91440" bIns="45720" rtlCol="0" anchor="t">
+            <a:normAutofit/>
+          </a:bodyPr>
           <a:lstStyle/>
           <a:p>
             <a:r>
-              <a:rPr lang="hu-HU"/>
-              <a:t>Köszönjük a figyelmet!</a:t>
+              <a:rPr lang="en-US" sz="4200"/>
+              <a:t>Csapatmunka megvalósítása</a:t>
             </a:r>
           </a:p>
         </p:txBody>
       </p:sp>
-      <p:sp>
-        <p:nvSpPr>
-          <p:cNvPr id="3" name="Subtitle 2">
-            <a:extLst>
-              <a:ext uri="{FF2B5EF4-FFF2-40B4-BE49-F238E27FC236}">
-                <a16:creationId xmlns:a16="http://schemas.microsoft.com/office/drawing/2014/main" id="{617541EF-15EE-C24E-922A-A018DAB84AE2}"/>
-              </a:ext>
-            </a:extLst>
-          </p:cNvPr>
-          <p:cNvSpPr>
-            <a:spLocks noGrp="1"/>
-          </p:cNvSpPr>
-          <p:nvPr>
-            <p:ph type="subTitle" idx="1"/>
-          </p:nvPr>
-        </p:nvSpPr>
-        <p:spPr/>
-        <p:txBody>
-          <a:bodyPr/>
-          <a:lstStyle/>
-          <a:p>
-            <a:endParaRPr lang="hu-HU"/>
-          </a:p>
-        </p:txBody>
-      </p:sp>
+      <p:pic>
+        <p:nvPicPr>
+          <p:cNvPr id="7" name="Picture 6" descr="A black screen with white lines&#10;&#10;AI-generated content may be incorrect.">
+            <a:extLst>
+              <a:ext uri="{FF2B5EF4-FFF2-40B4-BE49-F238E27FC236}">
+                <a16:creationId xmlns:a16="http://schemas.microsoft.com/office/drawing/2014/main" id="{F71585EE-AB78-E81E-DE1F-E70E67F6DBFA}"/>
+              </a:ext>
+            </a:extLst>
+          </p:cNvPr>
+          <p:cNvPicPr>
+            <a:picLocks noChangeAspect="1"/>
+          </p:cNvPicPr>
+          <p:nvPr/>
+        </p:nvPicPr>
+        <p:blipFill>
+          <a:blip r:embed="rId2">
+            <a:extLst>
+              <a:ext uri="{28A0092B-C50C-407E-A947-70E740481C1C}">
+                <a14:useLocalDpi xmlns:a14="http://schemas.microsoft.com/office/drawing/2010/main" val="0"/>
+              </a:ext>
+            </a:extLst>
+          </a:blip>
+          <a:stretch>
+            <a:fillRect/>
+          </a:stretch>
+        </p:blipFill>
+        <p:spPr>
+          <a:xfrm>
+            <a:off x="550863" y="3219748"/>
+            <a:ext cx="3689045" cy="2001306"/>
+          </a:xfrm>
+          <a:prstGeom prst="rect">
+            <a:avLst/>
+          </a:prstGeom>
+          <a:effectLst>
+            <a:outerShdw blurRad="508000" dist="101600" dir="5400000" algn="tl" rotWithShape="0">
+              <a:prstClr val="black">
+                <a:alpha val="10000"/>
+              </a:prstClr>
+            </a:outerShdw>
+          </a:effectLst>
+        </p:spPr>
+      </p:pic>
+      <p:pic>
+        <p:nvPicPr>
+          <p:cNvPr id="9" name="Picture 8" descr="A screenshot of a computer&#10;&#10;AI-generated content may be incorrect.">
+            <a:extLst>
+              <a:ext uri="{FF2B5EF4-FFF2-40B4-BE49-F238E27FC236}">
+                <a16:creationId xmlns:a16="http://schemas.microsoft.com/office/drawing/2014/main" id="{531583F3-C04C-0998-F59C-8B80018ED527}"/>
+              </a:ext>
+            </a:extLst>
+          </p:cNvPr>
+          <p:cNvPicPr>
+            <a:picLocks noChangeAspect="1"/>
+          </p:cNvPicPr>
+          <p:nvPr/>
+        </p:nvPicPr>
+        <p:blipFill>
+          <a:blip r:embed="rId3">
+            <a:extLst>
+              <a:ext uri="{28A0092B-C50C-407E-A947-70E740481C1C}">
+                <a14:useLocalDpi xmlns:a14="http://schemas.microsoft.com/office/drawing/2010/main" val="0"/>
+              </a:ext>
+            </a:extLst>
+          </a:blip>
+          <a:stretch>
+            <a:fillRect/>
+          </a:stretch>
+        </p:blipFill>
+        <p:spPr>
+          <a:xfrm>
+            <a:off x="4419907" y="3233171"/>
+            <a:ext cx="3689045" cy="1973638"/>
+          </a:xfrm>
+          <a:prstGeom prst="rect">
+            <a:avLst/>
+          </a:prstGeom>
+        </p:spPr>
+      </p:pic>
+      <p:pic>
+        <p:nvPicPr>
+          <p:cNvPr id="11" name="Picture 10" descr="A black background with a line&#10;&#10;AI-generated content may be incorrect.">
+            <a:extLst>
+              <a:ext uri="{FF2B5EF4-FFF2-40B4-BE49-F238E27FC236}">
+                <a16:creationId xmlns:a16="http://schemas.microsoft.com/office/drawing/2014/main" id="{C2DB0080-7FBA-23B3-4013-914A6B4F31CF}"/>
+              </a:ext>
+            </a:extLst>
+          </p:cNvPr>
+          <p:cNvPicPr>
+            <a:picLocks noChangeAspect="1"/>
+          </p:cNvPicPr>
+          <p:nvPr/>
+        </p:nvPicPr>
+        <p:blipFill>
+          <a:blip r:embed="rId4">
+            <a:extLst>
+              <a:ext uri="{28A0092B-C50C-407E-A947-70E740481C1C}">
+                <a14:useLocalDpi xmlns:a14="http://schemas.microsoft.com/office/drawing/2010/main" val="0"/>
+              </a:ext>
+            </a:extLst>
+          </a:blip>
+          <a:stretch>
+            <a:fillRect/>
+          </a:stretch>
+        </p:blipFill>
+        <p:spPr>
+          <a:xfrm>
+            <a:off x="8292124" y="2741411"/>
+            <a:ext cx="3359899" cy="781176"/>
+          </a:xfrm>
+          <a:prstGeom prst="rect">
+            <a:avLst/>
+          </a:prstGeom>
+          <a:effectLst>
+            <a:outerShdw blurRad="508000" dist="101600" dir="5400000" algn="tl" rotWithShape="0">
+              <a:prstClr val="black">
+                <a:alpha val="10000"/>
+              </a:prstClr>
+            </a:outerShdw>
+          </a:effectLst>
+        </p:spPr>
+      </p:pic>
+      <p:pic>
+        <p:nvPicPr>
+          <p:cNvPr id="5" name="Content Placeholder 4" descr="A screenshot of a computer&#10;&#10;AI-generated content may be incorrect.">
+            <a:extLst>
+              <a:ext uri="{FF2B5EF4-FFF2-40B4-BE49-F238E27FC236}">
+                <a16:creationId xmlns:a16="http://schemas.microsoft.com/office/drawing/2014/main" id="{5E9916C7-C8AA-C1B7-E540-F305D27B34A4}"/>
+              </a:ext>
+            </a:extLst>
+          </p:cNvPr>
+          <p:cNvPicPr>
+            <a:picLocks noGrp="1" noChangeAspect="1"/>
+          </p:cNvPicPr>
+          <p:nvPr>
+            <p:ph idx="1"/>
+          </p:nvPr>
+        </p:nvPicPr>
+        <p:blipFill>
+          <a:blip r:embed="rId5">
+            <a:extLst>
+              <a:ext uri="{28A0092B-C50C-407E-A947-70E740481C1C}">
+                <a14:useLocalDpi xmlns:a14="http://schemas.microsoft.com/office/drawing/2010/main" val="0"/>
+              </a:ext>
+            </a:extLst>
+          </a:blip>
+          <a:stretch>
+            <a:fillRect/>
+          </a:stretch>
+        </p:blipFill>
+        <p:spPr>
+          <a:xfrm>
+            <a:off x="8292124" y="4476077"/>
+            <a:ext cx="3358800" cy="1662606"/>
+          </a:xfrm>
+          <a:prstGeom prst="rect">
+            <a:avLst/>
+          </a:prstGeom>
+          <a:effectLst>
+            <a:outerShdw blurRad="508000" dist="101600" dir="5400000" algn="tl" rotWithShape="0">
+              <a:prstClr val="black">
+                <a:alpha val="10000"/>
+              </a:prstClr>
+            </a:outerShdw>
+          </a:effectLst>
+        </p:spPr>
+      </p:pic>
     </p:spTree>
     <p:extLst>
       <p:ext uri="{BB962C8B-B14F-4D97-AF65-F5344CB8AC3E}">
-        <p14:creationId xmlns:p14="http://schemas.microsoft.com/office/powerpoint/2010/main" val="1124777113"/>
+        <p14:creationId xmlns:p14="http://schemas.microsoft.com/office/powerpoint/2010/main" val="784877366"/>
       </p:ext>
     </p:extLst>
   </p:cSld>

--- a/Rentaruro.pptx
+++ b/Rentaruro.pptx
@@ -20,7 +20,8 @@
     <p:sldId id="260" r:id="rId14"/>
     <p:sldId id="262" r:id="rId15"/>
     <p:sldId id="266" r:id="rId16"/>
-    <p:sldId id="265" r:id="rId17"/>
+    <p:sldId id="273" r:id="rId17"/>
+    <p:sldId id="265" r:id="rId18"/>
   </p:sldIdLst>
   <p:sldSz cx="12192000" cy="6858000"/>
   <p:notesSz cx="6858000" cy="9144000"/>
@@ -5107,7 +5108,12 @@
             <p:ph type="title"/>
           </p:nvPr>
         </p:nvSpPr>
-        <p:spPr/>
+        <p:spPr>
+          <a:xfrm>
+            <a:off x="0" y="0"/>
+            <a:ext cx="10515600" cy="1325563"/>
+          </a:xfrm>
+        </p:spPr>
         <p:txBody>
           <a:bodyPr/>
           <a:lstStyle/>
@@ -5119,31 +5125,185 @@
           </a:p>
         </p:txBody>
       </p:sp>
-      <p:sp>
-        <p:nvSpPr>
-          <p:cNvPr id="3" name="Content Placeholder 2">
-            <a:extLst>
-              <a:ext uri="{FF2B5EF4-FFF2-40B4-BE49-F238E27FC236}">
-                <a16:creationId xmlns:a16="http://schemas.microsoft.com/office/drawing/2014/main" id="{B90B6545-ADD9-09AA-AE8E-B1618445F6A1}"/>
-              </a:ext>
-            </a:extLst>
-          </p:cNvPr>
-          <p:cNvSpPr>
-            <a:spLocks noGrp="1"/>
-          </p:cNvSpPr>
+      <p:pic>
+        <p:nvPicPr>
+          <p:cNvPr id="5" name="Content Placeholder 4">
+            <a:extLst>
+              <a:ext uri="{FF2B5EF4-FFF2-40B4-BE49-F238E27FC236}">
+                <a16:creationId xmlns:a16="http://schemas.microsoft.com/office/drawing/2014/main" id="{6A4C260B-B780-BCA6-2AA4-2F1F5678D94A}"/>
+              </a:ext>
+            </a:extLst>
+          </p:cNvPr>
+          <p:cNvPicPr>
+            <a:picLocks noGrp="1" noChangeAspect="1"/>
+          </p:cNvPicPr>
           <p:nvPr>
             <p:ph idx="1"/>
           </p:nvPr>
-        </p:nvSpPr>
-        <p:spPr/>
-        <p:txBody>
-          <a:bodyPr/>
-          <a:lstStyle/>
-          <a:p>
-            <a:endParaRPr lang="hu-HU"/>
-          </a:p>
-        </p:txBody>
-      </p:sp>
+        </p:nvPicPr>
+        <p:blipFill>
+          <a:blip r:embed="rId2"/>
+          <a:stretch>
+            <a:fillRect/>
+          </a:stretch>
+        </p:blipFill>
+        <p:spPr>
+          <a:xfrm>
+            <a:off x="0" y="1325563"/>
+            <a:ext cx="3367710" cy="3545365"/>
+          </a:xfrm>
+        </p:spPr>
+      </p:pic>
+      <p:pic>
+        <p:nvPicPr>
+          <p:cNvPr id="7" name="Picture 6">
+            <a:extLst>
+              <a:ext uri="{FF2B5EF4-FFF2-40B4-BE49-F238E27FC236}">
+                <a16:creationId xmlns:a16="http://schemas.microsoft.com/office/drawing/2014/main" id="{8DF6F51E-D956-4BC3-4B20-00DDEBDE2339}"/>
+              </a:ext>
+            </a:extLst>
+          </p:cNvPr>
+          <p:cNvPicPr>
+            <a:picLocks noChangeAspect="1"/>
+          </p:cNvPicPr>
+          <p:nvPr/>
+        </p:nvPicPr>
+        <p:blipFill>
+          <a:blip r:embed="rId3"/>
+          <a:stretch>
+            <a:fillRect/>
+          </a:stretch>
+        </p:blipFill>
+        <p:spPr>
+          <a:xfrm>
+            <a:off x="3367710" y="1325563"/>
+            <a:ext cx="3299799" cy="3545365"/>
+          </a:xfrm>
+          <a:prstGeom prst="rect">
+            <a:avLst/>
+          </a:prstGeom>
+        </p:spPr>
+      </p:pic>
+      <p:pic>
+        <p:nvPicPr>
+          <p:cNvPr id="11" name="Picture 10">
+            <a:extLst>
+              <a:ext uri="{FF2B5EF4-FFF2-40B4-BE49-F238E27FC236}">
+                <a16:creationId xmlns:a16="http://schemas.microsoft.com/office/drawing/2014/main" id="{D7BF4329-6F1D-60C9-1E8E-3F02DFEDB19F}"/>
+              </a:ext>
+            </a:extLst>
+          </p:cNvPr>
+          <p:cNvPicPr>
+            <a:picLocks noChangeAspect="1"/>
+          </p:cNvPicPr>
+          <p:nvPr/>
+        </p:nvPicPr>
+        <p:blipFill>
+          <a:blip r:embed="rId4"/>
+          <a:stretch>
+            <a:fillRect/>
+          </a:stretch>
+        </p:blipFill>
+        <p:spPr>
+          <a:xfrm>
+            <a:off x="2674466" y="5106880"/>
+            <a:ext cx="1960017" cy="1553592"/>
+          </a:xfrm>
+          <a:prstGeom prst="rect">
+            <a:avLst/>
+          </a:prstGeom>
+        </p:spPr>
+      </p:pic>
+      <p:pic>
+        <p:nvPicPr>
+          <p:cNvPr id="13" name="Picture 12">
+            <a:extLst>
+              <a:ext uri="{FF2B5EF4-FFF2-40B4-BE49-F238E27FC236}">
+                <a16:creationId xmlns:a16="http://schemas.microsoft.com/office/drawing/2014/main" id="{2E1E7BF0-D9DB-1467-5070-FEBAF53C1726}"/>
+              </a:ext>
+            </a:extLst>
+          </p:cNvPr>
+          <p:cNvPicPr>
+            <a:picLocks noChangeAspect="1"/>
+          </p:cNvPicPr>
+          <p:nvPr/>
+        </p:nvPicPr>
+        <p:blipFill>
+          <a:blip r:embed="rId5"/>
+          <a:stretch>
+            <a:fillRect/>
+          </a:stretch>
+        </p:blipFill>
+        <p:spPr>
+          <a:xfrm>
+            <a:off x="6623918" y="1325562"/>
+            <a:ext cx="3339906" cy="3545365"/>
+          </a:xfrm>
+          <a:prstGeom prst="rect">
+            <a:avLst/>
+          </a:prstGeom>
+        </p:spPr>
+      </p:pic>
+      <p:pic>
+        <p:nvPicPr>
+          <p:cNvPr id="17" name="Picture 16">
+            <a:extLst>
+              <a:ext uri="{FF2B5EF4-FFF2-40B4-BE49-F238E27FC236}">
+                <a16:creationId xmlns:a16="http://schemas.microsoft.com/office/drawing/2014/main" id="{42F3E6F9-05E7-A610-3FC9-0D0520D99DB1}"/>
+              </a:ext>
+            </a:extLst>
+          </p:cNvPr>
+          <p:cNvPicPr>
+            <a:picLocks noChangeAspect="1"/>
+          </p:cNvPicPr>
+          <p:nvPr/>
+        </p:nvPicPr>
+        <p:blipFill>
+          <a:blip r:embed="rId6"/>
+          <a:stretch>
+            <a:fillRect/>
+          </a:stretch>
+        </p:blipFill>
+        <p:spPr>
+          <a:xfrm>
+            <a:off x="9991628" y="1325562"/>
+            <a:ext cx="1896743" cy="2051867"/>
+          </a:xfrm>
+          <a:prstGeom prst="rect">
+            <a:avLst/>
+          </a:prstGeom>
+        </p:spPr>
+      </p:pic>
+      <p:pic>
+        <p:nvPicPr>
+          <p:cNvPr id="19" name="Picture 18">
+            <a:extLst>
+              <a:ext uri="{FF2B5EF4-FFF2-40B4-BE49-F238E27FC236}">
+                <a16:creationId xmlns:a16="http://schemas.microsoft.com/office/drawing/2014/main" id="{5B441866-5EBF-41BA-B394-4EF590ECBFA8}"/>
+              </a:ext>
+            </a:extLst>
+          </p:cNvPr>
+          <p:cNvPicPr>
+            <a:picLocks noChangeAspect="1"/>
+          </p:cNvPicPr>
+          <p:nvPr/>
+        </p:nvPicPr>
+        <p:blipFill>
+          <a:blip r:embed="rId7"/>
+          <a:stretch>
+            <a:fillRect/>
+          </a:stretch>
+        </p:blipFill>
+        <p:spPr>
+          <a:xfrm>
+            <a:off x="9991628" y="3377429"/>
+            <a:ext cx="1960016" cy="2557454"/>
+          </a:xfrm>
+          <a:prstGeom prst="rect">
+            <a:avLst/>
+          </a:prstGeom>
+        </p:spPr>
+      </p:pic>
     </p:spTree>
     <p:extLst>
       <p:ext uri="{BB962C8B-B14F-4D97-AF65-F5344CB8AC3E}">
@@ -5260,7 +5420,7 @@
         </p:nvSpPr>
         <p:spPr>
           <a:xfrm>
-            <a:off x="838200" y="557191"/>
+            <a:off x="0" y="5886"/>
             <a:ext cx="10515600" cy="2217174"/>
           </a:xfrm>
         </p:spPr>
@@ -5272,7 +5432,7 @@
           <a:p>
             <a:pPr algn="ctr"/>
             <a:r>
-              <a:rPr lang="en-US" sz="5200" kern="1200">
+              <a:rPr lang="en-US" sz="5200" kern="1200" dirty="0">
                 <a:solidFill>
                   <a:schemeClr val="tx1"/>
                 </a:solidFill>
@@ -5280,7 +5440,73 @@
                 <a:ea typeface="+mj-ea"/>
                 <a:cs typeface="+mj-cs"/>
               </a:rPr>
-              <a:t>Projekt tervezése (mobil alkalmazás)</a:t>
+              <a:t>Projekt </a:t>
+            </a:r>
+            <a:r>
+              <a:rPr lang="en-US" sz="5200" kern="1200" dirty="0" err="1">
+                <a:solidFill>
+                  <a:schemeClr val="tx1"/>
+                </a:solidFill>
+                <a:latin typeface="+mj-lt"/>
+                <a:ea typeface="+mj-ea"/>
+                <a:cs typeface="+mj-cs"/>
+              </a:rPr>
+              <a:t>tervezése</a:t>
+            </a:r>
+            <a:r>
+              <a:rPr lang="en-US" sz="5200" kern="1200" dirty="0">
+                <a:solidFill>
+                  <a:schemeClr val="tx1"/>
+                </a:solidFill>
+                <a:latin typeface="+mj-lt"/>
+                <a:ea typeface="+mj-ea"/>
+                <a:cs typeface="+mj-cs"/>
+              </a:rPr>
+              <a:t> (</a:t>
+            </a:r>
+            <a:r>
+              <a:rPr lang="en-US" sz="5200" kern="1200" dirty="0" err="1">
+                <a:solidFill>
+                  <a:schemeClr val="tx1"/>
+                </a:solidFill>
+                <a:latin typeface="+mj-lt"/>
+                <a:ea typeface="+mj-ea"/>
+                <a:cs typeface="+mj-cs"/>
+              </a:rPr>
+              <a:t>mobil</a:t>
+            </a:r>
+            <a:r>
+              <a:rPr lang="en-US" sz="5200" kern="1200" dirty="0">
+                <a:solidFill>
+                  <a:schemeClr val="tx1"/>
+                </a:solidFill>
+                <a:latin typeface="+mj-lt"/>
+                <a:ea typeface="+mj-ea"/>
+                <a:cs typeface="+mj-cs"/>
+              </a:rPr>
+              <a:t> </a:t>
+            </a:r>
+            <a:r>
+              <a:rPr lang="en-US" sz="5200" kern="1200" dirty="0" err="1">
+                <a:solidFill>
+                  <a:schemeClr val="tx1"/>
+                </a:solidFill>
+                <a:latin typeface="+mj-lt"/>
+                <a:ea typeface="+mj-ea"/>
+                <a:cs typeface="+mj-cs"/>
+              </a:rPr>
+              <a:t>alkalmazás</a:t>
+            </a:r>
+            <a:r>
+              <a:rPr lang="en-US" sz="5200" kern="1200" dirty="0">
+                <a:solidFill>
+                  <a:schemeClr val="tx1"/>
+                </a:solidFill>
+                <a:latin typeface="+mj-lt"/>
+                <a:ea typeface="+mj-ea"/>
+                <a:cs typeface="+mj-cs"/>
+              </a:rPr>
+              <a:t>)</a:t>
             </a:r>
           </a:p>
         </p:txBody>
@@ -5314,7 +5540,7 @@
         </p:blipFill>
         <p:spPr>
           <a:xfrm>
-            <a:off x="184558" y="2962911"/>
+            <a:off x="184558" y="2270452"/>
             <a:ext cx="2255462" cy="3155238"/>
           </a:xfrm>
           <a:prstGeom prst="rect">
@@ -5351,7 +5577,7 @@
         </p:blipFill>
         <p:spPr>
           <a:xfrm>
-            <a:off x="2575696" y="2962911"/>
+            <a:off x="2526991" y="2270452"/>
             <a:ext cx="2255462" cy="3155238"/>
           </a:xfrm>
           <a:prstGeom prst="rect">
@@ -5390,7 +5616,7 @@
         </p:blipFill>
         <p:spPr>
           <a:xfrm>
-            <a:off x="4966833" y="2962911"/>
+            <a:off x="5015538" y="2323356"/>
             <a:ext cx="2255462" cy="3155238"/>
           </a:xfrm>
           <a:prstGeom prst="rect">
@@ -5427,7 +5653,7 @@
         </p:blipFill>
         <p:spPr>
           <a:xfrm>
-            <a:off x="7357971" y="2962911"/>
+            <a:off x="7357971" y="2323356"/>
             <a:ext cx="2255462" cy="3155238"/>
           </a:xfrm>
           <a:prstGeom prst="rect">
@@ -5464,7 +5690,7 @@
         </p:blipFill>
         <p:spPr>
           <a:xfrm>
-            <a:off x="9749109" y="2962911"/>
+            <a:off x="9751980" y="2265615"/>
             <a:ext cx="2255462" cy="3155238"/>
           </a:xfrm>
           <a:prstGeom prst="rect">
@@ -6001,6 +6227,13 @@
               <a:rPr lang="en-GB" dirty="0" err="1"/>
               <a:t>bérlése</a:t>
             </a:r>
+            <a:endParaRPr lang="hu-HU" dirty="0"/>
+          </a:p>
+          <a:p>
+            <a:r>
+              <a:rPr lang="hu-HU" dirty="0"/>
+              <a:t>Saját bérlések megtekintése</a:t>
+            </a:r>
             <a:endParaRPr lang="en-GB" dirty="0"/>
           </a:p>
           <a:p>
@@ -6022,6 +6255,150 @@
 </file>
 
 <file path=ppt/slides/slide16.xml><?xml version="1.0" encoding="utf-8"?>
+<p:sld xmlns:a="http://schemas.openxmlformats.org/drawingml/2006/main" xmlns:r="http://schemas.openxmlformats.org/officeDocument/2006/relationships" xmlns:p="http://schemas.openxmlformats.org/presentationml/2006/main">
+  <p:cSld>
+    <p:spTree>
+      <p:nvGrpSpPr>
+        <p:cNvPr id="1" name="">
+          <a:extLst>
+            <a:ext uri="{FF2B5EF4-FFF2-40B4-BE49-F238E27FC236}">
+              <a16:creationId xmlns:a16="http://schemas.microsoft.com/office/drawing/2014/main" id="{951858B8-F251-EA14-0EAE-BA3E593EA451}"/>
+            </a:ext>
+          </a:extLst>
+        </p:cNvPr>
+        <p:cNvGrpSpPr/>
+        <p:nvPr/>
+      </p:nvGrpSpPr>
+      <p:grpSpPr>
+        <a:xfrm>
+          <a:off x="0" y="0"/>
+          <a:ext cx="0" cy="0"/>
+          <a:chOff x="0" y="0"/>
+          <a:chExt cx="0" cy="0"/>
+        </a:xfrm>
+      </p:grpSpPr>
+      <p:sp>
+        <p:nvSpPr>
+          <p:cNvPr id="2" name="Title 1">
+            <a:extLst>
+              <a:ext uri="{FF2B5EF4-FFF2-40B4-BE49-F238E27FC236}">
+                <a16:creationId xmlns:a16="http://schemas.microsoft.com/office/drawing/2014/main" id="{33567FE4-4074-493D-2ACF-50F6E2F1C4D9}"/>
+              </a:ext>
+            </a:extLst>
+          </p:cNvPr>
+          <p:cNvSpPr>
+            <a:spLocks noGrp="1"/>
+          </p:cNvSpPr>
+          <p:nvPr>
+            <p:ph type="title"/>
+          </p:nvPr>
+        </p:nvSpPr>
+        <p:spPr/>
+        <p:txBody>
+          <a:bodyPr/>
+          <a:lstStyle/>
+          <a:p>
+            <a:r>
+              <a:rPr lang="hu-HU" dirty="0"/>
+              <a:t>Weboldal </a:t>
+            </a:r>
+            <a:r>
+              <a:rPr lang="en-GB" dirty="0" err="1"/>
+              <a:t>funkciói</a:t>
+            </a:r>
+            <a:r>
+              <a:rPr lang="en-GB" dirty="0"/>
+              <a:t> (</a:t>
+            </a:r>
+            <a:r>
+              <a:rPr lang="en-GB" dirty="0" err="1"/>
+              <a:t>bérlő</a:t>
+            </a:r>
+            <a:r>
+              <a:rPr lang="en-GB" dirty="0"/>
+              <a:t>)</a:t>
+            </a:r>
+          </a:p>
+        </p:txBody>
+      </p:sp>
+      <p:sp>
+        <p:nvSpPr>
+          <p:cNvPr id="3" name="Content Placeholder 2">
+            <a:extLst>
+              <a:ext uri="{FF2B5EF4-FFF2-40B4-BE49-F238E27FC236}">
+                <a16:creationId xmlns:a16="http://schemas.microsoft.com/office/drawing/2014/main" id="{66EE3EFF-345B-1588-0421-21A1A917E69B}"/>
+              </a:ext>
+            </a:extLst>
+          </p:cNvPr>
+          <p:cNvSpPr>
+            <a:spLocks noGrp="1"/>
+          </p:cNvSpPr>
+          <p:nvPr>
+            <p:ph idx="1"/>
+          </p:nvPr>
+        </p:nvSpPr>
+        <p:spPr/>
+        <p:txBody>
+          <a:bodyPr/>
+          <a:lstStyle/>
+          <a:p>
+            <a:r>
+              <a:rPr lang="en-GB" dirty="0" err="1"/>
+              <a:t>Regisztráció</a:t>
+            </a:r>
+            <a:endParaRPr lang="en-GB" dirty="0"/>
+          </a:p>
+          <a:p>
+            <a:r>
+              <a:rPr lang="en-GB" dirty="0" err="1"/>
+              <a:t>Bejelentkezés</a:t>
+            </a:r>
+            <a:endParaRPr lang="en-GB" dirty="0"/>
+          </a:p>
+          <a:p>
+            <a:r>
+              <a:rPr lang="en-GB" dirty="0" err="1"/>
+              <a:t>Autók</a:t>
+            </a:r>
+            <a:r>
+              <a:rPr lang="en-GB" dirty="0"/>
+              <a:t> </a:t>
+            </a:r>
+            <a:r>
+              <a:rPr lang="en-GB" dirty="0" err="1"/>
+              <a:t>bérlése</a:t>
+            </a:r>
+            <a:endParaRPr lang="hu-HU" dirty="0"/>
+          </a:p>
+          <a:p>
+            <a:r>
+              <a:rPr lang="hu-HU" dirty="0"/>
+              <a:t>Saját bérlések megtekintése</a:t>
+            </a:r>
+            <a:endParaRPr lang="en-GB" dirty="0"/>
+          </a:p>
+          <a:p>
+            <a:endParaRPr lang="en-GB" dirty="0"/>
+          </a:p>
+          <a:p>
+            <a:endParaRPr lang="en-GB" dirty="0"/>
+          </a:p>
+        </p:txBody>
+      </p:sp>
+    </p:spTree>
+    <p:extLst>
+      <p:ext uri="{BB962C8B-B14F-4D97-AF65-F5344CB8AC3E}">
+        <p14:creationId xmlns:p14="http://schemas.microsoft.com/office/powerpoint/2010/main" val="1654051638"/>
+      </p:ext>
+    </p:extLst>
+  </p:cSld>
+  <p:clrMapOvr>
+    <a:masterClrMapping/>
+  </p:clrMapOvr>
+</p:sld>
+</file>
+
+<file path=ppt/slides/slide17.xml><?xml version="1.0" encoding="utf-8"?>
 <p:sld xmlns:a="http://schemas.openxmlformats.org/drawingml/2006/main" xmlns:r="http://schemas.openxmlformats.org/officeDocument/2006/relationships" xmlns:p="http://schemas.openxmlformats.org/presentationml/2006/main">
   <p:cSld>
     <p:spTree>
